--- a/Basic_Computer_Skills_for_Forensics/1_PC_Introduction.pptx
+++ b/Basic_Computer_Skills_for_Forensics/1_PC_Introduction.pptx
@@ -5,7 +5,7 @@
     <p:sldMasterId id="2147483648" r:id="rId1"/>
   </p:sldMasterIdLst>
   <p:notesMasterIdLst>
-    <p:notesMasterId r:id="rId26"/>
+    <p:notesMasterId r:id="rId36"/>
   </p:notesMasterIdLst>
   <p:sldIdLst>
     <p:sldId id="256" r:id="rId2"/>
@@ -13,25 +13,35 @@
     <p:sldId id="448" r:id="rId4"/>
     <p:sldId id="259" r:id="rId5"/>
     <p:sldId id="258" r:id="rId6"/>
-    <p:sldId id="449" r:id="rId7"/>
-    <p:sldId id="418" r:id="rId8"/>
-    <p:sldId id="427" r:id="rId9"/>
-    <p:sldId id="419" r:id="rId10"/>
-    <p:sldId id="420" r:id="rId11"/>
-    <p:sldId id="421" r:id="rId12"/>
-    <p:sldId id="428" r:id="rId13"/>
-    <p:sldId id="429" r:id="rId14"/>
-    <p:sldId id="431" r:id="rId15"/>
-    <p:sldId id="430" r:id="rId16"/>
-    <p:sldId id="432" r:id="rId17"/>
-    <p:sldId id="444" r:id="rId18"/>
-    <p:sldId id="447" r:id="rId19"/>
-    <p:sldId id="441" r:id="rId20"/>
-    <p:sldId id="450" r:id="rId21"/>
-    <p:sldId id="423" r:id="rId22"/>
-    <p:sldId id="433" r:id="rId23"/>
-    <p:sldId id="438" r:id="rId24"/>
-    <p:sldId id="451" r:id="rId25"/>
+    <p:sldId id="452" r:id="rId7"/>
+    <p:sldId id="453" r:id="rId8"/>
+    <p:sldId id="455" r:id="rId9"/>
+    <p:sldId id="454" r:id="rId10"/>
+    <p:sldId id="449" r:id="rId11"/>
+    <p:sldId id="418" r:id="rId12"/>
+    <p:sldId id="427" r:id="rId13"/>
+    <p:sldId id="419" r:id="rId14"/>
+    <p:sldId id="420" r:id="rId15"/>
+    <p:sldId id="421" r:id="rId16"/>
+    <p:sldId id="456" r:id="rId17"/>
+    <p:sldId id="458" r:id="rId18"/>
+    <p:sldId id="428" r:id="rId19"/>
+    <p:sldId id="459" r:id="rId20"/>
+    <p:sldId id="429" r:id="rId21"/>
+    <p:sldId id="430" r:id="rId22"/>
+    <p:sldId id="431" r:id="rId23"/>
+    <p:sldId id="432" r:id="rId24"/>
+    <p:sldId id="444" r:id="rId25"/>
+    <p:sldId id="447" r:id="rId26"/>
+    <p:sldId id="441" r:id="rId27"/>
+    <p:sldId id="450" r:id="rId28"/>
+    <p:sldId id="423" r:id="rId29"/>
+    <p:sldId id="433" r:id="rId30"/>
+    <p:sldId id="438" r:id="rId31"/>
+    <p:sldId id="461" r:id="rId32"/>
+    <p:sldId id="462" r:id="rId33"/>
+    <p:sldId id="451" r:id="rId34"/>
+    <p:sldId id="460" r:id="rId35"/>
   </p:sldIdLst>
   <p:sldSz cx="12192000" cy="6858000"/>
   <p:notesSz cx="6858000" cy="9144000"/>
@@ -141,8 +151,7 @@
 <file path=ppt/revisionInfo.xml><?xml version="1.0" encoding="utf-8"?>
 <p1510:revInfo xmlns:a="http://schemas.openxmlformats.org/drawingml/2006/main" xmlns:r="http://schemas.openxmlformats.org/officeDocument/2006/relationships" xmlns:p1510="http://schemas.microsoft.com/office/powerpoint/2015/10/main">
   <p1510:revLst>
-    <p1510:client id="{3A194C69-541F-4DAC-9FC0-76AC812597F4}" v="9" dt="2021-08-10T21:15:16.623"/>
-    <p1510:client id="{A4CA56D5-47CB-484F-8DE2-B0FAB0B6CF57}" v="51" dt="2021-08-11T01:24:24.674"/>
+    <p1510:client id="{A4CA56D5-47CB-484F-8DE2-B0FAB0B6CF57}" v="81" dt="2021-08-22T19:23:04.768"/>
   </p1510:revLst>
 </p1510:revInfo>
 </file>
@@ -3479,7 +3488,7 @@
   <pc:docChgLst>
     <pc:chgData name="Weifeng Xu" userId="e7aed605-a3dd-4d5a-a692-a87037af107b" providerId="ADAL" clId="{A4CA56D5-47CB-484F-8DE2-B0FAB0B6CF57}"/>
     <pc:docChg chg="undo custSel addSld delSld modSld sldOrd">
-      <pc:chgData name="Weifeng Xu" userId="e7aed605-a3dd-4d5a-a692-a87037af107b" providerId="ADAL" clId="{A4CA56D5-47CB-484F-8DE2-B0FAB0B6CF57}" dt="2021-08-11T01:24:24.672" v="674"/>
+      <pc:chgData name="Weifeng Xu" userId="e7aed605-a3dd-4d5a-a692-a87037af107b" providerId="ADAL" clId="{A4CA56D5-47CB-484F-8DE2-B0FAB0B6CF57}" dt="2021-08-22T19:34:40.420" v="2300" actId="20577"/>
       <pc:docMkLst>
         <pc:docMk/>
       </pc:docMkLst>
@@ -3499,13 +3508,13 @@
         </pc:spChg>
       </pc:sldChg>
       <pc:sldChg chg="modSp mod ord">
-        <pc:chgData name="Weifeng Xu" userId="e7aed605-a3dd-4d5a-a692-a87037af107b" providerId="ADAL" clId="{A4CA56D5-47CB-484F-8DE2-B0FAB0B6CF57}" dt="2021-08-11T01:18:01.574" v="658" actId="20577"/>
+        <pc:chgData name="Weifeng Xu" userId="e7aed605-a3dd-4d5a-a692-a87037af107b" providerId="ADAL" clId="{A4CA56D5-47CB-484F-8DE2-B0FAB0B6CF57}" dt="2021-08-22T19:22:01.493" v="2293"/>
         <pc:sldMkLst>
           <pc:docMk/>
           <pc:sldMk cId="3464803328" sldId="257"/>
         </pc:sldMkLst>
         <pc:spChg chg="mod">
-          <ac:chgData name="Weifeng Xu" userId="e7aed605-a3dd-4d5a-a692-a87037af107b" providerId="ADAL" clId="{A4CA56D5-47CB-484F-8DE2-B0FAB0B6CF57}" dt="2021-08-11T01:18:01.574" v="658" actId="20577"/>
+          <ac:chgData name="Weifeng Xu" userId="e7aed605-a3dd-4d5a-a692-a87037af107b" providerId="ADAL" clId="{A4CA56D5-47CB-484F-8DE2-B0FAB0B6CF57}" dt="2021-08-22T19:22:01.493" v="2293"/>
           <ac:spMkLst>
             <pc:docMk/>
             <pc:sldMk cId="3464803328" sldId="257"/>
@@ -3514,7 +3523,7 @@
         </pc:spChg>
       </pc:sldChg>
       <pc:sldChg chg="addSp delSp modSp new mod setBg modClrScheme chgLayout">
-        <pc:chgData name="Weifeng Xu" userId="e7aed605-a3dd-4d5a-a692-a87037af107b" providerId="ADAL" clId="{A4CA56D5-47CB-484F-8DE2-B0FAB0B6CF57}" dt="2021-08-10T21:27:00.357" v="152" actId="1076"/>
+        <pc:chgData name="Weifeng Xu" userId="e7aed605-a3dd-4d5a-a692-a87037af107b" providerId="ADAL" clId="{A4CA56D5-47CB-484F-8DE2-B0FAB0B6CF57}" dt="2021-08-22T19:23:04.768" v="2294" actId="1076"/>
         <pc:sldMkLst>
           <pc:docMk/>
           <pc:sldMk cId="4010385979" sldId="259"/>
@@ -3536,6 +3545,22 @@
           </ac:spMkLst>
         </pc:spChg>
         <pc:spChg chg="add mod">
+          <ac:chgData name="Weifeng Xu" userId="e7aed605-a3dd-4d5a-a692-a87037af107b" providerId="ADAL" clId="{A4CA56D5-47CB-484F-8DE2-B0FAB0B6CF57}" dt="2021-08-21T14:19:20.759" v="877" actId="1076"/>
+          <ac:spMkLst>
+            <pc:docMk/>
+            <pc:sldMk cId="4010385979" sldId="259"/>
+            <ac:spMk id="3" creationId="{81FF3E71-63E4-4E3A-83FB-207CA7A70BB5}"/>
+          </ac:spMkLst>
+        </pc:spChg>
+        <pc:spChg chg="add mod">
+          <ac:chgData name="Weifeng Xu" userId="e7aed605-a3dd-4d5a-a692-a87037af107b" providerId="ADAL" clId="{A4CA56D5-47CB-484F-8DE2-B0FAB0B6CF57}" dt="2021-08-21T14:22:15.441" v="894" actId="20577"/>
+          <ac:spMkLst>
+            <pc:docMk/>
+            <pc:sldMk cId="4010385979" sldId="259"/>
+            <ac:spMk id="4" creationId="{6DF168C5-CA4C-4395-8075-B4EE8934D9AD}"/>
+          </ac:spMkLst>
+        </pc:spChg>
+        <pc:spChg chg="add mod">
           <ac:chgData name="Weifeng Xu" userId="e7aed605-a3dd-4d5a-a692-a87037af107b" providerId="ADAL" clId="{A4CA56D5-47CB-484F-8DE2-B0FAB0B6CF57}" dt="2021-08-10T21:27:00.357" v="152" actId="1076"/>
           <ac:spMkLst>
             <pc:docMk/>
@@ -3544,7 +3569,7 @@
           </ac:spMkLst>
         </pc:spChg>
         <pc:picChg chg="add mod">
-          <ac:chgData name="Weifeng Xu" userId="e7aed605-a3dd-4d5a-a692-a87037af107b" providerId="ADAL" clId="{A4CA56D5-47CB-484F-8DE2-B0FAB0B6CF57}" dt="2021-08-10T21:24:49.475" v="132" actId="1076"/>
+          <ac:chgData name="Weifeng Xu" userId="e7aed605-a3dd-4d5a-a692-a87037af107b" providerId="ADAL" clId="{A4CA56D5-47CB-484F-8DE2-B0FAB0B6CF57}" dt="2021-08-22T19:23:04.768" v="2294" actId="1076"/>
           <ac:picMkLst>
             <pc:docMk/>
             <pc:sldMk cId="4010385979" sldId="259"/>
@@ -3560,7 +3585,7 @@
         </pc:sldMkLst>
       </pc:sldChg>
       <pc:sldChg chg="addSp delSp modSp add mod ord modClrScheme chgLayout">
-        <pc:chgData name="Weifeng Xu" userId="e7aed605-a3dd-4d5a-a692-a87037af107b" providerId="ADAL" clId="{A4CA56D5-47CB-484F-8DE2-B0FAB0B6CF57}" dt="2021-08-11T00:26:39.673" v="318" actId="1076"/>
+        <pc:chgData name="Weifeng Xu" userId="e7aed605-a3dd-4d5a-a692-a87037af107b" providerId="ADAL" clId="{A4CA56D5-47CB-484F-8DE2-B0FAB0B6CF57}" dt="2021-08-21T15:07:08.260" v="1781" actId="1076"/>
         <pc:sldMkLst>
           <pc:docMk/>
           <pc:sldMk cId="1663533553" sldId="418"/>
@@ -3613,6 +3638,30 @@
             <ac:picMk id="1028" creationId="{00000000-0000-0000-0000-000000000000}"/>
           </ac:picMkLst>
         </pc:picChg>
+        <pc:cxnChg chg="add mod">
+          <ac:chgData name="Weifeng Xu" userId="e7aed605-a3dd-4d5a-a692-a87037af107b" providerId="ADAL" clId="{A4CA56D5-47CB-484F-8DE2-B0FAB0B6CF57}" dt="2021-08-21T15:06:47.346" v="1774" actId="208"/>
+          <ac:cxnSpMkLst>
+            <pc:docMk/>
+            <pc:sldMk cId="1663533553" sldId="418"/>
+            <ac:cxnSpMk id="4" creationId="{054F1B51-B90E-49D4-9ABC-D540CFDB8662}"/>
+          </ac:cxnSpMkLst>
+        </pc:cxnChg>
+        <pc:cxnChg chg="add mod">
+          <ac:chgData name="Weifeng Xu" userId="e7aed605-a3dd-4d5a-a692-a87037af107b" providerId="ADAL" clId="{A4CA56D5-47CB-484F-8DE2-B0FAB0B6CF57}" dt="2021-08-21T15:06:59.234" v="1778" actId="14100"/>
+          <ac:cxnSpMkLst>
+            <pc:docMk/>
+            <pc:sldMk cId="1663533553" sldId="418"/>
+            <ac:cxnSpMk id="9" creationId="{78423D44-2E8A-4257-96AB-A434F2A6F559}"/>
+          </ac:cxnSpMkLst>
+        </pc:cxnChg>
+        <pc:cxnChg chg="add mod">
+          <ac:chgData name="Weifeng Xu" userId="e7aed605-a3dd-4d5a-a692-a87037af107b" providerId="ADAL" clId="{A4CA56D5-47CB-484F-8DE2-B0FAB0B6CF57}" dt="2021-08-21T15:07:08.260" v="1781" actId="1076"/>
+          <ac:cxnSpMkLst>
+            <pc:docMk/>
+            <pc:sldMk cId="1663533553" sldId="418"/>
+            <ac:cxnSpMk id="10" creationId="{5EFDAE76-B99D-427C-ACDF-E379E99B5D68}"/>
+          </ac:cxnSpMkLst>
+        </pc:cxnChg>
       </pc:sldChg>
       <pc:sldChg chg="delSp modSp add mod">
         <pc:chgData name="Weifeng Xu" userId="e7aed605-a3dd-4d5a-a692-a87037af107b" providerId="ADAL" clId="{A4CA56D5-47CB-484F-8DE2-B0FAB0B6CF57}" dt="2021-08-10T21:48:43.040" v="253" actId="6549"/>
@@ -3745,14 +3794,14 @@
           </ac:picMkLst>
         </pc:picChg>
       </pc:sldChg>
-      <pc:sldChg chg="addSp modSp new mod">
-        <pc:chgData name="Weifeng Xu" userId="e7aed605-a3dd-4d5a-a692-a87037af107b" providerId="ADAL" clId="{A4CA56D5-47CB-484F-8DE2-B0FAB0B6CF57}" dt="2021-08-11T00:33:54.082" v="374" actId="1076"/>
+      <pc:sldChg chg="addSp delSp modSp new mod modClrScheme chgLayout">
+        <pc:chgData name="Weifeng Xu" userId="e7aed605-a3dd-4d5a-a692-a87037af107b" providerId="ADAL" clId="{A4CA56D5-47CB-484F-8DE2-B0FAB0B6CF57}" dt="2021-08-22T14:22:59.325" v="1822" actId="700"/>
         <pc:sldMkLst>
           <pc:docMk/>
           <pc:sldMk cId="1159618598" sldId="428"/>
         </pc:sldMkLst>
-        <pc:spChg chg="mod">
-          <ac:chgData name="Weifeng Xu" userId="e7aed605-a3dd-4d5a-a692-a87037af107b" providerId="ADAL" clId="{A4CA56D5-47CB-484F-8DE2-B0FAB0B6CF57}" dt="2021-08-11T00:32:03.421" v="336" actId="6549"/>
+        <pc:spChg chg="del mod">
+          <ac:chgData name="Weifeng Xu" userId="e7aed605-a3dd-4d5a-a692-a87037af107b" providerId="ADAL" clId="{A4CA56D5-47CB-484F-8DE2-B0FAB0B6CF57}" dt="2021-08-22T14:22:59.325" v="1822" actId="700"/>
           <ac:spMkLst>
             <pc:docMk/>
             <pc:sldMk cId="1159618598" sldId="428"/>
@@ -3785,7 +3834,7 @@
         </pc:picChg>
       </pc:sldChg>
       <pc:sldChg chg="addSp delSp modSp new mod modClrScheme chgLayout">
-        <pc:chgData name="Weifeng Xu" userId="e7aed605-a3dd-4d5a-a692-a87037af107b" providerId="ADAL" clId="{A4CA56D5-47CB-484F-8DE2-B0FAB0B6CF57}" dt="2021-08-11T00:54:43.846" v="574" actId="1076"/>
+        <pc:chgData name="Weifeng Xu" userId="e7aed605-a3dd-4d5a-a692-a87037af107b" providerId="ADAL" clId="{A4CA56D5-47CB-484F-8DE2-B0FAB0B6CF57}" dt="2021-08-21T15:12:29.378" v="1783" actId="208"/>
         <pc:sldMkLst>
           <pc:docMk/>
           <pc:sldMk cId="1861126999" sldId="429"/>
@@ -3831,7 +3880,7 @@
           </ac:picMkLst>
         </pc:picChg>
         <pc:cxnChg chg="add mod">
-          <ac:chgData name="Weifeng Xu" userId="e7aed605-a3dd-4d5a-a692-a87037af107b" providerId="ADAL" clId="{A4CA56D5-47CB-484F-8DE2-B0FAB0B6CF57}" dt="2021-08-11T00:53:38.744" v="555" actId="1076"/>
+          <ac:chgData name="Weifeng Xu" userId="e7aed605-a3dd-4d5a-a692-a87037af107b" providerId="ADAL" clId="{A4CA56D5-47CB-484F-8DE2-B0FAB0B6CF57}" dt="2021-08-21T15:12:29.378" v="1783" actId="208"/>
           <ac:cxnSpMkLst>
             <pc:docMk/>
             <pc:sldMk cId="1861126999" sldId="429"/>
@@ -3855,8 +3904,8 @@
           </ac:cxnSpMkLst>
         </pc:cxnChg>
       </pc:sldChg>
-      <pc:sldChg chg="addSp modSp new mod">
-        <pc:chgData name="Weifeng Xu" userId="e7aed605-a3dd-4d5a-a692-a87037af107b" providerId="ADAL" clId="{A4CA56D5-47CB-484F-8DE2-B0FAB0B6CF57}" dt="2021-08-11T00:44:49.398" v="467" actId="13822"/>
+      <pc:sldChg chg="addSp modSp new mod ord">
+        <pc:chgData name="Weifeng Xu" userId="e7aed605-a3dd-4d5a-a692-a87037af107b" providerId="ADAL" clId="{A4CA56D5-47CB-484F-8DE2-B0FAB0B6CF57}" dt="2021-08-21T18:49:24.978" v="1785"/>
         <pc:sldMkLst>
           <pc:docMk/>
           <pc:sldMk cId="2182210702" sldId="430"/>
@@ -3886,8 +3935,8 @@
           </ac:cxnSpMkLst>
         </pc:cxnChg>
       </pc:sldChg>
-      <pc:sldChg chg="addSp modSp new mod">
-        <pc:chgData name="Weifeng Xu" userId="e7aed605-a3dd-4d5a-a692-a87037af107b" providerId="ADAL" clId="{A4CA56D5-47CB-484F-8DE2-B0FAB0B6CF57}" dt="2021-08-11T01:09:09.063" v="613" actId="13822"/>
+      <pc:sldChg chg="addSp modSp new mod modNotesTx">
+        <pc:chgData name="Weifeng Xu" userId="e7aed605-a3dd-4d5a-a692-a87037af107b" providerId="ADAL" clId="{A4CA56D5-47CB-484F-8DE2-B0FAB0B6CF57}" dt="2021-08-22T14:59:15.006" v="1939" actId="20577"/>
         <pc:sldMkLst>
           <pc:docMk/>
           <pc:sldMk cId="3967940993" sldId="431"/>
@@ -3980,19 +4029,43 @@
           </ac:cxnSpMkLst>
         </pc:cxnChg>
       </pc:sldChg>
-      <pc:sldChg chg="add">
-        <pc:chgData name="Weifeng Xu" userId="e7aed605-a3dd-4d5a-a692-a87037af107b" providerId="ADAL" clId="{A4CA56D5-47CB-484F-8DE2-B0FAB0B6CF57}" dt="2021-08-11T01:24:24.672" v="674"/>
+      <pc:sldChg chg="addSp modSp add mod">
+        <pc:chgData name="Weifeng Xu" userId="e7aed605-a3dd-4d5a-a692-a87037af107b" providerId="ADAL" clId="{A4CA56D5-47CB-484F-8DE2-B0FAB0B6CF57}" dt="2021-08-22T15:36:38.957" v="2063" actId="1076"/>
         <pc:sldMkLst>
           <pc:docMk/>
           <pc:sldMk cId="1187390596" sldId="433"/>
         </pc:sldMkLst>
+        <pc:spChg chg="add mod">
+          <ac:chgData name="Weifeng Xu" userId="e7aed605-a3dd-4d5a-a692-a87037af107b" providerId="ADAL" clId="{A4CA56D5-47CB-484F-8DE2-B0FAB0B6CF57}" dt="2021-08-22T15:36:38.957" v="2063" actId="1076"/>
+          <ac:spMkLst>
+            <pc:docMk/>
+            <pc:sldMk cId="1187390596" sldId="433"/>
+            <ac:spMk id="5" creationId="{89E29D3E-8566-41AE-B2FB-17EE28C6D787}"/>
+          </ac:spMkLst>
+        </pc:spChg>
       </pc:sldChg>
-      <pc:sldChg chg="add">
-        <pc:chgData name="Weifeng Xu" userId="e7aed605-a3dd-4d5a-a692-a87037af107b" providerId="ADAL" clId="{A4CA56D5-47CB-484F-8DE2-B0FAB0B6CF57}" dt="2021-08-11T01:24:24.672" v="674"/>
+      <pc:sldChg chg="addSp modSp add mod">
+        <pc:chgData name="Weifeng Xu" userId="e7aed605-a3dd-4d5a-a692-a87037af107b" providerId="ADAL" clId="{A4CA56D5-47CB-484F-8DE2-B0FAB0B6CF57}" dt="2021-08-22T15:36:58.416" v="2075" actId="14100"/>
         <pc:sldMkLst>
           <pc:docMk/>
           <pc:sldMk cId="189084197" sldId="438"/>
         </pc:sldMkLst>
+        <pc:spChg chg="add mod">
+          <ac:chgData name="Weifeng Xu" userId="e7aed605-a3dd-4d5a-a692-a87037af107b" providerId="ADAL" clId="{A4CA56D5-47CB-484F-8DE2-B0FAB0B6CF57}" dt="2021-08-22T15:36:58.416" v="2075" actId="14100"/>
+          <ac:spMkLst>
+            <pc:docMk/>
+            <pc:sldMk cId="189084197" sldId="438"/>
+            <ac:spMk id="5" creationId="{9A9603F8-6C0F-4944-AA54-669E32463917}"/>
+          </ac:spMkLst>
+        </pc:spChg>
+        <pc:picChg chg="mod">
+          <ac:chgData name="Weifeng Xu" userId="e7aed605-a3dd-4d5a-a692-a87037af107b" providerId="ADAL" clId="{A4CA56D5-47CB-484F-8DE2-B0FAB0B6CF57}" dt="2021-08-22T15:36:43.523" v="2064" actId="1076"/>
+          <ac:picMkLst>
+            <pc:docMk/>
+            <pc:sldMk cId="189084197" sldId="438"/>
+            <ac:picMk id="4" creationId="{00000000-0000-0000-0000-000000000000}"/>
+          </ac:picMkLst>
+        </pc:picChg>
       </pc:sldChg>
       <pc:sldChg chg="add del">
         <pc:chgData name="Weifeng Xu" userId="e7aed605-a3dd-4d5a-a692-a87037af107b" providerId="ADAL" clId="{A4CA56D5-47CB-484F-8DE2-B0FAB0B6CF57}" dt="2021-08-11T01:12:25.052" v="619" actId="47"/>
@@ -4023,8 +4096,8 @@
           </ac:spMkLst>
         </pc:spChg>
       </pc:sldChg>
-      <pc:sldChg chg="delSp add mod">
-        <pc:chgData name="Weifeng Xu" userId="e7aed605-a3dd-4d5a-a692-a87037af107b" providerId="ADAL" clId="{A4CA56D5-47CB-484F-8DE2-B0FAB0B6CF57}" dt="2021-08-11T01:14:08.906" v="620" actId="478"/>
+      <pc:sldChg chg="delSp modSp add mod">
+        <pc:chgData name="Weifeng Xu" userId="e7aed605-a3dd-4d5a-a692-a87037af107b" providerId="ADAL" clId="{A4CA56D5-47CB-484F-8DE2-B0FAB0B6CF57}" dt="2021-08-21T18:54:21.820" v="1786" actId="14100"/>
         <pc:sldMkLst>
           <pc:docMk/>
           <pc:sldMk cId="3984724258" sldId="447"/>
@@ -4037,6 +4110,14 @@
             <ac:spMk id="4" creationId="{00000000-0000-0000-0000-000000000000}"/>
           </ac:spMkLst>
         </pc:spChg>
+        <pc:cxnChg chg="mod">
+          <ac:chgData name="Weifeng Xu" userId="e7aed605-a3dd-4d5a-a692-a87037af107b" providerId="ADAL" clId="{A4CA56D5-47CB-484F-8DE2-B0FAB0B6CF57}" dt="2021-08-21T18:54:21.820" v="1786" actId="14100"/>
+          <ac:cxnSpMkLst>
+            <pc:docMk/>
+            <pc:sldMk cId="3984724258" sldId="447"/>
+            <ac:cxnSpMk id="8" creationId="{00000000-0000-0000-0000-000000000000}"/>
+          </ac:cxnSpMkLst>
+        </pc:cxnChg>
       </pc:sldChg>
       <pc:sldChg chg="addSp delSp modSp new mod modClrScheme chgLayout">
         <pc:chgData name="Weifeng Xu" userId="e7aed605-a3dd-4d5a-a692-a87037af107b" providerId="ADAL" clId="{A4CA56D5-47CB-484F-8DE2-B0FAB0B6CF57}" dt="2021-08-11T01:16:55.569" v="644" actId="20577"/>
@@ -4145,6 +4226,378 @@
             <ac:spMk id="4" creationId="{00000000-0000-0000-0000-000000000000}"/>
           </ac:spMkLst>
         </pc:spChg>
+      </pc:sldChg>
+      <pc:sldChg chg="addSp delSp modSp new mod ord modClrScheme chgLayout">
+        <pc:chgData name="Weifeng Xu" userId="e7aed605-a3dd-4d5a-a692-a87037af107b" providerId="ADAL" clId="{A4CA56D5-47CB-484F-8DE2-B0FAB0B6CF57}" dt="2021-08-21T14:10:25.437" v="741"/>
+        <pc:sldMkLst>
+          <pc:docMk/>
+          <pc:sldMk cId="1947422297" sldId="452"/>
+        </pc:sldMkLst>
+        <pc:spChg chg="del mod ord">
+          <ac:chgData name="Weifeng Xu" userId="e7aed605-a3dd-4d5a-a692-a87037af107b" providerId="ADAL" clId="{A4CA56D5-47CB-484F-8DE2-B0FAB0B6CF57}" dt="2021-08-19T21:36:27.166" v="676" actId="700"/>
+          <ac:spMkLst>
+            <pc:docMk/>
+            <pc:sldMk cId="1947422297" sldId="452"/>
+            <ac:spMk id="2" creationId="{72C4D7BE-9F51-44FB-B519-B74D602A09E4}"/>
+          </ac:spMkLst>
+        </pc:spChg>
+        <pc:spChg chg="del">
+          <ac:chgData name="Weifeng Xu" userId="e7aed605-a3dd-4d5a-a692-a87037af107b" providerId="ADAL" clId="{A4CA56D5-47CB-484F-8DE2-B0FAB0B6CF57}" dt="2021-08-19T21:36:27.166" v="676" actId="700"/>
+          <ac:spMkLst>
+            <pc:docMk/>
+            <pc:sldMk cId="1947422297" sldId="452"/>
+            <ac:spMk id="3" creationId="{8DF94B44-7CB9-4D15-8A4C-C6165FEE815D}"/>
+          </ac:spMkLst>
+        </pc:spChg>
+        <pc:spChg chg="add mod ord">
+          <ac:chgData name="Weifeng Xu" userId="e7aed605-a3dd-4d5a-a692-a87037af107b" providerId="ADAL" clId="{A4CA56D5-47CB-484F-8DE2-B0FAB0B6CF57}" dt="2021-08-19T21:36:35.748" v="702" actId="20577"/>
+          <ac:spMkLst>
+            <pc:docMk/>
+            <pc:sldMk cId="1947422297" sldId="452"/>
+            <ac:spMk id="4" creationId="{85F42646-D7AE-4642-9126-6B0BEF577961}"/>
+          </ac:spMkLst>
+        </pc:spChg>
+        <pc:spChg chg="add mod">
+          <ac:chgData name="Weifeng Xu" userId="e7aed605-a3dd-4d5a-a692-a87037af107b" providerId="ADAL" clId="{A4CA56D5-47CB-484F-8DE2-B0FAB0B6CF57}" dt="2021-08-19T21:37:38.164" v="717" actId="1076"/>
+          <ac:spMkLst>
+            <pc:docMk/>
+            <pc:sldMk cId="1947422297" sldId="452"/>
+            <ac:spMk id="7" creationId="{BB3704EC-B3F0-48B3-BC17-6F524BD713C1}"/>
+          </ac:spMkLst>
+        </pc:spChg>
+        <pc:spChg chg="add mod">
+          <ac:chgData name="Weifeng Xu" userId="e7aed605-a3dd-4d5a-a692-a87037af107b" providerId="ADAL" clId="{A4CA56D5-47CB-484F-8DE2-B0FAB0B6CF57}" dt="2021-08-19T21:44:54.980" v="739" actId="6549"/>
+          <ac:spMkLst>
+            <pc:docMk/>
+            <pc:sldMk cId="1947422297" sldId="452"/>
+            <ac:spMk id="9" creationId="{CCF42AD5-00C6-4095-8A9B-19D888268CAD}"/>
+          </ac:spMkLst>
+        </pc:spChg>
+        <pc:picChg chg="add mod">
+          <ac:chgData name="Weifeng Xu" userId="e7aed605-a3dd-4d5a-a692-a87037af107b" providerId="ADAL" clId="{A4CA56D5-47CB-484F-8DE2-B0FAB0B6CF57}" dt="2021-08-19T21:43:10.923" v="727" actId="1076"/>
+          <ac:picMkLst>
+            <pc:docMk/>
+            <pc:sldMk cId="1947422297" sldId="452"/>
+            <ac:picMk id="1026" creationId="{7A76AE59-A0C0-4166-A46E-FE749308B04D}"/>
+          </ac:picMkLst>
+        </pc:picChg>
+      </pc:sldChg>
+      <pc:sldChg chg="addSp delSp modSp new mod ord modClrScheme chgLayout">
+        <pc:chgData name="Weifeng Xu" userId="e7aed605-a3dd-4d5a-a692-a87037af107b" providerId="ADAL" clId="{A4CA56D5-47CB-484F-8DE2-B0FAB0B6CF57}" dt="2021-08-21T14:36:11.881" v="1086"/>
+        <pc:sldMkLst>
+          <pc:docMk/>
+          <pc:sldMk cId="3041551094" sldId="453"/>
+        </pc:sldMkLst>
+        <pc:spChg chg="del">
+          <ac:chgData name="Weifeng Xu" userId="e7aed605-a3dd-4d5a-a692-a87037af107b" providerId="ADAL" clId="{A4CA56D5-47CB-484F-8DE2-B0FAB0B6CF57}" dt="2021-08-19T21:40:54.892" v="722" actId="700"/>
+          <ac:spMkLst>
+            <pc:docMk/>
+            <pc:sldMk cId="3041551094" sldId="453"/>
+            <ac:spMk id="2" creationId="{3B4B6D3F-921D-40AD-87E4-0BB4C69F30E7}"/>
+          </ac:spMkLst>
+        </pc:spChg>
+        <pc:picChg chg="add mod">
+          <ac:chgData name="Weifeng Xu" userId="e7aed605-a3dd-4d5a-a692-a87037af107b" providerId="ADAL" clId="{A4CA56D5-47CB-484F-8DE2-B0FAB0B6CF57}" dt="2021-08-19T21:40:49.059" v="721" actId="962"/>
+          <ac:picMkLst>
+            <pc:docMk/>
+            <pc:sldMk cId="3041551094" sldId="453"/>
+            <ac:picMk id="4" creationId="{840B001E-58CB-4C4F-B3EB-56AF65B61030}"/>
+          </ac:picMkLst>
+        </pc:picChg>
+      </pc:sldChg>
+      <pc:sldChg chg="addSp delSp modSp new mod modClrScheme chgLayout">
+        <pc:chgData name="Weifeng Xu" userId="e7aed605-a3dd-4d5a-a692-a87037af107b" providerId="ADAL" clId="{A4CA56D5-47CB-484F-8DE2-B0FAB0B6CF57}" dt="2021-08-21T14:35:03.490" v="1082" actId="20577"/>
+        <pc:sldMkLst>
+          <pc:docMk/>
+          <pc:sldMk cId="3669683899" sldId="454"/>
+        </pc:sldMkLst>
+        <pc:spChg chg="del">
+          <ac:chgData name="Weifeng Xu" userId="e7aed605-a3dd-4d5a-a692-a87037af107b" providerId="ADAL" clId="{A4CA56D5-47CB-484F-8DE2-B0FAB0B6CF57}" dt="2021-08-21T14:28:34.026" v="899" actId="700"/>
+          <ac:spMkLst>
+            <pc:docMk/>
+            <pc:sldMk cId="3669683899" sldId="454"/>
+            <ac:spMk id="2" creationId="{A2DB79B6-B67C-4AF0-B906-2F605484F9ED}"/>
+          </ac:spMkLst>
+        </pc:spChg>
+        <pc:spChg chg="add mod">
+          <ac:chgData name="Weifeng Xu" userId="e7aed605-a3dd-4d5a-a692-a87037af107b" providerId="ADAL" clId="{A4CA56D5-47CB-484F-8DE2-B0FAB0B6CF57}" dt="2021-08-21T14:30:10.259" v="949" actId="207"/>
+          <ac:spMkLst>
+            <pc:docMk/>
+            <pc:sldMk cId="3669683899" sldId="454"/>
+            <ac:spMk id="4" creationId="{56FFA25F-9388-4177-9610-CFBBA1947005}"/>
+          </ac:spMkLst>
+        </pc:spChg>
+        <pc:spChg chg="add mod">
+          <ac:chgData name="Weifeng Xu" userId="e7aed605-a3dd-4d5a-a692-a87037af107b" providerId="ADAL" clId="{A4CA56D5-47CB-484F-8DE2-B0FAB0B6CF57}" dt="2021-08-21T14:30:27.039" v="967" actId="20577"/>
+          <ac:spMkLst>
+            <pc:docMk/>
+            <pc:sldMk cId="3669683899" sldId="454"/>
+            <ac:spMk id="5" creationId="{8AAA3ABE-D6B0-40AC-9322-58C7893C2FDE}"/>
+          </ac:spMkLst>
+        </pc:spChg>
+        <pc:spChg chg="add mod">
+          <ac:chgData name="Weifeng Xu" userId="e7aed605-a3dd-4d5a-a692-a87037af107b" providerId="ADAL" clId="{A4CA56D5-47CB-484F-8DE2-B0FAB0B6CF57}" dt="2021-08-21T14:32:02.174" v="1006" actId="1076"/>
+          <ac:spMkLst>
+            <pc:docMk/>
+            <pc:sldMk cId="3669683899" sldId="454"/>
+            <ac:spMk id="6" creationId="{97BFB8EF-62BA-44E3-877E-5AA16D5A3CCD}"/>
+          </ac:spMkLst>
+        </pc:spChg>
+        <pc:spChg chg="add mod">
+          <ac:chgData name="Weifeng Xu" userId="e7aed605-a3dd-4d5a-a692-a87037af107b" providerId="ADAL" clId="{A4CA56D5-47CB-484F-8DE2-B0FAB0B6CF57}" dt="2021-08-21T14:34:30.637" v="1057" actId="1076"/>
+          <ac:spMkLst>
+            <pc:docMk/>
+            <pc:sldMk cId="3669683899" sldId="454"/>
+            <ac:spMk id="7" creationId="{5A3D8DA7-BE01-42FB-8B5E-39CCE4B83D06}"/>
+          </ac:spMkLst>
+        </pc:spChg>
+        <pc:spChg chg="add mod">
+          <ac:chgData name="Weifeng Xu" userId="e7aed605-a3dd-4d5a-a692-a87037af107b" providerId="ADAL" clId="{A4CA56D5-47CB-484F-8DE2-B0FAB0B6CF57}" dt="2021-08-21T14:35:03.490" v="1082" actId="20577"/>
+          <ac:spMkLst>
+            <pc:docMk/>
+            <pc:sldMk cId="3669683899" sldId="454"/>
+            <ac:spMk id="8" creationId="{9BF20C5C-ACCE-4766-B616-5C51CDEAC475}"/>
+          </ac:spMkLst>
+        </pc:spChg>
+        <pc:picChg chg="add mod">
+          <ac:chgData name="Weifeng Xu" userId="e7aed605-a3dd-4d5a-a692-a87037af107b" providerId="ADAL" clId="{A4CA56D5-47CB-484F-8DE2-B0FAB0B6CF57}" dt="2021-08-21T14:28:58.502" v="902" actId="1076"/>
+          <ac:picMkLst>
+            <pc:docMk/>
+            <pc:sldMk cId="3669683899" sldId="454"/>
+            <ac:picMk id="3" creationId="{139424A3-F7A7-4748-8EB5-EB72CD1D7A07}"/>
+          </ac:picMkLst>
+        </pc:picChg>
+      </pc:sldChg>
+      <pc:sldChg chg="addSp modSp new mod ord modClrScheme chgLayout">
+        <pc:chgData name="Weifeng Xu" userId="e7aed605-a3dd-4d5a-a692-a87037af107b" providerId="ADAL" clId="{A4CA56D5-47CB-484F-8DE2-B0FAB0B6CF57}" dt="2021-08-22T19:34:40.420" v="2300" actId="20577"/>
+        <pc:sldMkLst>
+          <pc:docMk/>
+          <pc:sldMk cId="524028341" sldId="455"/>
+        </pc:sldMkLst>
+        <pc:spChg chg="add mod">
+          <ac:chgData name="Weifeng Xu" userId="e7aed605-a3dd-4d5a-a692-a87037af107b" providerId="ADAL" clId="{A4CA56D5-47CB-484F-8DE2-B0FAB0B6CF57}" dt="2021-08-21T14:46:16.695" v="1119" actId="20577"/>
+          <ac:spMkLst>
+            <pc:docMk/>
+            <pc:sldMk cId="524028341" sldId="455"/>
+            <ac:spMk id="2" creationId="{900AA902-6489-4936-A94F-87C6A7748AAC}"/>
+          </ac:spMkLst>
+        </pc:spChg>
+        <pc:spChg chg="add mod">
+          <ac:chgData name="Weifeng Xu" userId="e7aed605-a3dd-4d5a-a692-a87037af107b" providerId="ADAL" clId="{A4CA56D5-47CB-484F-8DE2-B0FAB0B6CF57}" dt="2021-08-22T19:34:40.420" v="2300" actId="20577"/>
+          <ac:spMkLst>
+            <pc:docMk/>
+            <pc:sldMk cId="524028341" sldId="455"/>
+            <ac:spMk id="3" creationId="{FDA12FEB-15D5-4170-A558-8E8D2F31B460}"/>
+          </ac:spMkLst>
+        </pc:spChg>
+      </pc:sldChg>
+      <pc:sldChg chg="addSp modSp new mod ord">
+        <pc:chgData name="Weifeng Xu" userId="e7aed605-a3dd-4d5a-a692-a87037af107b" providerId="ADAL" clId="{A4CA56D5-47CB-484F-8DE2-B0FAB0B6CF57}" dt="2021-08-22T14:22:32.895" v="1820" actId="1440"/>
+        <pc:sldMkLst>
+          <pc:docMk/>
+          <pc:sldMk cId="1611306107" sldId="456"/>
+        </pc:sldMkLst>
+        <pc:spChg chg="mod">
+          <ac:chgData name="Weifeng Xu" userId="e7aed605-a3dd-4d5a-a692-a87037af107b" providerId="ADAL" clId="{A4CA56D5-47CB-484F-8DE2-B0FAB0B6CF57}" dt="2021-08-22T14:19:21.146" v="1790"/>
+          <ac:spMkLst>
+            <pc:docMk/>
+            <pc:sldMk cId="1611306107" sldId="456"/>
+            <ac:spMk id="2" creationId="{71A8B12B-87B3-4BA5-9F77-1685E747F11A}"/>
+          </ac:spMkLst>
+        </pc:spChg>
+        <pc:spChg chg="add mod">
+          <ac:chgData name="Weifeng Xu" userId="e7aed605-a3dd-4d5a-a692-a87037af107b" providerId="ADAL" clId="{A4CA56D5-47CB-484F-8DE2-B0FAB0B6CF57}" dt="2021-08-22T14:20:40.849" v="1818" actId="6549"/>
+          <ac:spMkLst>
+            <pc:docMk/>
+            <pc:sldMk cId="1611306107" sldId="456"/>
+            <ac:spMk id="5" creationId="{2BE860ED-0731-412D-83EE-E79F5AEF32F3}"/>
+          </ac:spMkLst>
+        </pc:spChg>
+        <pc:picChg chg="add mod">
+          <ac:chgData name="Weifeng Xu" userId="e7aed605-a3dd-4d5a-a692-a87037af107b" providerId="ADAL" clId="{A4CA56D5-47CB-484F-8DE2-B0FAB0B6CF57}" dt="2021-08-22T14:22:32.895" v="1820" actId="1440"/>
+          <ac:picMkLst>
+            <pc:docMk/>
+            <pc:sldMk cId="1611306107" sldId="456"/>
+            <ac:picMk id="4" creationId="{15061FF5-BFFA-4DFB-8E25-48403C79D712}"/>
+          </ac:picMkLst>
+        </pc:picChg>
+      </pc:sldChg>
+      <pc:sldChg chg="new del">
+        <pc:chgData name="Weifeng Xu" userId="e7aed605-a3dd-4d5a-a692-a87037af107b" providerId="ADAL" clId="{A4CA56D5-47CB-484F-8DE2-B0FAB0B6CF57}" dt="2021-08-22T14:26:31.667" v="1871" actId="47"/>
+        <pc:sldMkLst>
+          <pc:docMk/>
+          <pc:sldMk cId="3407403307" sldId="457"/>
+        </pc:sldMkLst>
+      </pc:sldChg>
+      <pc:sldChg chg="addSp delSp modSp new mod modClrScheme chgLayout">
+        <pc:chgData name="Weifeng Xu" userId="e7aed605-a3dd-4d5a-a692-a87037af107b" providerId="ADAL" clId="{A4CA56D5-47CB-484F-8DE2-B0FAB0B6CF57}" dt="2021-08-22T14:26:16.760" v="1870" actId="1440"/>
+        <pc:sldMkLst>
+          <pc:docMk/>
+          <pc:sldMk cId="588258724" sldId="458"/>
+        </pc:sldMkLst>
+        <pc:spChg chg="del">
+          <ac:chgData name="Weifeng Xu" userId="e7aed605-a3dd-4d5a-a692-a87037af107b" providerId="ADAL" clId="{A4CA56D5-47CB-484F-8DE2-B0FAB0B6CF57}" dt="2021-08-22T14:25:04.262" v="1828" actId="700"/>
+          <ac:spMkLst>
+            <pc:docMk/>
+            <pc:sldMk cId="588258724" sldId="458"/>
+            <ac:spMk id="2" creationId="{B6577F79-F21F-44C6-9F6F-0CB69720C785}"/>
+          </ac:spMkLst>
+        </pc:spChg>
+        <pc:spChg chg="add mod">
+          <ac:chgData name="Weifeng Xu" userId="e7aed605-a3dd-4d5a-a692-a87037af107b" providerId="ADAL" clId="{A4CA56D5-47CB-484F-8DE2-B0FAB0B6CF57}" dt="2021-08-22T14:26:10.515" v="1868" actId="20577"/>
+          <ac:spMkLst>
+            <pc:docMk/>
+            <pc:sldMk cId="588258724" sldId="458"/>
+            <ac:spMk id="7" creationId="{165C9D3F-4A50-4409-925E-12DC7484A1BA}"/>
+          </ac:spMkLst>
+        </pc:spChg>
+        <pc:picChg chg="add mod">
+          <ac:chgData name="Weifeng Xu" userId="e7aed605-a3dd-4d5a-a692-a87037af107b" providerId="ADAL" clId="{A4CA56D5-47CB-484F-8DE2-B0FAB0B6CF57}" dt="2021-08-22T14:26:14.803" v="1869" actId="1440"/>
+          <ac:picMkLst>
+            <pc:docMk/>
+            <pc:sldMk cId="588258724" sldId="458"/>
+            <ac:picMk id="4" creationId="{AB413B6E-3DF0-4F5A-88C2-D7D0254CAA59}"/>
+          </ac:picMkLst>
+        </pc:picChg>
+        <pc:picChg chg="add mod">
+          <ac:chgData name="Weifeng Xu" userId="e7aed605-a3dd-4d5a-a692-a87037af107b" providerId="ADAL" clId="{A4CA56D5-47CB-484F-8DE2-B0FAB0B6CF57}" dt="2021-08-22T14:26:16.760" v="1870" actId="1440"/>
+          <ac:picMkLst>
+            <pc:docMk/>
+            <pc:sldMk cId="588258724" sldId="458"/>
+            <ac:picMk id="6" creationId="{279282AB-B26A-4BD2-BF72-D0A96A3C73EF}"/>
+          </ac:picMkLst>
+        </pc:picChg>
+      </pc:sldChg>
+      <pc:sldChg chg="addSp modSp new mod">
+        <pc:chgData name="Weifeng Xu" userId="e7aed605-a3dd-4d5a-a692-a87037af107b" providerId="ADAL" clId="{A4CA56D5-47CB-484F-8DE2-B0FAB0B6CF57}" dt="2021-08-22T14:53:21.752" v="1914" actId="6549"/>
+        <pc:sldMkLst>
+          <pc:docMk/>
+          <pc:sldMk cId="2564593808" sldId="459"/>
+        </pc:sldMkLst>
+        <pc:spChg chg="add mod">
+          <ac:chgData name="Weifeng Xu" userId="e7aed605-a3dd-4d5a-a692-a87037af107b" providerId="ADAL" clId="{A4CA56D5-47CB-484F-8DE2-B0FAB0B6CF57}" dt="2021-08-22T14:53:21.752" v="1914" actId="6549"/>
+          <ac:spMkLst>
+            <pc:docMk/>
+            <pc:sldMk cId="2564593808" sldId="459"/>
+            <ac:spMk id="4" creationId="{2BF88776-CF3B-462F-9BB9-4A43F4F41370}"/>
+          </ac:spMkLst>
+        </pc:spChg>
+        <pc:picChg chg="add mod">
+          <ac:chgData name="Weifeng Xu" userId="e7aed605-a3dd-4d5a-a692-a87037af107b" providerId="ADAL" clId="{A4CA56D5-47CB-484F-8DE2-B0FAB0B6CF57}" dt="2021-08-22T14:52:51.035" v="1879" actId="1440"/>
+          <ac:picMkLst>
+            <pc:docMk/>
+            <pc:sldMk cId="2564593808" sldId="459"/>
+            <ac:picMk id="3" creationId="{4285493E-B9BE-41B8-B977-15024CC05FFC}"/>
+          </ac:picMkLst>
+        </pc:picChg>
+      </pc:sldChg>
+      <pc:sldChg chg="addSp modSp new mod modClrScheme chgLayout modNotesTx">
+        <pc:chgData name="Weifeng Xu" userId="e7aed605-a3dd-4d5a-a692-a87037af107b" providerId="ADAL" clId="{A4CA56D5-47CB-484F-8DE2-B0FAB0B6CF57}" dt="2021-08-22T15:44:37.431" v="2291" actId="20577"/>
+        <pc:sldMkLst>
+          <pc:docMk/>
+          <pc:sldMk cId="4044252772" sldId="460"/>
+        </pc:sldMkLst>
+        <pc:spChg chg="add mod ord">
+          <ac:chgData name="Weifeng Xu" userId="e7aed605-a3dd-4d5a-a692-a87037af107b" providerId="ADAL" clId="{A4CA56D5-47CB-484F-8DE2-B0FAB0B6CF57}" dt="2021-08-22T15:01:25.528" v="1961" actId="700"/>
+          <ac:spMkLst>
+            <pc:docMk/>
+            <pc:sldMk cId="4044252772" sldId="460"/>
+            <ac:spMk id="2" creationId="{54A8289F-A899-4A8A-8D46-77B5046CF06E}"/>
+          </ac:spMkLst>
+        </pc:spChg>
+        <pc:spChg chg="add mod ord">
+          <ac:chgData name="Weifeng Xu" userId="e7aed605-a3dd-4d5a-a692-a87037af107b" providerId="ADAL" clId="{A4CA56D5-47CB-484F-8DE2-B0FAB0B6CF57}" dt="2021-08-22T15:44:37.431" v="2291" actId="20577"/>
+          <ac:spMkLst>
+            <pc:docMk/>
+            <pc:sldMk cId="4044252772" sldId="460"/>
+            <ac:spMk id="5" creationId="{A092F541-F753-4D16-B7AD-A7FD510AB8B6}"/>
+          </ac:spMkLst>
+        </pc:spChg>
+        <pc:picChg chg="add mod">
+          <ac:chgData name="Weifeng Xu" userId="e7aed605-a3dd-4d5a-a692-a87037af107b" providerId="ADAL" clId="{A4CA56D5-47CB-484F-8DE2-B0FAB0B6CF57}" dt="2021-08-22T15:01:17.910" v="1960" actId="1076"/>
+          <ac:picMkLst>
+            <pc:docMk/>
+            <pc:sldMk cId="4044252772" sldId="460"/>
+            <ac:picMk id="4" creationId="{EB5AAD75-46D2-4952-8D8B-1B60B97D4AD2}"/>
+          </ac:picMkLst>
+        </pc:picChg>
+      </pc:sldChg>
+      <pc:sldChg chg="addSp modSp new del mod modClrScheme chgLayout">
+        <pc:chgData name="Weifeng Xu" userId="e7aed605-a3dd-4d5a-a692-a87037af107b" providerId="ADAL" clId="{A4CA56D5-47CB-484F-8DE2-B0FAB0B6CF57}" dt="2021-08-22T15:31:52.499" v="2027" actId="47"/>
+        <pc:sldMkLst>
+          <pc:docMk/>
+          <pc:sldMk cId="3221681910" sldId="461"/>
+        </pc:sldMkLst>
+        <pc:spChg chg="add mod">
+          <ac:chgData name="Weifeng Xu" userId="e7aed605-a3dd-4d5a-a692-a87037af107b" providerId="ADAL" clId="{A4CA56D5-47CB-484F-8DE2-B0FAB0B6CF57}" dt="2021-08-22T15:31:15.517" v="2026" actId="20577"/>
+          <ac:spMkLst>
+            <pc:docMk/>
+            <pc:sldMk cId="3221681910" sldId="461"/>
+            <ac:spMk id="2" creationId="{3319A0A6-9198-4E72-BFA3-C5A31DBF013E}"/>
+          </ac:spMkLst>
+        </pc:spChg>
+      </pc:sldChg>
+      <pc:sldChg chg="addSp modSp new mod">
+        <pc:chgData name="Weifeng Xu" userId="e7aed605-a3dd-4d5a-a692-a87037af107b" providerId="ADAL" clId="{A4CA56D5-47CB-484F-8DE2-B0FAB0B6CF57}" dt="2021-08-22T15:37:21.286" v="2123" actId="20577"/>
+        <pc:sldMkLst>
+          <pc:docMk/>
+          <pc:sldMk cId="3630229365" sldId="461"/>
+        </pc:sldMkLst>
+        <pc:spChg chg="add mod">
+          <ac:chgData name="Weifeng Xu" userId="e7aed605-a3dd-4d5a-a692-a87037af107b" providerId="ADAL" clId="{A4CA56D5-47CB-484F-8DE2-B0FAB0B6CF57}" dt="2021-08-22T15:37:21.286" v="2123" actId="20577"/>
+          <ac:spMkLst>
+            <pc:docMk/>
+            <pc:sldMk cId="3630229365" sldId="461"/>
+            <ac:spMk id="6" creationId="{0CA9669E-AC5B-4EC2-8580-4EE53266E743}"/>
+          </ac:spMkLst>
+        </pc:spChg>
+        <pc:picChg chg="add mod">
+          <ac:chgData name="Weifeng Xu" userId="e7aed605-a3dd-4d5a-a692-a87037af107b" providerId="ADAL" clId="{A4CA56D5-47CB-484F-8DE2-B0FAB0B6CF57}" dt="2021-08-22T15:36:00.031" v="2037" actId="1076"/>
+          <ac:picMkLst>
+            <pc:docMk/>
+            <pc:sldMk cId="3630229365" sldId="461"/>
+            <ac:picMk id="3" creationId="{EC1E7ECD-6A98-418F-8E1E-BAEDFF3C37B5}"/>
+          </ac:picMkLst>
+        </pc:picChg>
+        <pc:picChg chg="add mod">
+          <ac:chgData name="Weifeng Xu" userId="e7aed605-a3dd-4d5a-a692-a87037af107b" providerId="ADAL" clId="{A4CA56D5-47CB-484F-8DE2-B0FAB0B6CF57}" dt="2021-08-22T15:36:01.273" v="2038" actId="1076"/>
+          <ac:picMkLst>
+            <pc:docMk/>
+            <pc:sldMk cId="3630229365" sldId="461"/>
+            <ac:picMk id="5" creationId="{2AEE05CF-7B76-4A25-B094-EF798B2628E3}"/>
+          </ac:picMkLst>
+        </pc:picChg>
+      </pc:sldChg>
+      <pc:sldChg chg="addSp delSp modSp new mod">
+        <pc:chgData name="Weifeng Xu" userId="e7aed605-a3dd-4d5a-a692-a87037af107b" providerId="ADAL" clId="{A4CA56D5-47CB-484F-8DE2-B0FAB0B6CF57}" dt="2021-08-22T15:42:40.956" v="2210" actId="1076"/>
+        <pc:sldMkLst>
+          <pc:docMk/>
+          <pc:sldMk cId="2559588248" sldId="462"/>
+        </pc:sldMkLst>
+        <pc:spChg chg="add mod">
+          <ac:chgData name="Weifeng Xu" userId="e7aed605-a3dd-4d5a-a692-a87037af107b" providerId="ADAL" clId="{A4CA56D5-47CB-484F-8DE2-B0FAB0B6CF57}" dt="2021-08-22T15:38:40.597" v="2201" actId="20577"/>
+          <ac:spMkLst>
+            <pc:docMk/>
+            <pc:sldMk cId="2559588248" sldId="462"/>
+            <ac:spMk id="4" creationId="{3E5E312B-B227-4E6D-AC77-7378414DD8CB}"/>
+          </ac:spMkLst>
+        </pc:spChg>
+        <pc:picChg chg="add del mod">
+          <ac:chgData name="Weifeng Xu" userId="e7aed605-a3dd-4d5a-a692-a87037af107b" providerId="ADAL" clId="{A4CA56D5-47CB-484F-8DE2-B0FAB0B6CF57}" dt="2021-08-22T15:41:57.170" v="2205" actId="478"/>
+          <ac:picMkLst>
+            <pc:docMk/>
+            <pc:sldMk cId="2559588248" sldId="462"/>
+            <ac:picMk id="3" creationId="{8CFBA090-96C2-4894-BBE2-9F983AED94F2}"/>
+          </ac:picMkLst>
+        </pc:picChg>
+        <pc:picChg chg="add mod">
+          <ac:chgData name="Weifeng Xu" userId="e7aed605-a3dd-4d5a-a692-a87037af107b" providerId="ADAL" clId="{A4CA56D5-47CB-484F-8DE2-B0FAB0B6CF57}" dt="2021-08-22T15:42:40.956" v="2210" actId="1076"/>
+          <ac:picMkLst>
+            <pc:docMk/>
+            <pc:sldMk cId="2559588248" sldId="462"/>
+            <ac:picMk id="6" creationId="{3B058B4E-24C0-4E7C-B7D8-1E43E086D2AA}"/>
+          </ac:picMkLst>
+        </pc:picChg>
       </pc:sldChg>
     </pc:docChg>
   </pc:docChgLst>
@@ -4753,7 +5206,7 @@
           <a:p>
             <a:fld id="{B9658D5F-65FB-4E17-9D5B-8CF1DE5A98DF}" type="datetimeFigureOut">
               <a:rPr lang="en-US" smtClean="0"/>
-              <a:t>8/10/2021</a:t>
+              <a:t>8/22/2021</a:t>
             </a:fld>
             <a:endParaRPr lang="en-US"/>
           </a:p>
@@ -5020,6 +5473,264 @@
 </p:notesMaster>
 </file>
 
+<file path=ppt/notesSlides/notesSlide1.xml><?xml version="1.0" encoding="utf-8"?>
+<p:notes xmlns:a="http://schemas.openxmlformats.org/drawingml/2006/main" xmlns:r="http://schemas.openxmlformats.org/officeDocument/2006/relationships" xmlns:p="http://schemas.openxmlformats.org/presentationml/2006/main">
+  <p:cSld>
+    <p:spTree>
+      <p:nvGrpSpPr>
+        <p:cNvPr id="1" name=""/>
+        <p:cNvGrpSpPr/>
+        <p:nvPr/>
+      </p:nvGrpSpPr>
+      <p:grpSpPr>
+        <a:xfrm>
+          <a:off x="0" y="0"/>
+          <a:ext cx="0" cy="0"/>
+          <a:chOff x="0" y="0"/>
+          <a:chExt cx="0" cy="0"/>
+        </a:xfrm>
+      </p:grpSpPr>
+      <p:sp>
+        <p:nvSpPr>
+          <p:cNvPr id="2" name="Slide Image Placeholder 1"/>
+          <p:cNvSpPr>
+            <a:spLocks noGrp="1" noRot="1" noChangeAspect="1"/>
+          </p:cNvSpPr>
+          <p:nvPr>
+            <p:ph type="sldImg"/>
+          </p:nvPr>
+        </p:nvSpPr>
+        <p:spPr/>
+      </p:sp>
+      <p:sp>
+        <p:nvSpPr>
+          <p:cNvPr id="3" name="Notes Placeholder 2"/>
+          <p:cNvSpPr>
+            <a:spLocks noGrp="1"/>
+          </p:cNvSpPr>
+          <p:nvPr>
+            <p:ph type="body" idx="1"/>
+          </p:nvPr>
+        </p:nvSpPr>
+        <p:spPr/>
+        <p:txBody>
+          <a:bodyPr/>
+          <a:lstStyle/>
+          <a:p>
+            <a:r>
+              <a:rPr lang="en-US" dirty="0"/>
+              <a:t>1024000*512/1024/1024=500</a:t>
+            </a:r>
+          </a:p>
+        </p:txBody>
+      </p:sp>
+      <p:sp>
+        <p:nvSpPr>
+          <p:cNvPr id="4" name="Slide Number Placeholder 3"/>
+          <p:cNvSpPr>
+            <a:spLocks noGrp="1"/>
+          </p:cNvSpPr>
+          <p:nvPr>
+            <p:ph type="sldNum" sz="quarter" idx="5"/>
+          </p:nvPr>
+        </p:nvSpPr>
+        <p:spPr/>
+        <p:txBody>
+          <a:bodyPr/>
+          <a:lstStyle/>
+          <a:p>
+            <a:fld id="{8349544B-F866-4ED0-8997-24601187AE87}" type="slidenum">
+              <a:rPr lang="en-US" smtClean="0"/>
+              <a:t>22</a:t>
+            </a:fld>
+            <a:endParaRPr lang="en-US"/>
+          </a:p>
+        </p:txBody>
+      </p:sp>
+    </p:spTree>
+    <p:extLst>
+      <p:ext uri="{BB962C8B-B14F-4D97-AF65-F5344CB8AC3E}">
+        <p14:creationId xmlns:p14="http://schemas.microsoft.com/office/powerpoint/2010/main" val="2311097357"/>
+      </p:ext>
+    </p:extLst>
+  </p:cSld>
+  <p:clrMapOvr>
+    <a:masterClrMapping/>
+  </p:clrMapOvr>
+</p:notes>
+</file>
+
+<file path=ppt/notesSlides/notesSlide2.xml><?xml version="1.0" encoding="utf-8"?>
+<p:notes xmlns:a="http://schemas.openxmlformats.org/drawingml/2006/main" xmlns:r="http://schemas.openxmlformats.org/officeDocument/2006/relationships" xmlns:p="http://schemas.openxmlformats.org/presentationml/2006/main">
+  <p:cSld>
+    <p:spTree>
+      <p:nvGrpSpPr>
+        <p:cNvPr id="1" name=""/>
+        <p:cNvGrpSpPr/>
+        <p:nvPr/>
+      </p:nvGrpSpPr>
+      <p:grpSpPr>
+        <a:xfrm>
+          <a:off x="0" y="0"/>
+          <a:ext cx="0" cy="0"/>
+          <a:chOff x="0" y="0"/>
+          <a:chExt cx="0" cy="0"/>
+        </a:xfrm>
+      </p:grpSpPr>
+      <p:sp>
+        <p:nvSpPr>
+          <p:cNvPr id="2" name="Slide Image Placeholder 1"/>
+          <p:cNvSpPr>
+            <a:spLocks noGrp="1" noRot="1" noChangeAspect="1"/>
+          </p:cNvSpPr>
+          <p:nvPr>
+            <p:ph type="sldImg"/>
+          </p:nvPr>
+        </p:nvSpPr>
+        <p:spPr/>
+      </p:sp>
+      <p:sp>
+        <p:nvSpPr>
+          <p:cNvPr id="3" name="Notes Placeholder 2"/>
+          <p:cNvSpPr>
+            <a:spLocks noGrp="1"/>
+          </p:cNvSpPr>
+          <p:nvPr>
+            <p:ph type="body" idx="1"/>
+          </p:nvPr>
+        </p:nvSpPr>
+        <p:spPr/>
+        <p:txBody>
+          <a:bodyPr/>
+          <a:lstStyle/>
+          <a:p>
+            <a:endParaRPr lang="en-US" dirty="0"/>
+          </a:p>
+        </p:txBody>
+      </p:sp>
+      <p:sp>
+        <p:nvSpPr>
+          <p:cNvPr id="4" name="Slide Number Placeholder 3"/>
+          <p:cNvSpPr>
+            <a:spLocks noGrp="1"/>
+          </p:cNvSpPr>
+          <p:nvPr>
+            <p:ph type="sldNum" sz="quarter" idx="5"/>
+          </p:nvPr>
+        </p:nvSpPr>
+        <p:spPr/>
+        <p:txBody>
+          <a:bodyPr/>
+          <a:lstStyle/>
+          <a:p>
+            <a:fld id="{8349544B-F866-4ED0-8997-24601187AE87}" type="slidenum">
+              <a:rPr lang="en-US" smtClean="0"/>
+              <a:t>32</a:t>
+            </a:fld>
+            <a:endParaRPr lang="en-US"/>
+          </a:p>
+        </p:txBody>
+      </p:sp>
+    </p:spTree>
+    <p:extLst>
+      <p:ext uri="{BB962C8B-B14F-4D97-AF65-F5344CB8AC3E}">
+        <p14:creationId xmlns:p14="http://schemas.microsoft.com/office/powerpoint/2010/main" val="604654651"/>
+      </p:ext>
+    </p:extLst>
+  </p:cSld>
+  <p:clrMapOvr>
+    <a:masterClrMapping/>
+  </p:clrMapOvr>
+</p:notes>
+</file>
+
+<file path=ppt/notesSlides/notesSlide3.xml><?xml version="1.0" encoding="utf-8"?>
+<p:notes xmlns:a="http://schemas.openxmlformats.org/drawingml/2006/main" xmlns:r="http://schemas.openxmlformats.org/officeDocument/2006/relationships" xmlns:p="http://schemas.openxmlformats.org/presentationml/2006/main">
+  <p:cSld>
+    <p:spTree>
+      <p:nvGrpSpPr>
+        <p:cNvPr id="1" name=""/>
+        <p:cNvGrpSpPr/>
+        <p:nvPr/>
+      </p:nvGrpSpPr>
+      <p:grpSpPr>
+        <a:xfrm>
+          <a:off x="0" y="0"/>
+          <a:ext cx="0" cy="0"/>
+          <a:chOff x="0" y="0"/>
+          <a:chExt cx="0" cy="0"/>
+        </a:xfrm>
+      </p:grpSpPr>
+      <p:sp>
+        <p:nvSpPr>
+          <p:cNvPr id="2" name="Slide Image Placeholder 1"/>
+          <p:cNvSpPr>
+            <a:spLocks noGrp="1" noRot="1" noChangeAspect="1"/>
+          </p:cNvSpPr>
+          <p:nvPr>
+            <p:ph type="sldImg"/>
+          </p:nvPr>
+        </p:nvSpPr>
+        <p:spPr/>
+      </p:sp>
+      <p:sp>
+        <p:nvSpPr>
+          <p:cNvPr id="3" name="Notes Placeholder 2"/>
+          <p:cNvSpPr>
+            <a:spLocks noGrp="1"/>
+          </p:cNvSpPr>
+          <p:nvPr>
+            <p:ph type="body" idx="1"/>
+          </p:nvPr>
+        </p:nvSpPr>
+        <p:spPr/>
+        <p:txBody>
+          <a:bodyPr/>
+          <a:lstStyle/>
+          <a:p>
+            <a:r>
+              <a:rPr lang="en-US" dirty="0"/>
+              <a:t>ID6, 1026048,186646868</a:t>
+            </a:r>
+          </a:p>
+        </p:txBody>
+      </p:sp>
+      <p:sp>
+        <p:nvSpPr>
+          <p:cNvPr id="4" name="Slide Number Placeholder 3"/>
+          <p:cNvSpPr>
+            <a:spLocks noGrp="1"/>
+          </p:cNvSpPr>
+          <p:nvPr>
+            <p:ph type="sldNum" sz="quarter" idx="5"/>
+          </p:nvPr>
+        </p:nvSpPr>
+        <p:spPr/>
+        <p:txBody>
+          <a:bodyPr/>
+          <a:lstStyle/>
+          <a:p>
+            <a:fld id="{8349544B-F866-4ED0-8997-24601187AE87}" type="slidenum">
+              <a:rPr lang="en-US" smtClean="0"/>
+              <a:t>34</a:t>
+            </a:fld>
+            <a:endParaRPr lang="en-US"/>
+          </a:p>
+        </p:txBody>
+      </p:sp>
+    </p:spTree>
+    <p:extLst>
+      <p:ext uri="{BB962C8B-B14F-4D97-AF65-F5344CB8AC3E}">
+        <p14:creationId xmlns:p14="http://schemas.microsoft.com/office/powerpoint/2010/main" val="3888959882"/>
+      </p:ext>
+    </p:extLst>
+  </p:cSld>
+  <p:clrMapOvr>
+    <a:masterClrMapping/>
+  </p:clrMapOvr>
+</p:notes>
+</file>
+
 <file path=ppt/slideLayouts/slideLayout1.xml><?xml version="1.0" encoding="utf-8"?>
 <p:sldLayout xmlns:a="http://schemas.openxmlformats.org/drawingml/2006/main" xmlns:r="http://schemas.openxmlformats.org/officeDocument/2006/relationships" xmlns:p="http://schemas.openxmlformats.org/presentationml/2006/main" type="title" preserve="1">
   <p:cSld name="Title Slide">
@@ -5149,7 +5860,7 @@
           <a:p>
             <a:fld id="{4263717A-E3C1-4BED-ABE0-B7069385E023}" type="datetimeFigureOut">
               <a:rPr lang="en-US" smtClean="0"/>
-              <a:t>8/10/2021</a:t>
+              <a:t>8/22/2021</a:t>
             </a:fld>
             <a:endParaRPr lang="en-US"/>
           </a:p>
@@ -5322,7 +6033,7 @@
           <a:p>
             <a:fld id="{4263717A-E3C1-4BED-ABE0-B7069385E023}" type="datetimeFigureOut">
               <a:rPr lang="en-US" smtClean="0"/>
-              <a:t>8/10/2021</a:t>
+              <a:t>8/22/2021</a:t>
             </a:fld>
             <a:endParaRPr lang="en-US"/>
           </a:p>
@@ -5500,7 +6211,7 @@
           <a:p>
             <a:fld id="{4263717A-E3C1-4BED-ABE0-B7069385E023}" type="datetimeFigureOut">
               <a:rPr lang="en-US" smtClean="0"/>
-              <a:t>8/10/2021</a:t>
+              <a:t>8/22/2021</a:t>
             </a:fld>
             <a:endParaRPr lang="en-US"/>
           </a:p>
@@ -5668,7 +6379,7 @@
           <a:p>
             <a:fld id="{4263717A-E3C1-4BED-ABE0-B7069385E023}" type="datetimeFigureOut">
               <a:rPr lang="en-US" smtClean="0"/>
-              <a:t>8/10/2021</a:t>
+              <a:t>8/22/2021</a:t>
             </a:fld>
             <a:endParaRPr lang="en-US"/>
           </a:p>
@@ -5913,7 +6624,7 @@
           <a:p>
             <a:fld id="{4263717A-E3C1-4BED-ABE0-B7069385E023}" type="datetimeFigureOut">
               <a:rPr lang="en-US" smtClean="0"/>
-              <a:t>8/10/2021</a:t>
+              <a:t>8/22/2021</a:t>
             </a:fld>
             <a:endParaRPr lang="en-US"/>
           </a:p>
@@ -6142,7 +6853,7 @@
           <a:p>
             <a:fld id="{4263717A-E3C1-4BED-ABE0-B7069385E023}" type="datetimeFigureOut">
               <a:rPr lang="en-US" smtClean="0"/>
-              <a:t>8/10/2021</a:t>
+              <a:t>8/22/2021</a:t>
             </a:fld>
             <a:endParaRPr lang="en-US"/>
           </a:p>
@@ -6506,7 +7217,7 @@
           <a:p>
             <a:fld id="{4263717A-E3C1-4BED-ABE0-B7069385E023}" type="datetimeFigureOut">
               <a:rPr lang="en-US" smtClean="0"/>
-              <a:t>8/10/2021</a:t>
+              <a:t>8/22/2021</a:t>
             </a:fld>
             <a:endParaRPr lang="en-US"/>
           </a:p>
@@ -6623,7 +7334,7 @@
           <a:p>
             <a:fld id="{4263717A-E3C1-4BED-ABE0-B7069385E023}" type="datetimeFigureOut">
               <a:rPr lang="en-US" smtClean="0"/>
-              <a:t>8/10/2021</a:t>
+              <a:t>8/22/2021</a:t>
             </a:fld>
             <a:endParaRPr lang="en-US"/>
           </a:p>
@@ -6718,7 +7429,7 @@
           <a:p>
             <a:fld id="{4263717A-E3C1-4BED-ABE0-B7069385E023}" type="datetimeFigureOut">
               <a:rPr lang="en-US" smtClean="0"/>
-              <a:t>8/10/2021</a:t>
+              <a:t>8/22/2021</a:t>
             </a:fld>
             <a:endParaRPr lang="en-US"/>
           </a:p>
@@ -6993,7 +7704,7 @@
           <a:p>
             <a:fld id="{4263717A-E3C1-4BED-ABE0-B7069385E023}" type="datetimeFigureOut">
               <a:rPr lang="en-US" smtClean="0"/>
-              <a:t>8/10/2021</a:t>
+              <a:t>8/22/2021</a:t>
             </a:fld>
             <a:endParaRPr lang="en-US"/>
           </a:p>
@@ -7245,7 +7956,7 @@
           <a:p>
             <a:fld id="{4263717A-E3C1-4BED-ABE0-B7069385E023}" type="datetimeFigureOut">
               <a:rPr lang="en-US" smtClean="0"/>
-              <a:t>8/10/2021</a:t>
+              <a:t>8/22/2021</a:t>
             </a:fld>
             <a:endParaRPr lang="en-US"/>
           </a:p>
@@ -7456,7 +8167,7 @@
           <a:p>
             <a:fld id="{4263717A-E3C1-4BED-ABE0-B7069385E023}" type="datetimeFigureOut">
               <a:rPr lang="en-US" smtClean="0"/>
-              <a:t>8/10/2021</a:t>
+              <a:t>8/22/2021</a:t>
             </a:fld>
             <a:endParaRPr lang="en-US"/>
           </a:p>
@@ -8109,6 +8820,846 @@
       </p:grpSpPr>
       <p:sp>
         <p:nvSpPr>
+          <p:cNvPr id="3" name="Title 2">
+            <a:extLst>
+              <a:ext uri="{FF2B5EF4-FFF2-40B4-BE49-F238E27FC236}">
+                <a16:creationId xmlns:a16="http://schemas.microsoft.com/office/drawing/2014/main" id="{ACBB1566-FACA-43F6-8E5F-6CD4FB80E2E2}"/>
+              </a:ext>
+            </a:extLst>
+          </p:cNvPr>
+          <p:cNvSpPr>
+            <a:spLocks noGrp="1"/>
+          </p:cNvSpPr>
+          <p:nvPr>
+            <p:ph type="title"/>
+          </p:nvPr>
+        </p:nvSpPr>
+        <p:spPr/>
+        <p:txBody>
+          <a:bodyPr/>
+          <a:lstStyle/>
+          <a:p>
+            <a:r>
+              <a:rPr lang="en-US" dirty="0"/>
+              <a:t>Hard disk drives</a:t>
+            </a:r>
+          </a:p>
+        </p:txBody>
+      </p:sp>
+      <p:sp>
+        <p:nvSpPr>
+          <p:cNvPr id="4" name="Text Placeholder 3">
+            <a:extLst>
+              <a:ext uri="{FF2B5EF4-FFF2-40B4-BE49-F238E27FC236}">
+                <a16:creationId xmlns:a16="http://schemas.microsoft.com/office/drawing/2014/main" id="{989DA336-FECE-4500-96C7-7994956678B8}"/>
+              </a:ext>
+            </a:extLst>
+          </p:cNvPr>
+          <p:cNvSpPr>
+            <a:spLocks noGrp="1"/>
+          </p:cNvSpPr>
+          <p:nvPr>
+            <p:ph type="body" idx="1"/>
+          </p:nvPr>
+        </p:nvSpPr>
+        <p:spPr/>
+        <p:txBody>
+          <a:bodyPr/>
+          <a:lstStyle/>
+          <a:p>
+            <a:endParaRPr lang="en-US"/>
+          </a:p>
+        </p:txBody>
+      </p:sp>
+    </p:spTree>
+    <p:extLst>
+      <p:ext uri="{BB962C8B-B14F-4D97-AF65-F5344CB8AC3E}">
+        <p14:creationId xmlns:p14="http://schemas.microsoft.com/office/powerpoint/2010/main" val="1351668847"/>
+      </p:ext>
+    </p:extLst>
+  </p:cSld>
+  <p:clrMapOvr>
+    <a:masterClrMapping/>
+  </p:clrMapOvr>
+</p:sld>
+</file>
+
+<file path=ppt/slides/slide11.xml><?xml version="1.0" encoding="utf-8"?>
+<p:sld xmlns:a="http://schemas.openxmlformats.org/drawingml/2006/main" xmlns:r="http://schemas.openxmlformats.org/officeDocument/2006/relationships" xmlns:p="http://schemas.openxmlformats.org/presentationml/2006/main">
+  <p:cSld>
+    <p:spTree>
+      <p:nvGrpSpPr>
+        <p:cNvPr id="1" name=""/>
+        <p:cNvGrpSpPr/>
+        <p:nvPr/>
+      </p:nvGrpSpPr>
+      <p:grpSpPr>
+        <a:xfrm>
+          <a:off x="0" y="0"/>
+          <a:ext cx="0" cy="0"/>
+          <a:chOff x="0" y="0"/>
+          <a:chExt cx="0" cy="0"/>
+        </a:xfrm>
+      </p:grpSpPr>
+      <p:pic>
+        <p:nvPicPr>
+          <p:cNvPr id="1026" name="Picture 2" descr="https://www.cs.uic.edu/~jbell/CourseNotes/OperatingSystems/images/Chapter10/10_01_DiskMechanism.jpg"/>
+          <p:cNvPicPr>
+            <a:picLocks noChangeAspect="1" noChangeArrowheads="1"/>
+          </p:cNvPicPr>
+          <p:nvPr/>
+        </p:nvPicPr>
+        <p:blipFill>
+          <a:blip r:embed="rId2">
+            <a:extLst>
+              <a:ext uri="{28A0092B-C50C-407E-A947-70E740481C1C}">
+                <a14:useLocalDpi xmlns:a14="http://schemas.microsoft.com/office/drawing/2010/main" val="0"/>
+              </a:ext>
+            </a:extLst>
+          </a:blip>
+          <a:srcRect/>
+          <a:stretch>
+            <a:fillRect/>
+          </a:stretch>
+        </p:blipFill>
+        <p:spPr bwMode="auto">
+          <a:xfrm>
+            <a:off x="4476129" y="1475939"/>
+            <a:ext cx="6811611" cy="4998131"/>
+          </a:xfrm>
+          <a:prstGeom prst="rect">
+            <a:avLst/>
+          </a:prstGeom>
+          <a:noFill/>
+          <a:extLst>
+            <a:ext uri="{909E8E84-426E-40DD-AFC4-6F175D3DCCD1}">
+              <a14:hiddenFill xmlns:a14="http://schemas.microsoft.com/office/drawing/2010/main">
+                <a:solidFill>
+                  <a:srgbClr val="FFFFFF"/>
+                </a:solidFill>
+              </a14:hiddenFill>
+            </a:ext>
+          </a:extLst>
+        </p:spPr>
+      </p:pic>
+      <p:sp>
+        <p:nvSpPr>
+          <p:cNvPr id="5" name="Rectangle 4"/>
+          <p:cNvSpPr/>
+          <p:nvPr/>
+        </p:nvSpPr>
+        <p:spPr>
+          <a:xfrm>
+            <a:off x="4137817" y="6474070"/>
+            <a:ext cx="6111084" cy="338554"/>
+          </a:xfrm>
+          <a:prstGeom prst="rect">
+            <a:avLst/>
+          </a:prstGeom>
+        </p:spPr>
+        <p:txBody>
+          <a:bodyPr wrap="square">
+            <a:spAutoFit/>
+          </a:bodyPr>
+          <a:lstStyle/>
+          <a:p>
+            <a:r>
+              <a:rPr lang="en-US" sz="1050" dirty="0">
+                <a:latin typeface="Times New Roman" panose="02020603050405020304" pitchFamily="18" charset="0"/>
+              </a:rPr>
+              <a:t>Abraham </a:t>
+            </a:r>
+            <a:r>
+              <a:rPr lang="en-US" sz="1050" dirty="0" err="1">
+                <a:latin typeface="Times New Roman" panose="02020603050405020304" pitchFamily="18" charset="0"/>
+              </a:rPr>
+              <a:t>Silberschatz</a:t>
+            </a:r>
+            <a:r>
+              <a:rPr lang="en-US" sz="1050" dirty="0">
+                <a:latin typeface="Times New Roman" panose="02020603050405020304" pitchFamily="18" charset="0"/>
+              </a:rPr>
+              <a:t>, Greg Gagne, and Peter Baer Galvin, "Operating System Concepts, Ninth Edition </a:t>
+            </a:r>
+            <a:r>
+              <a:rPr lang="en-US" sz="1600" dirty="0">
+                <a:latin typeface="Times New Roman" panose="02020603050405020304" pitchFamily="18" charset="0"/>
+              </a:rPr>
+              <a:t>"</a:t>
+            </a:r>
+            <a:endParaRPr lang="en-US" sz="1600" dirty="0"/>
+          </a:p>
+        </p:txBody>
+      </p:sp>
+      <p:pic>
+        <p:nvPicPr>
+          <p:cNvPr id="1028" name="Picture 4" descr="fujitsu mhx2300bt 300gb 2.5in sata hdd"/>
+          <p:cNvPicPr>
+            <a:picLocks noChangeAspect="1" noChangeArrowheads="1"/>
+          </p:cNvPicPr>
+          <p:nvPr/>
+        </p:nvPicPr>
+        <p:blipFill>
+          <a:blip r:embed="rId3">
+            <a:extLst>
+              <a:ext uri="{28A0092B-C50C-407E-A947-70E740481C1C}">
+                <a14:useLocalDpi xmlns:a14="http://schemas.microsoft.com/office/drawing/2010/main" val="0"/>
+              </a:ext>
+            </a:extLst>
+          </a:blip>
+          <a:srcRect/>
+          <a:stretch>
+            <a:fillRect/>
+          </a:stretch>
+        </p:blipFill>
+        <p:spPr bwMode="auto">
+          <a:xfrm>
+            <a:off x="0" y="2183917"/>
+            <a:ext cx="3957277" cy="3042708"/>
+          </a:xfrm>
+          <a:prstGeom prst="rect">
+            <a:avLst/>
+          </a:prstGeom>
+          <a:noFill/>
+          <a:extLst>
+            <a:ext uri="{909E8E84-426E-40DD-AFC4-6F175D3DCCD1}">
+              <a14:hiddenFill xmlns:a14="http://schemas.microsoft.com/office/drawing/2010/main">
+                <a:solidFill>
+                  <a:srgbClr val="FFFFFF"/>
+                </a:solidFill>
+              </a14:hiddenFill>
+            </a:ext>
+          </a:extLst>
+        </p:spPr>
+      </p:pic>
+      <p:sp>
+        <p:nvSpPr>
+          <p:cNvPr id="6" name="Rectangle 5"/>
+          <p:cNvSpPr/>
+          <p:nvPr/>
+        </p:nvSpPr>
+        <p:spPr>
+          <a:xfrm>
+            <a:off x="220331" y="6039485"/>
+            <a:ext cx="2853216" cy="230832"/>
+          </a:xfrm>
+          <a:prstGeom prst="rect">
+            <a:avLst/>
+          </a:prstGeom>
+        </p:spPr>
+        <p:txBody>
+          <a:bodyPr wrap="square">
+            <a:spAutoFit/>
+          </a:bodyPr>
+          <a:lstStyle/>
+          <a:p>
+            <a:r>
+              <a:rPr lang="en-US" sz="900" dirty="0"/>
+              <a:t>https://regmedia.co.uk/2006/12/12/fujitsu_300gb_1.jpg</a:t>
+            </a:r>
+          </a:p>
+        </p:txBody>
+      </p:sp>
+      <p:sp>
+        <p:nvSpPr>
+          <p:cNvPr id="2" name="Title 1">
+            <a:extLst>
+              <a:ext uri="{FF2B5EF4-FFF2-40B4-BE49-F238E27FC236}">
+                <a16:creationId xmlns:a16="http://schemas.microsoft.com/office/drawing/2014/main" id="{9E7D6529-D026-4EDC-B0C1-F236240B998E}"/>
+              </a:ext>
+            </a:extLst>
+          </p:cNvPr>
+          <p:cNvSpPr>
+            <a:spLocks noGrp="1"/>
+          </p:cNvSpPr>
+          <p:nvPr>
+            <p:ph type="title"/>
+          </p:nvPr>
+        </p:nvSpPr>
+        <p:spPr/>
+        <p:txBody>
+          <a:bodyPr/>
+          <a:lstStyle/>
+          <a:p>
+            <a:r>
+              <a:rPr lang="en-US" dirty="0"/>
+              <a:t>Understand disk drives</a:t>
+            </a:r>
+          </a:p>
+        </p:txBody>
+      </p:sp>
+      <p:cxnSp>
+        <p:nvCxnSpPr>
+          <p:cNvPr id="4" name="Straight Arrow Connector 3">
+            <a:extLst>
+              <a:ext uri="{FF2B5EF4-FFF2-40B4-BE49-F238E27FC236}">
+                <a16:creationId xmlns:a16="http://schemas.microsoft.com/office/drawing/2014/main" id="{054F1B51-B90E-49D4-9ABC-D540CFDB8662}"/>
+              </a:ext>
+            </a:extLst>
+          </p:cNvPr>
+          <p:cNvCxnSpPr/>
+          <p:nvPr/>
+        </p:nvCxnSpPr>
+        <p:spPr>
+          <a:xfrm flipV="1">
+            <a:off x="2735179" y="2518611"/>
+            <a:ext cx="4748463" cy="910389"/>
+          </a:xfrm>
+          <a:prstGeom prst="straightConnector1">
+            <a:avLst/>
+          </a:prstGeom>
+          <a:ln>
+            <a:solidFill>
+              <a:srgbClr val="FF0000"/>
+            </a:solidFill>
+            <a:tailEnd type="triangle"/>
+          </a:ln>
+        </p:spPr>
+        <p:style>
+          <a:lnRef idx="1">
+            <a:schemeClr val="accent2"/>
+          </a:lnRef>
+          <a:fillRef idx="0">
+            <a:schemeClr val="accent2"/>
+          </a:fillRef>
+          <a:effectRef idx="0">
+            <a:schemeClr val="accent2"/>
+          </a:effectRef>
+          <a:fontRef idx="minor">
+            <a:schemeClr val="tx1"/>
+          </a:fontRef>
+        </p:style>
+      </p:cxnSp>
+      <p:cxnSp>
+        <p:nvCxnSpPr>
+          <p:cNvPr id="9" name="Straight Arrow Connector 8">
+            <a:extLst>
+              <a:ext uri="{FF2B5EF4-FFF2-40B4-BE49-F238E27FC236}">
+                <a16:creationId xmlns:a16="http://schemas.microsoft.com/office/drawing/2014/main" id="{78423D44-2E8A-4257-96AB-A434F2A6F559}"/>
+              </a:ext>
+            </a:extLst>
+          </p:cNvPr>
+          <p:cNvCxnSpPr>
+            <a:cxnSpLocks/>
+          </p:cNvCxnSpPr>
+          <p:nvPr/>
+        </p:nvCxnSpPr>
+        <p:spPr>
+          <a:xfrm>
+            <a:off x="2735179" y="3429000"/>
+            <a:ext cx="4748463" cy="0"/>
+          </a:xfrm>
+          <a:prstGeom prst="straightConnector1">
+            <a:avLst/>
+          </a:prstGeom>
+          <a:ln>
+            <a:solidFill>
+              <a:srgbClr val="FF0000"/>
+            </a:solidFill>
+            <a:tailEnd type="triangle"/>
+          </a:ln>
+        </p:spPr>
+        <p:style>
+          <a:lnRef idx="1">
+            <a:schemeClr val="accent2"/>
+          </a:lnRef>
+          <a:fillRef idx="0">
+            <a:schemeClr val="accent2"/>
+          </a:fillRef>
+          <a:effectRef idx="0">
+            <a:schemeClr val="accent2"/>
+          </a:effectRef>
+          <a:fontRef idx="minor">
+            <a:schemeClr val="tx1"/>
+          </a:fontRef>
+        </p:style>
+      </p:cxnSp>
+      <p:cxnSp>
+        <p:nvCxnSpPr>
+          <p:cNvPr id="10" name="Straight Arrow Connector 9">
+            <a:extLst>
+              <a:ext uri="{FF2B5EF4-FFF2-40B4-BE49-F238E27FC236}">
+                <a16:creationId xmlns:a16="http://schemas.microsoft.com/office/drawing/2014/main" id="{5EFDAE76-B99D-427C-ACDF-E379E99B5D68}"/>
+              </a:ext>
+            </a:extLst>
+          </p:cNvPr>
+          <p:cNvCxnSpPr>
+            <a:cxnSpLocks/>
+          </p:cNvCxnSpPr>
+          <p:nvPr/>
+        </p:nvCxnSpPr>
+        <p:spPr>
+          <a:xfrm>
+            <a:off x="2735179" y="3414778"/>
+            <a:ext cx="4814523" cy="1519673"/>
+          </a:xfrm>
+          <a:prstGeom prst="straightConnector1">
+            <a:avLst/>
+          </a:prstGeom>
+          <a:ln>
+            <a:solidFill>
+              <a:srgbClr val="FF0000"/>
+            </a:solidFill>
+            <a:tailEnd type="triangle"/>
+          </a:ln>
+        </p:spPr>
+        <p:style>
+          <a:lnRef idx="1">
+            <a:schemeClr val="accent2"/>
+          </a:lnRef>
+          <a:fillRef idx="0">
+            <a:schemeClr val="accent2"/>
+          </a:fillRef>
+          <a:effectRef idx="0">
+            <a:schemeClr val="accent2"/>
+          </a:effectRef>
+          <a:fontRef idx="minor">
+            <a:schemeClr val="tx1"/>
+          </a:fontRef>
+        </p:style>
+      </p:cxnSp>
+    </p:spTree>
+    <p:extLst>
+      <p:ext uri="{BB962C8B-B14F-4D97-AF65-F5344CB8AC3E}">
+        <p14:creationId xmlns:p14="http://schemas.microsoft.com/office/powerpoint/2010/main" val="1663533553"/>
+      </p:ext>
+    </p:extLst>
+  </p:cSld>
+  <p:clrMapOvr>
+    <a:masterClrMapping/>
+  </p:clrMapOvr>
+</p:sld>
+</file>
+
+<file path=ppt/slides/slide12.xml><?xml version="1.0" encoding="utf-8"?>
+<p:sld xmlns:a="http://schemas.openxmlformats.org/drawingml/2006/main" xmlns:r="http://schemas.openxmlformats.org/officeDocument/2006/relationships" xmlns:p="http://schemas.openxmlformats.org/presentationml/2006/main">
+  <p:cSld>
+    <p:spTree>
+      <p:nvGrpSpPr>
+        <p:cNvPr id="1" name=""/>
+        <p:cNvGrpSpPr/>
+        <p:nvPr/>
+      </p:nvGrpSpPr>
+      <p:grpSpPr>
+        <a:xfrm>
+          <a:off x="0" y="0"/>
+          <a:ext cx="0" cy="0"/>
+          <a:chOff x="0" y="0"/>
+          <a:chExt cx="0" cy="0"/>
+        </a:xfrm>
+      </p:grpSpPr>
+      <p:sp>
+        <p:nvSpPr>
+          <p:cNvPr id="4" name="Title 3"/>
+          <p:cNvSpPr>
+            <a:spLocks noGrp="1"/>
+          </p:cNvSpPr>
+          <p:nvPr>
+            <p:ph type="title"/>
+          </p:nvPr>
+        </p:nvSpPr>
+        <p:spPr/>
+        <p:txBody>
+          <a:bodyPr/>
+          <a:lstStyle/>
+          <a:p>
+            <a:r>
+              <a:rPr lang="en-US" dirty="0"/>
+              <a:t>What is a disk sector?</a:t>
+            </a:r>
+          </a:p>
+        </p:txBody>
+      </p:sp>
+      <p:sp>
+        <p:nvSpPr>
+          <p:cNvPr id="5" name="Content Placeholder 4"/>
+          <p:cNvSpPr>
+            <a:spLocks noGrp="1"/>
+          </p:cNvSpPr>
+          <p:nvPr>
+            <p:ph idx="1"/>
+          </p:nvPr>
+        </p:nvSpPr>
+        <p:spPr>
+          <a:xfrm>
+            <a:off x="997235" y="1753200"/>
+            <a:ext cx="5784531" cy="4814400"/>
+          </a:xfrm>
+        </p:spPr>
+        <p:txBody>
+          <a:bodyPr/>
+          <a:lstStyle/>
+          <a:p>
+            <a:r>
+              <a:rPr lang="en-US" dirty="0"/>
+              <a:t>The sector is the minimum storage unit of a hard drive.</a:t>
+            </a:r>
+          </a:p>
+          <a:p>
+            <a:r>
+              <a:rPr lang="en-US" dirty="0"/>
+              <a:t>Files occupy an integral number of sectors regardless of the file's actual size. </a:t>
+            </a:r>
+          </a:p>
+          <a:p>
+            <a:r>
+              <a:rPr lang="en-US" sz="3733" dirty="0"/>
+              <a:t># bytes per sector =</a:t>
+            </a:r>
+            <a:r>
+              <a:rPr lang="en-US" sz="3733" dirty="0">
+                <a:solidFill>
+                  <a:srgbClr val="FF0000"/>
+                </a:solidFill>
+              </a:rPr>
+              <a:t>512</a:t>
+            </a:r>
+            <a:r>
+              <a:rPr lang="en-US" sz="3733" dirty="0"/>
+              <a:t> Bytes</a:t>
+            </a:r>
+          </a:p>
+        </p:txBody>
+      </p:sp>
+      <p:pic>
+        <p:nvPicPr>
+          <p:cNvPr id="4100" name="Picture 4" descr="26BalHW.png"/>
+          <p:cNvPicPr>
+            <a:picLocks noChangeAspect="1" noChangeArrowheads="1"/>
+          </p:cNvPicPr>
+          <p:nvPr/>
+        </p:nvPicPr>
+        <p:blipFill>
+          <a:blip r:embed="rId2">
+            <a:extLst>
+              <a:ext uri="{28A0092B-C50C-407E-A947-70E740481C1C}">
+                <a14:useLocalDpi xmlns:a14="http://schemas.microsoft.com/office/drawing/2010/main" val="0"/>
+              </a:ext>
+            </a:extLst>
+          </a:blip>
+          <a:srcRect/>
+          <a:stretch>
+            <a:fillRect/>
+          </a:stretch>
+        </p:blipFill>
+        <p:spPr bwMode="auto">
+          <a:xfrm>
+            <a:off x="6781766" y="1753200"/>
+            <a:ext cx="5105241" cy="4128977"/>
+          </a:xfrm>
+          <a:prstGeom prst="rect">
+            <a:avLst/>
+          </a:prstGeom>
+          <a:noFill/>
+          <a:extLst>
+            <a:ext uri="{909E8E84-426E-40DD-AFC4-6F175D3DCCD1}">
+              <a14:hiddenFill xmlns:a14="http://schemas.microsoft.com/office/drawing/2010/main">
+                <a:solidFill>
+                  <a:srgbClr val="FFFFFF"/>
+                </a:solidFill>
+              </a14:hiddenFill>
+            </a:ext>
+          </a:extLst>
+        </p:spPr>
+      </p:pic>
+      <p:sp>
+        <p:nvSpPr>
+          <p:cNvPr id="6" name="Rectangle 5"/>
+          <p:cNvSpPr/>
+          <p:nvPr/>
+        </p:nvSpPr>
+        <p:spPr>
+          <a:xfrm>
+            <a:off x="9558116" y="6602244"/>
+            <a:ext cx="1795684" cy="230832"/>
+          </a:xfrm>
+          <a:prstGeom prst="rect">
+            <a:avLst/>
+          </a:prstGeom>
+        </p:spPr>
+        <p:txBody>
+          <a:bodyPr wrap="none">
+            <a:spAutoFit/>
+          </a:bodyPr>
+          <a:lstStyle/>
+          <a:p>
+            <a:r>
+              <a:rPr lang="en-US" sz="900" dirty="0"/>
+              <a:t>https://i.imgur.com/26BalHW.png</a:t>
+            </a:r>
+          </a:p>
+        </p:txBody>
+      </p:sp>
+    </p:spTree>
+    <p:extLst>
+      <p:ext uri="{BB962C8B-B14F-4D97-AF65-F5344CB8AC3E}">
+        <p14:creationId xmlns:p14="http://schemas.microsoft.com/office/powerpoint/2010/main" val="1429759575"/>
+      </p:ext>
+    </p:extLst>
+  </p:cSld>
+  <p:clrMapOvr>
+    <a:masterClrMapping/>
+  </p:clrMapOvr>
+</p:sld>
+</file>
+
+<file path=ppt/slides/slide13.xml><?xml version="1.0" encoding="utf-8"?>
+<p:sld xmlns:a="http://schemas.openxmlformats.org/drawingml/2006/main" xmlns:r="http://schemas.openxmlformats.org/officeDocument/2006/relationships" xmlns:p="http://schemas.openxmlformats.org/presentationml/2006/main">
+  <p:cSld>
+    <p:spTree>
+      <p:nvGrpSpPr>
+        <p:cNvPr id="1" name=""/>
+        <p:cNvGrpSpPr/>
+        <p:nvPr/>
+      </p:nvGrpSpPr>
+      <p:grpSpPr>
+        <a:xfrm>
+          <a:off x="0" y="0"/>
+          <a:ext cx="0" cy="0"/>
+          <a:chOff x="0" y="0"/>
+          <a:chExt cx="0" cy="0"/>
+        </a:xfrm>
+      </p:grpSpPr>
+      <p:sp>
+        <p:nvSpPr>
+          <p:cNvPr id="4" name="Title 3"/>
+          <p:cNvSpPr>
+            <a:spLocks noGrp="1"/>
+          </p:cNvSpPr>
+          <p:nvPr>
+            <p:ph type="title"/>
+          </p:nvPr>
+        </p:nvSpPr>
+        <p:spPr/>
+        <p:txBody>
+          <a:bodyPr/>
+          <a:lstStyle/>
+          <a:p>
+            <a:r>
+              <a:rPr lang="en-US" dirty="0"/>
+              <a:t>Calculate the total sectors</a:t>
+            </a:r>
+          </a:p>
+        </p:txBody>
+      </p:sp>
+      <p:sp>
+        <p:nvSpPr>
+          <p:cNvPr id="5" name="Content Placeholder 4"/>
+          <p:cNvSpPr>
+            <a:spLocks noGrp="1"/>
+          </p:cNvSpPr>
+          <p:nvPr>
+            <p:ph idx="1"/>
+          </p:nvPr>
+        </p:nvSpPr>
+        <p:spPr>
+          <a:xfrm>
+            <a:off x="838200" y="1825625"/>
+            <a:ext cx="6027420" cy="4351338"/>
+          </a:xfrm>
+        </p:spPr>
+        <p:txBody>
+          <a:bodyPr/>
+          <a:lstStyle/>
+          <a:p>
+            <a:r>
+              <a:rPr lang="en-US" dirty="0"/>
+              <a:t>#</a:t>
+            </a:r>
+            <a:r>
+              <a:rPr lang="en-US" dirty="0">
+                <a:solidFill>
+                  <a:srgbClr val="FF0000"/>
+                </a:solidFill>
+              </a:rPr>
+              <a:t>s</a:t>
+            </a:r>
+            <a:r>
+              <a:rPr lang="en-US" dirty="0"/>
+              <a:t>ectors per track</a:t>
+            </a:r>
+          </a:p>
+          <a:p>
+            <a:r>
+              <a:rPr lang="en-US" dirty="0"/>
+              <a:t># tracks (</a:t>
+            </a:r>
+            <a:r>
+              <a:rPr lang="en-US" dirty="0">
+                <a:solidFill>
+                  <a:srgbClr val="FF0000"/>
+                </a:solidFill>
+              </a:rPr>
+              <a:t>c</a:t>
+            </a:r>
+            <a:r>
+              <a:rPr lang="en-US" dirty="0"/>
+              <a:t>ylinders) </a:t>
+            </a:r>
+          </a:p>
+          <a:p>
+            <a:r>
+              <a:rPr lang="en-US" dirty="0"/>
+              <a:t># </a:t>
+            </a:r>
+            <a:r>
+              <a:rPr lang="en-US" dirty="0">
+                <a:solidFill>
+                  <a:srgbClr val="FF0000"/>
+                </a:solidFill>
+              </a:rPr>
+              <a:t>h</a:t>
+            </a:r>
+            <a:r>
+              <a:rPr lang="en-US" dirty="0"/>
+              <a:t>eaders </a:t>
+            </a:r>
+          </a:p>
+          <a:p>
+            <a:r>
+              <a:rPr lang="en-US" dirty="0"/>
+              <a:t>#Size of disk=# tracks (</a:t>
+            </a:r>
+            <a:r>
+              <a:rPr lang="en-US" dirty="0">
+                <a:solidFill>
+                  <a:srgbClr val="FF0000"/>
+                </a:solidFill>
+              </a:rPr>
+              <a:t>C</a:t>
+            </a:r>
+            <a:r>
+              <a:rPr lang="en-US" dirty="0"/>
+              <a:t>) x #</a:t>
+            </a:r>
+            <a:r>
+              <a:rPr lang="en-US" dirty="0">
+                <a:solidFill>
+                  <a:srgbClr val="FF0000"/>
+                </a:solidFill>
+              </a:rPr>
+              <a:t>H</a:t>
+            </a:r>
+            <a:r>
+              <a:rPr lang="en-US" dirty="0"/>
+              <a:t>eads x  #</a:t>
+            </a:r>
+            <a:r>
+              <a:rPr lang="en-US" dirty="0">
+                <a:solidFill>
+                  <a:srgbClr val="FF0000"/>
+                </a:solidFill>
+              </a:rPr>
+              <a:t>S</a:t>
+            </a:r>
+            <a:r>
+              <a:rPr lang="en-US" dirty="0"/>
+              <a:t>ectors per track (CHS)</a:t>
+            </a:r>
+          </a:p>
+          <a:p>
+            <a:pPr lvl="1" fontAlgn="base"/>
+            <a:r>
+              <a:rPr lang="en-US" dirty="0"/>
+              <a:t>no of sectors: 400</a:t>
+            </a:r>
+          </a:p>
+          <a:p>
+            <a:pPr lvl="1" fontAlgn="base"/>
+            <a:r>
+              <a:rPr lang="en-US" dirty="0"/>
+              <a:t>no of heads: 12</a:t>
+            </a:r>
+          </a:p>
+          <a:p>
+            <a:pPr lvl="1" fontAlgn="base"/>
+            <a:r>
+              <a:rPr lang="en-US" dirty="0"/>
+              <a:t>cylinders: 17000</a:t>
+            </a:r>
+          </a:p>
+          <a:p>
+            <a:pPr lvl="1" fontAlgn="base"/>
+            <a:r>
+              <a:rPr lang="en-US" dirty="0"/>
+              <a:t>=81600000 sectors</a:t>
+            </a:r>
+          </a:p>
+        </p:txBody>
+      </p:sp>
+      <p:pic>
+        <p:nvPicPr>
+          <p:cNvPr id="3" name="Picture 2" descr="https://www.cs.uic.edu/~jbell/CourseNotes/OperatingSystems/images/Chapter10/10_01_DiskMechanism.jpg"/>
+          <p:cNvPicPr>
+            <a:picLocks noChangeAspect="1" noChangeArrowheads="1"/>
+          </p:cNvPicPr>
+          <p:nvPr/>
+        </p:nvPicPr>
+        <p:blipFill>
+          <a:blip r:embed="rId2">
+            <a:extLst>
+              <a:ext uri="{28A0092B-C50C-407E-A947-70E740481C1C}">
+                <a14:useLocalDpi xmlns:a14="http://schemas.microsoft.com/office/drawing/2010/main" val="0"/>
+              </a:ext>
+            </a:extLst>
+          </a:blip>
+          <a:srcRect/>
+          <a:stretch>
+            <a:fillRect/>
+          </a:stretch>
+        </p:blipFill>
+        <p:spPr bwMode="auto">
+          <a:xfrm>
+            <a:off x="6921796" y="1915778"/>
+            <a:ext cx="5017072" cy="3681359"/>
+          </a:xfrm>
+          <a:prstGeom prst="rect">
+            <a:avLst/>
+          </a:prstGeom>
+          <a:noFill/>
+          <a:extLst>
+            <a:ext uri="{909E8E84-426E-40DD-AFC4-6F175D3DCCD1}">
+              <a14:hiddenFill xmlns:a14="http://schemas.microsoft.com/office/drawing/2010/main">
+                <a:solidFill>
+                  <a:srgbClr val="FFFFFF"/>
+                </a:solidFill>
+              </a14:hiddenFill>
+            </a:ext>
+          </a:extLst>
+        </p:spPr>
+      </p:pic>
+    </p:spTree>
+    <p:extLst>
+      <p:ext uri="{BB962C8B-B14F-4D97-AF65-F5344CB8AC3E}">
+        <p14:creationId xmlns:p14="http://schemas.microsoft.com/office/powerpoint/2010/main" val="1167073923"/>
+      </p:ext>
+    </p:extLst>
+  </p:cSld>
+  <p:clrMapOvr>
+    <a:masterClrMapping/>
+  </p:clrMapOvr>
+</p:sld>
+</file>
+
+<file path=ppt/slides/slide14.xml><?xml version="1.0" encoding="utf-8"?>
+<p:sld xmlns:a="http://schemas.openxmlformats.org/drawingml/2006/main" xmlns:r="http://schemas.openxmlformats.org/officeDocument/2006/relationships" xmlns:p="http://schemas.openxmlformats.org/presentationml/2006/main">
+  <p:cSld>
+    <p:spTree>
+      <p:nvGrpSpPr>
+        <p:cNvPr id="1" name=""/>
+        <p:cNvGrpSpPr/>
+        <p:nvPr/>
+      </p:nvGrpSpPr>
+      <p:grpSpPr>
+        <a:xfrm>
+          <a:off x="0" y="0"/>
+          <a:ext cx="0" cy="0"/>
+          <a:chOff x="0" y="0"/>
+          <a:chExt cx="0" cy="0"/>
+        </a:xfrm>
+      </p:grpSpPr>
+      <p:sp>
+        <p:nvSpPr>
           <p:cNvPr id="4" name="Title 3"/>
           <p:cNvSpPr>
             <a:spLocks noGrp="1"/>
@@ -8235,7 +9786,7 @@
             <a:fld id="{00000000-1234-1234-1234-123412341234}" type="slidenum">
               <a:rPr lang="en" smtClean="0"/>
               <a:pPr algn="ctr"/>
-              <a:t>10</a:t>
+              <a:t>14</a:t>
             </a:fld>
             <a:endParaRPr lang="en"/>
           </a:p>
@@ -8295,7 +9846,7 @@
 </p:sld>
 </file>
 
-<file path=ppt/slides/slide11.xml><?xml version="1.0" encoding="utf-8"?>
+<file path=ppt/slides/slide15.xml><?xml version="1.0" encoding="utf-8"?>
 <p:sld xmlns:a="http://schemas.openxmlformats.org/drawingml/2006/main" xmlns:r="http://schemas.openxmlformats.org/officeDocument/2006/relationships" xmlns:p="http://schemas.openxmlformats.org/presentationml/2006/main">
   <p:cSld>
     <p:spTree>
@@ -8351,7 +9902,7 @@
           <a:p>
             <a:fld id="{E24DD715-7292-4FAD-A484-09D5D92FAB07}" type="slidenum">
               <a:rPr lang="en-US" smtClean="0"/>
-              <a:t>11</a:t>
+              <a:t>15</a:t>
             </a:fld>
             <a:endParaRPr lang="en-US"/>
           </a:p>
@@ -8446,7 +9997,7 @@
 </p:sld>
 </file>
 
-<file path=ppt/slides/slide12.xml><?xml version="1.0" encoding="utf-8"?>
+<file path=ppt/slides/slide16.xml><?xml version="1.0" encoding="utf-8"?>
 <p:sld xmlns:a="http://schemas.openxmlformats.org/drawingml/2006/main" xmlns:r="http://schemas.openxmlformats.org/officeDocument/2006/relationships" xmlns:p="http://schemas.openxmlformats.org/presentationml/2006/main">
   <p:cSld>
     <p:spTree>
@@ -8468,7 +10019,7 @@
           <p:cNvPr id="2" name="Title 1">
             <a:extLst>
               <a:ext uri="{FF2B5EF4-FFF2-40B4-BE49-F238E27FC236}">
-                <a16:creationId xmlns:a16="http://schemas.microsoft.com/office/drawing/2014/main" id="{03CC167E-A2A6-45FA-8243-2E2D0A4470C5}"/>
+                <a16:creationId xmlns:a16="http://schemas.microsoft.com/office/drawing/2014/main" id="{71A8B12B-87B3-4BA5-9F77-1685E747F11A}"/>
               </a:ext>
             </a:extLst>
           </p:cNvPr>
@@ -8481,19 +10032,279 @@
         </p:nvSpPr>
         <p:spPr/>
         <p:txBody>
-          <a:bodyPr>
-            <a:normAutofit/>
+          <a:bodyPr/>
+          <a:lstStyle/>
+          <a:p>
+            <a:r>
+              <a:rPr lang="en-GB" dirty="0"/>
+              <a:t>Calculate the size of partitions</a:t>
+            </a:r>
+            <a:endParaRPr lang="en-US" dirty="0"/>
+          </a:p>
+        </p:txBody>
+      </p:sp>
+      <p:pic>
+        <p:nvPicPr>
+          <p:cNvPr id="4" name="Picture 3" descr="Graphical user interface, text, application&#10;&#10;Description automatically generated">
+            <a:extLst>
+              <a:ext uri="{FF2B5EF4-FFF2-40B4-BE49-F238E27FC236}">
+                <a16:creationId xmlns:a16="http://schemas.microsoft.com/office/drawing/2014/main" id="{15061FF5-BFFA-4DFB-8E25-48403C79D712}"/>
+              </a:ext>
+            </a:extLst>
+          </p:cNvPr>
+          <p:cNvPicPr>
+            <a:picLocks noChangeAspect="1"/>
+          </p:cNvPicPr>
+          <p:nvPr/>
+        </p:nvPicPr>
+        <p:blipFill>
+          <a:blip r:embed="rId2"/>
+          <a:stretch>
+            <a:fillRect/>
+          </a:stretch>
+        </p:blipFill>
+        <p:spPr>
+          <a:xfrm>
+            <a:off x="2353102" y="1554480"/>
+            <a:ext cx="5559969" cy="5107203"/>
+          </a:xfrm>
+          <a:prstGeom prst="rect">
+            <a:avLst/>
+          </a:prstGeom>
+          <a:ln>
+            <a:noFill/>
+          </a:ln>
+          <a:effectLst>
+            <a:outerShdw blurRad="292100" dist="139700" dir="2700000" algn="tl" rotWithShape="0">
+              <a:srgbClr val="333333">
+                <a:alpha val="65000"/>
+              </a:srgbClr>
+            </a:outerShdw>
+          </a:effectLst>
+        </p:spPr>
+      </p:pic>
+      <p:sp>
+        <p:nvSpPr>
+          <p:cNvPr id="5" name="TextBox 4">
+            <a:extLst>
+              <a:ext uri="{FF2B5EF4-FFF2-40B4-BE49-F238E27FC236}">
+                <a16:creationId xmlns:a16="http://schemas.microsoft.com/office/drawing/2014/main" id="{2BE860ED-0731-412D-83EE-E79F5AEF32F3}"/>
+              </a:ext>
+            </a:extLst>
+          </p:cNvPr>
+          <p:cNvSpPr txBox="1"/>
+          <p:nvPr/>
+        </p:nvSpPr>
+        <p:spPr>
+          <a:xfrm>
+            <a:off x="838200" y="1554480"/>
+            <a:ext cx="1514902" cy="369332"/>
+          </a:xfrm>
+          <a:prstGeom prst="rect">
+            <a:avLst/>
+          </a:prstGeom>
+          <a:solidFill>
+            <a:schemeClr val="accent4"/>
+          </a:solidFill>
+        </p:spPr>
+        <p:txBody>
+          <a:bodyPr wrap="none" rtlCol="0">
+            <a:spAutoFit/>
           </a:bodyPr>
           <a:lstStyle/>
           <a:p>
             <a:r>
-              <a:rPr lang="en-GB" dirty="0"/>
-              <a:t>Calculate the size of partitions</a:t>
-            </a:r>
-            <a:endParaRPr lang="en-US" dirty="0"/>
+              <a:rPr lang="en-US" dirty="0"/>
+              <a:t>Open </a:t>
+            </a:r>
+            <a:r>
+              <a:rPr lang="en-US" dirty="0" err="1"/>
+              <a:t>Winhex</a:t>
+            </a:r>
+            <a:r>
+              <a:rPr lang="en-US" dirty="0"/>
+              <a:t> </a:t>
+            </a:r>
           </a:p>
         </p:txBody>
       </p:sp>
+    </p:spTree>
+    <p:extLst>
+      <p:ext uri="{BB962C8B-B14F-4D97-AF65-F5344CB8AC3E}">
+        <p14:creationId xmlns:p14="http://schemas.microsoft.com/office/powerpoint/2010/main" val="1611306107"/>
+      </p:ext>
+    </p:extLst>
+  </p:cSld>
+  <p:clrMapOvr>
+    <a:masterClrMapping/>
+  </p:clrMapOvr>
+</p:sld>
+</file>
+
+<file path=ppt/slides/slide17.xml><?xml version="1.0" encoding="utf-8"?>
+<p:sld xmlns:a="http://schemas.openxmlformats.org/drawingml/2006/main" xmlns:r="http://schemas.openxmlformats.org/officeDocument/2006/relationships" xmlns:p="http://schemas.openxmlformats.org/presentationml/2006/main">
+  <p:cSld>
+    <p:spTree>
+      <p:nvGrpSpPr>
+        <p:cNvPr id="1" name=""/>
+        <p:cNvGrpSpPr/>
+        <p:nvPr/>
+      </p:nvGrpSpPr>
+      <p:grpSpPr>
+        <a:xfrm>
+          <a:off x="0" y="0"/>
+          <a:ext cx="0" cy="0"/>
+          <a:chOff x="0" y="0"/>
+          <a:chExt cx="0" cy="0"/>
+        </a:xfrm>
+      </p:grpSpPr>
+      <p:pic>
+        <p:nvPicPr>
+          <p:cNvPr id="4" name="Picture 3" descr="Graphical user interface, application&#10;&#10;Description automatically generated">
+            <a:extLst>
+              <a:ext uri="{FF2B5EF4-FFF2-40B4-BE49-F238E27FC236}">
+                <a16:creationId xmlns:a16="http://schemas.microsoft.com/office/drawing/2014/main" id="{AB413B6E-3DF0-4F5A-88C2-D7D0254CAA59}"/>
+              </a:ext>
+            </a:extLst>
+          </p:cNvPr>
+          <p:cNvPicPr>
+            <a:picLocks noChangeAspect="1"/>
+          </p:cNvPicPr>
+          <p:nvPr/>
+        </p:nvPicPr>
+        <p:blipFill>
+          <a:blip r:embed="rId2"/>
+          <a:stretch>
+            <a:fillRect/>
+          </a:stretch>
+        </p:blipFill>
+        <p:spPr>
+          <a:xfrm>
+            <a:off x="1266242" y="1383584"/>
+            <a:ext cx="4648603" cy="2979678"/>
+          </a:xfrm>
+          <a:prstGeom prst="rect">
+            <a:avLst/>
+          </a:prstGeom>
+          <a:ln>
+            <a:noFill/>
+          </a:ln>
+          <a:effectLst>
+            <a:outerShdw blurRad="292100" dist="139700" dir="2700000" algn="tl" rotWithShape="0">
+              <a:srgbClr val="333333">
+                <a:alpha val="65000"/>
+              </a:srgbClr>
+            </a:outerShdw>
+          </a:effectLst>
+        </p:spPr>
+      </p:pic>
+      <p:pic>
+        <p:nvPicPr>
+          <p:cNvPr id="6" name="Picture 5" descr="Graphical user interface, text, application, Word&#10;&#10;Description automatically generated">
+            <a:extLst>
+              <a:ext uri="{FF2B5EF4-FFF2-40B4-BE49-F238E27FC236}">
+                <a16:creationId xmlns:a16="http://schemas.microsoft.com/office/drawing/2014/main" id="{279282AB-B26A-4BD2-BF72-D0A96A3C73EF}"/>
+              </a:ext>
+            </a:extLst>
+          </p:cNvPr>
+          <p:cNvPicPr>
+            <a:picLocks noChangeAspect="1"/>
+          </p:cNvPicPr>
+          <p:nvPr/>
+        </p:nvPicPr>
+        <p:blipFill>
+          <a:blip r:embed="rId3"/>
+          <a:stretch>
+            <a:fillRect/>
+          </a:stretch>
+        </p:blipFill>
+        <p:spPr>
+          <a:xfrm>
+            <a:off x="6977440" y="1383584"/>
+            <a:ext cx="4473328" cy="4785775"/>
+          </a:xfrm>
+          <a:prstGeom prst="rect">
+            <a:avLst/>
+          </a:prstGeom>
+          <a:ln>
+            <a:noFill/>
+          </a:ln>
+          <a:effectLst>
+            <a:outerShdw blurRad="292100" dist="139700" dir="2700000" algn="tl" rotWithShape="0">
+              <a:srgbClr val="333333">
+                <a:alpha val="65000"/>
+              </a:srgbClr>
+            </a:outerShdw>
+          </a:effectLst>
+        </p:spPr>
+      </p:pic>
+      <p:sp>
+        <p:nvSpPr>
+          <p:cNvPr id="7" name="TextBox 6">
+            <a:extLst>
+              <a:ext uri="{FF2B5EF4-FFF2-40B4-BE49-F238E27FC236}">
+                <a16:creationId xmlns:a16="http://schemas.microsoft.com/office/drawing/2014/main" id="{165C9D3F-4A50-4409-925E-12DC7484A1BA}"/>
+              </a:ext>
+            </a:extLst>
+          </p:cNvPr>
+          <p:cNvSpPr txBox="1"/>
+          <p:nvPr/>
+        </p:nvSpPr>
+        <p:spPr>
+          <a:xfrm>
+            <a:off x="1266242" y="877824"/>
+            <a:ext cx="2826287" cy="369332"/>
+          </a:xfrm>
+          <a:prstGeom prst="rect">
+            <a:avLst/>
+          </a:prstGeom>
+          <a:solidFill>
+            <a:schemeClr val="accent4"/>
+          </a:solidFill>
+        </p:spPr>
+        <p:txBody>
+          <a:bodyPr wrap="none" rtlCol="0">
+            <a:spAutoFit/>
+          </a:bodyPr>
+          <a:lstStyle/>
+          <a:p>
+            <a:r>
+              <a:rPr lang="en-US" dirty="0"/>
+              <a:t>List Physical Storage Devices</a:t>
+            </a:r>
+          </a:p>
+        </p:txBody>
+      </p:sp>
+    </p:spTree>
+    <p:extLst>
+      <p:ext uri="{BB962C8B-B14F-4D97-AF65-F5344CB8AC3E}">
+        <p14:creationId xmlns:p14="http://schemas.microsoft.com/office/powerpoint/2010/main" val="588258724"/>
+      </p:ext>
+    </p:extLst>
+  </p:cSld>
+  <p:clrMapOvr>
+    <a:masterClrMapping/>
+  </p:clrMapOvr>
+</p:sld>
+</file>
+
+<file path=ppt/slides/slide18.xml><?xml version="1.0" encoding="utf-8"?>
+<p:sld xmlns:a="http://schemas.openxmlformats.org/drawingml/2006/main" xmlns:r="http://schemas.openxmlformats.org/officeDocument/2006/relationships" xmlns:p="http://schemas.openxmlformats.org/presentationml/2006/main">
+  <p:cSld>
+    <p:spTree>
+      <p:nvGrpSpPr>
+        <p:cNvPr id="1" name=""/>
+        <p:cNvGrpSpPr/>
+        <p:nvPr/>
+      </p:nvGrpSpPr>
+      <p:grpSpPr>
+        <a:xfrm>
+          <a:off x="0" y="0"/>
+          <a:ext cx="0" cy="0"/>
+          <a:chOff x="0" y="0"/>
+          <a:chExt cx="0" cy="0"/>
+        </a:xfrm>
+      </p:grpSpPr>
       <p:pic>
         <p:nvPicPr>
           <p:cNvPr id="3" name="Picture 2">
@@ -8608,7 +10419,234 @@
 </p:sld>
 </file>
 
-<file path=ppt/slides/slide13.xml><?xml version="1.0" encoding="utf-8"?>
+<file path=ppt/slides/slide19.xml><?xml version="1.0" encoding="utf-8"?>
+<p:sld xmlns:a="http://schemas.openxmlformats.org/drawingml/2006/main" xmlns:r="http://schemas.openxmlformats.org/officeDocument/2006/relationships" xmlns:p="http://schemas.openxmlformats.org/presentationml/2006/main">
+  <p:cSld>
+    <p:spTree>
+      <p:nvGrpSpPr>
+        <p:cNvPr id="1" name=""/>
+        <p:cNvGrpSpPr/>
+        <p:nvPr/>
+      </p:nvGrpSpPr>
+      <p:grpSpPr>
+        <a:xfrm>
+          <a:off x="0" y="0"/>
+          <a:ext cx="0" cy="0"/>
+          <a:chOff x="0" y="0"/>
+          <a:chExt cx="0" cy="0"/>
+        </a:xfrm>
+      </p:grpSpPr>
+      <p:pic>
+        <p:nvPicPr>
+          <p:cNvPr id="3" name="Picture 2" descr="Graphical user interface, text, application&#10;&#10;Description automatically generated">
+            <a:extLst>
+              <a:ext uri="{FF2B5EF4-FFF2-40B4-BE49-F238E27FC236}">
+                <a16:creationId xmlns:a16="http://schemas.microsoft.com/office/drawing/2014/main" id="{4285493E-B9BE-41B8-B977-15024CC05FFC}"/>
+              </a:ext>
+            </a:extLst>
+          </p:cNvPr>
+          <p:cNvPicPr>
+            <a:picLocks noChangeAspect="1"/>
+          </p:cNvPicPr>
+          <p:nvPr/>
+        </p:nvPicPr>
+        <p:blipFill>
+          <a:blip r:embed="rId2"/>
+          <a:stretch>
+            <a:fillRect/>
+          </a:stretch>
+        </p:blipFill>
+        <p:spPr>
+          <a:xfrm>
+            <a:off x="1727932" y="2195384"/>
+            <a:ext cx="8736136" cy="3437319"/>
+          </a:xfrm>
+          <a:prstGeom prst="rect">
+            <a:avLst/>
+          </a:prstGeom>
+          <a:ln>
+            <a:noFill/>
+          </a:ln>
+          <a:effectLst>
+            <a:outerShdw blurRad="292100" dist="139700" dir="2700000" algn="tl" rotWithShape="0">
+              <a:srgbClr val="333333">
+                <a:alpha val="65000"/>
+              </a:srgbClr>
+            </a:outerShdw>
+          </a:effectLst>
+        </p:spPr>
+      </p:pic>
+      <p:sp>
+        <p:nvSpPr>
+          <p:cNvPr id="4" name="TextBox 3">
+            <a:extLst>
+              <a:ext uri="{FF2B5EF4-FFF2-40B4-BE49-F238E27FC236}">
+                <a16:creationId xmlns:a16="http://schemas.microsoft.com/office/drawing/2014/main" id="{2BF88776-CF3B-462F-9BB9-4A43F4F41370}"/>
+              </a:ext>
+            </a:extLst>
+          </p:cNvPr>
+          <p:cNvSpPr txBox="1"/>
+          <p:nvPr/>
+        </p:nvSpPr>
+        <p:spPr>
+          <a:xfrm>
+            <a:off x="1727932" y="1750004"/>
+            <a:ext cx="2391745" cy="369332"/>
+          </a:xfrm>
+          <a:prstGeom prst="rect">
+            <a:avLst/>
+          </a:prstGeom>
+          <a:solidFill>
+            <a:schemeClr val="accent4"/>
+          </a:solidFill>
+        </p:spPr>
+        <p:txBody>
+          <a:bodyPr wrap="none" rtlCol="0">
+            <a:spAutoFit/>
+          </a:bodyPr>
+          <a:lstStyle/>
+          <a:p>
+            <a:r>
+              <a:rPr lang="en-US" dirty="0"/>
+              <a:t>Enable Data Interpreter</a:t>
+            </a:r>
+          </a:p>
+        </p:txBody>
+      </p:sp>
+    </p:spTree>
+    <p:extLst>
+      <p:ext uri="{BB962C8B-B14F-4D97-AF65-F5344CB8AC3E}">
+        <p14:creationId xmlns:p14="http://schemas.microsoft.com/office/powerpoint/2010/main" val="2564593808"/>
+      </p:ext>
+    </p:extLst>
+  </p:cSld>
+  <p:clrMapOvr>
+    <a:masterClrMapping/>
+  </p:clrMapOvr>
+</p:sld>
+</file>
+
+<file path=ppt/slides/slide2.xml><?xml version="1.0" encoding="utf-8"?>
+<p:sld xmlns:a="http://schemas.openxmlformats.org/drawingml/2006/main" xmlns:r="http://schemas.openxmlformats.org/officeDocument/2006/relationships" xmlns:p="http://schemas.openxmlformats.org/presentationml/2006/main">
+  <p:cSld>
+    <p:spTree>
+      <p:nvGrpSpPr>
+        <p:cNvPr id="1" name=""/>
+        <p:cNvGrpSpPr/>
+        <p:nvPr/>
+      </p:nvGrpSpPr>
+      <p:grpSpPr>
+        <a:xfrm>
+          <a:off x="0" y="0"/>
+          <a:ext cx="0" cy="0"/>
+          <a:chOff x="0" y="0"/>
+          <a:chExt cx="0" cy="0"/>
+        </a:xfrm>
+      </p:grpSpPr>
+      <p:sp>
+        <p:nvSpPr>
+          <p:cNvPr id="2" name="Title 1">
+            <a:extLst>
+              <a:ext uri="{FF2B5EF4-FFF2-40B4-BE49-F238E27FC236}">
+                <a16:creationId xmlns:a16="http://schemas.microsoft.com/office/drawing/2014/main" id="{A04FEFA9-CE2A-40FE-BF89-CEFE849B5984}"/>
+              </a:ext>
+            </a:extLst>
+          </p:cNvPr>
+          <p:cNvSpPr>
+            <a:spLocks noGrp="1"/>
+          </p:cNvSpPr>
+          <p:nvPr>
+            <p:ph type="title"/>
+          </p:nvPr>
+        </p:nvSpPr>
+        <p:spPr/>
+        <p:txBody>
+          <a:bodyPr/>
+          <a:lstStyle/>
+          <a:p>
+            <a:r>
+              <a:rPr lang="en-US" dirty="0"/>
+              <a:t>Overview</a:t>
+            </a:r>
+          </a:p>
+        </p:txBody>
+      </p:sp>
+      <p:sp>
+        <p:nvSpPr>
+          <p:cNvPr id="3" name="Content Placeholder 2">
+            <a:extLst>
+              <a:ext uri="{FF2B5EF4-FFF2-40B4-BE49-F238E27FC236}">
+                <a16:creationId xmlns:a16="http://schemas.microsoft.com/office/drawing/2014/main" id="{BC1247E6-97A2-4ED5-BB8F-4A27DE09086A}"/>
+              </a:ext>
+            </a:extLst>
+          </p:cNvPr>
+          <p:cNvSpPr>
+            <a:spLocks noGrp="1"/>
+          </p:cNvSpPr>
+          <p:nvPr>
+            <p:ph idx="1"/>
+          </p:nvPr>
+        </p:nvSpPr>
+        <p:spPr/>
+        <p:txBody>
+          <a:bodyPr/>
+          <a:lstStyle/>
+          <a:p>
+            <a:r>
+              <a:rPr lang="en-US" dirty="0"/>
+              <a:t>Computer systems</a:t>
+            </a:r>
+          </a:p>
+          <a:p>
+            <a:r>
+              <a:rPr lang="en-US" dirty="0"/>
+              <a:t>How do computers work?</a:t>
+            </a:r>
+          </a:p>
+          <a:p>
+            <a:r>
+              <a:rPr lang="en-GB" dirty="0"/>
+              <a:t>Why computer forensics is hard?</a:t>
+            </a:r>
+            <a:endParaRPr lang="en-US" dirty="0"/>
+          </a:p>
+          <a:p>
+            <a:r>
+              <a:rPr lang="en-US" dirty="0"/>
+              <a:t>Hard disk drives</a:t>
+            </a:r>
+          </a:p>
+          <a:p>
+            <a:r>
+              <a:rPr lang="en-US" dirty="0"/>
+              <a:t>Calculate disk partitions</a:t>
+            </a:r>
+          </a:p>
+          <a:p>
+            <a:r>
+              <a:rPr lang="en-US" dirty="0"/>
+              <a:t>PC boot process</a:t>
+            </a:r>
+          </a:p>
+          <a:p>
+            <a:endParaRPr lang="en-US" dirty="0"/>
+          </a:p>
+        </p:txBody>
+      </p:sp>
+    </p:spTree>
+    <p:extLst>
+      <p:ext uri="{BB962C8B-B14F-4D97-AF65-F5344CB8AC3E}">
+        <p14:creationId xmlns:p14="http://schemas.microsoft.com/office/powerpoint/2010/main" val="3464803328"/>
+      </p:ext>
+    </p:extLst>
+  </p:cSld>
+  <p:clrMapOvr>
+    <a:masterClrMapping/>
+  </p:clrMapOvr>
+</p:sld>
+</file>
+
+<file path=ppt/slides/slide20.xml><?xml version="1.0" encoding="utf-8"?>
 <p:sld xmlns:a="http://schemas.openxmlformats.org/drawingml/2006/main" xmlns:r="http://schemas.openxmlformats.org/officeDocument/2006/relationships" xmlns:p="http://schemas.openxmlformats.org/presentationml/2006/main">
   <p:cSld>
     <p:spTree>
@@ -8716,12 +10754,15 @@
         <p:spPr>
           <a:xfrm>
             <a:off x="1605915" y="4868263"/>
-            <a:ext cx="4772025" cy="2675537"/>
+            <a:ext cx="4746759" cy="905007"/>
           </a:xfrm>
           <a:prstGeom prst="straightConnector1">
             <a:avLst/>
           </a:prstGeom>
           <a:ln>
+            <a:solidFill>
+              <a:srgbClr val="FF0000"/>
+            </a:solidFill>
             <a:tailEnd type="triangle"/>
           </a:ln>
         </p:spPr>
@@ -8902,263 +10943,7 @@
 </p:sld>
 </file>
 
-<file path=ppt/slides/slide14.xml><?xml version="1.0" encoding="utf-8"?>
-<p:sld xmlns:a="http://schemas.openxmlformats.org/drawingml/2006/main" xmlns:r="http://schemas.openxmlformats.org/officeDocument/2006/relationships" xmlns:p="http://schemas.openxmlformats.org/presentationml/2006/main">
-  <p:cSld>
-    <p:spTree>
-      <p:nvGrpSpPr>
-        <p:cNvPr id="1" name=""/>
-        <p:cNvGrpSpPr/>
-        <p:nvPr/>
-      </p:nvGrpSpPr>
-      <p:grpSpPr>
-        <a:xfrm>
-          <a:off x="0" y="0"/>
-          <a:ext cx="0" cy="0"/>
-          <a:chOff x="0" y="0"/>
-          <a:chExt cx="0" cy="0"/>
-        </a:xfrm>
-      </p:grpSpPr>
-      <p:pic>
-        <p:nvPicPr>
-          <p:cNvPr id="2" name="Picture 1">
-            <a:extLst>
-              <a:ext uri="{FF2B5EF4-FFF2-40B4-BE49-F238E27FC236}">
-                <a16:creationId xmlns:a16="http://schemas.microsoft.com/office/drawing/2014/main" id="{838C995C-AB5A-4F7A-821E-429673A4D89B}"/>
-              </a:ext>
-            </a:extLst>
-          </p:cNvPr>
-          <p:cNvPicPr>
-            <a:picLocks noChangeAspect="1"/>
-          </p:cNvPicPr>
-          <p:nvPr/>
-        </p:nvPicPr>
-        <p:blipFill>
-          <a:blip r:embed="rId2"/>
-          <a:stretch>
-            <a:fillRect/>
-          </a:stretch>
-        </p:blipFill>
-        <p:spPr>
-          <a:xfrm>
-            <a:off x="3272854" y="259136"/>
-            <a:ext cx="7224084" cy="5966973"/>
-          </a:xfrm>
-          <a:prstGeom prst="rect">
-            <a:avLst/>
-          </a:prstGeom>
-        </p:spPr>
-      </p:pic>
-      <p:sp>
-        <p:nvSpPr>
-          <p:cNvPr id="3" name="TextBox 2">
-            <a:extLst>
-              <a:ext uri="{FF2B5EF4-FFF2-40B4-BE49-F238E27FC236}">
-                <a16:creationId xmlns:a16="http://schemas.microsoft.com/office/drawing/2014/main" id="{C4E9249F-8123-4CC5-AAFD-3F5AE566D961}"/>
-              </a:ext>
-            </a:extLst>
-          </p:cNvPr>
-          <p:cNvSpPr txBox="1"/>
-          <p:nvPr/>
-        </p:nvSpPr>
-        <p:spPr>
-          <a:xfrm>
-            <a:off x="4411190" y="6291087"/>
-            <a:ext cx="4187365" cy="307777"/>
-          </a:xfrm>
-          <a:prstGeom prst="rect">
-            <a:avLst/>
-          </a:prstGeom>
-          <a:noFill/>
-        </p:spPr>
-        <p:txBody>
-          <a:bodyPr wrap="none" rtlCol="0">
-            <a:spAutoFit/>
-          </a:bodyPr>
-          <a:lstStyle/>
-          <a:p>
-            <a:r>
-              <a:rPr lang="en-US" dirty="0"/>
-              <a:t>83881984 sectors *512 bytes per sector = 39.99 G</a:t>
-            </a:r>
-          </a:p>
-        </p:txBody>
-      </p:sp>
-      <p:sp>
-        <p:nvSpPr>
-          <p:cNvPr id="4" name="TextBox 3">
-            <a:extLst>
-              <a:ext uri="{FF2B5EF4-FFF2-40B4-BE49-F238E27FC236}">
-                <a16:creationId xmlns:a16="http://schemas.microsoft.com/office/drawing/2014/main" id="{FFA710C4-C5F4-42B1-8627-4E333127411F}"/>
-              </a:ext>
-            </a:extLst>
-          </p:cNvPr>
-          <p:cNvSpPr txBox="1"/>
-          <p:nvPr/>
-        </p:nvSpPr>
-        <p:spPr>
-          <a:xfrm>
-            <a:off x="919389" y="4539173"/>
-            <a:ext cx="2353465" cy="646331"/>
-          </a:xfrm>
-          <a:prstGeom prst="rect">
-            <a:avLst/>
-          </a:prstGeom>
-          <a:solidFill>
-            <a:schemeClr val="accent4"/>
-          </a:solidFill>
-        </p:spPr>
-        <p:txBody>
-          <a:bodyPr wrap="none" rtlCol="0">
-            <a:spAutoFit/>
-          </a:bodyPr>
-          <a:lstStyle/>
-          <a:p>
-            <a:r>
-              <a:rPr lang="en-US" dirty="0"/>
-              <a:t>Show the size of the </a:t>
-            </a:r>
-          </a:p>
-          <a:p>
-            <a:r>
-              <a:rPr lang="en-US" dirty="0"/>
-              <a:t>total sectors in decimal</a:t>
-            </a:r>
-          </a:p>
-        </p:txBody>
-      </p:sp>
-      <p:sp>
-        <p:nvSpPr>
-          <p:cNvPr id="5" name="TextBox 4">
-            <a:extLst>
-              <a:ext uri="{FF2B5EF4-FFF2-40B4-BE49-F238E27FC236}">
-                <a16:creationId xmlns:a16="http://schemas.microsoft.com/office/drawing/2014/main" id="{A9799A3F-4F5C-40E9-91C5-5CAEE643CE26}"/>
-              </a:ext>
-            </a:extLst>
-          </p:cNvPr>
-          <p:cNvSpPr txBox="1"/>
-          <p:nvPr/>
-        </p:nvSpPr>
-        <p:spPr>
-          <a:xfrm>
-            <a:off x="919389" y="5579778"/>
-            <a:ext cx="2336602" cy="646331"/>
-          </a:xfrm>
-          <a:prstGeom prst="rect">
-            <a:avLst/>
-          </a:prstGeom>
-          <a:solidFill>
-            <a:schemeClr val="accent4"/>
-          </a:solidFill>
-        </p:spPr>
-        <p:txBody>
-          <a:bodyPr wrap="none" rtlCol="0">
-            <a:spAutoFit/>
-          </a:bodyPr>
-          <a:lstStyle/>
-          <a:p>
-            <a:r>
-              <a:rPr lang="en-US" dirty="0"/>
-              <a:t>Compute the partition </a:t>
-            </a:r>
-          </a:p>
-          <a:p>
-            <a:r>
-              <a:rPr lang="en-US" dirty="0"/>
-              <a:t>size</a:t>
-            </a:r>
-          </a:p>
-        </p:txBody>
-      </p:sp>
-      <p:sp>
-        <p:nvSpPr>
-          <p:cNvPr id="6" name="TextBox 5">
-            <a:extLst>
-              <a:ext uri="{FF2B5EF4-FFF2-40B4-BE49-F238E27FC236}">
-                <a16:creationId xmlns:a16="http://schemas.microsoft.com/office/drawing/2014/main" id="{40269957-7597-43A9-A8B7-7DB2A3F6EA9D}"/>
-              </a:ext>
-            </a:extLst>
-          </p:cNvPr>
-          <p:cNvSpPr txBox="1"/>
-          <p:nvPr/>
-        </p:nvSpPr>
-        <p:spPr>
-          <a:xfrm>
-            <a:off x="4992142" y="5185504"/>
-            <a:ext cx="822661" cy="307777"/>
-          </a:xfrm>
-          <a:prstGeom prst="rect">
-            <a:avLst/>
-          </a:prstGeom>
-          <a:noFill/>
-        </p:spPr>
-        <p:txBody>
-          <a:bodyPr wrap="none" rtlCol="0">
-            <a:spAutoFit/>
-          </a:bodyPr>
-          <a:lstStyle/>
-          <a:p>
-            <a:r>
-              <a:rPr lang="en-US" dirty="0">
-                <a:solidFill>
-                  <a:srgbClr val="FF0000"/>
-                </a:solidFill>
-              </a:rPr>
-              <a:t>ox01CA</a:t>
-            </a:r>
-          </a:p>
-        </p:txBody>
-      </p:sp>
-      <p:cxnSp>
-        <p:nvCxnSpPr>
-          <p:cNvPr id="8" name="Straight Connector 7">
-            <a:extLst>
-              <a:ext uri="{FF2B5EF4-FFF2-40B4-BE49-F238E27FC236}">
-                <a16:creationId xmlns:a16="http://schemas.microsoft.com/office/drawing/2014/main" id="{A14DCB1A-253D-42BC-A976-E2850F59BFD8}"/>
-              </a:ext>
-            </a:extLst>
-          </p:cNvPr>
-          <p:cNvCxnSpPr/>
-          <p:nvPr/>
-        </p:nvCxnSpPr>
-        <p:spPr>
-          <a:xfrm>
-            <a:off x="5852160" y="5455920"/>
-            <a:ext cx="411480" cy="182880"/>
-          </a:xfrm>
-          <a:prstGeom prst="line">
-            <a:avLst/>
-          </a:prstGeom>
-        </p:spPr>
-        <p:style>
-          <a:lnRef idx="1">
-            <a:schemeClr val="accent2"/>
-          </a:lnRef>
-          <a:fillRef idx="0">
-            <a:schemeClr val="accent2"/>
-          </a:fillRef>
-          <a:effectRef idx="0">
-            <a:schemeClr val="accent2"/>
-          </a:effectRef>
-          <a:fontRef idx="minor">
-            <a:schemeClr val="tx1"/>
-          </a:fontRef>
-        </p:style>
-      </p:cxnSp>
-    </p:spTree>
-    <p:extLst>
-      <p:ext uri="{BB962C8B-B14F-4D97-AF65-F5344CB8AC3E}">
-        <p14:creationId xmlns:p14="http://schemas.microsoft.com/office/powerpoint/2010/main" val="3967940993"/>
-      </p:ext>
-    </p:extLst>
-  </p:cSld>
-  <p:clrMapOvr>
-    <a:masterClrMapping/>
-  </p:clrMapOvr>
-</p:sld>
-</file>
-
-<file path=ppt/slides/slide15.xml><?xml version="1.0" encoding="utf-8"?>
+<file path=ppt/slides/slide21.xml><?xml version="1.0" encoding="utf-8"?>
 <p:sld xmlns:a="http://schemas.openxmlformats.org/drawingml/2006/main" xmlns:r="http://schemas.openxmlformats.org/officeDocument/2006/relationships" xmlns:p="http://schemas.openxmlformats.org/presentationml/2006/main">
   <p:cSld>
     <p:spTree>
@@ -9294,7 +11079,263 @@
 </p:sld>
 </file>
 
-<file path=ppt/slides/slide16.xml><?xml version="1.0" encoding="utf-8"?>
+<file path=ppt/slides/slide22.xml><?xml version="1.0" encoding="utf-8"?>
+<p:sld xmlns:a="http://schemas.openxmlformats.org/drawingml/2006/main" xmlns:r="http://schemas.openxmlformats.org/officeDocument/2006/relationships" xmlns:p="http://schemas.openxmlformats.org/presentationml/2006/main">
+  <p:cSld>
+    <p:spTree>
+      <p:nvGrpSpPr>
+        <p:cNvPr id="1" name=""/>
+        <p:cNvGrpSpPr/>
+        <p:nvPr/>
+      </p:nvGrpSpPr>
+      <p:grpSpPr>
+        <a:xfrm>
+          <a:off x="0" y="0"/>
+          <a:ext cx="0" cy="0"/>
+          <a:chOff x="0" y="0"/>
+          <a:chExt cx="0" cy="0"/>
+        </a:xfrm>
+      </p:grpSpPr>
+      <p:pic>
+        <p:nvPicPr>
+          <p:cNvPr id="2" name="Picture 1">
+            <a:extLst>
+              <a:ext uri="{FF2B5EF4-FFF2-40B4-BE49-F238E27FC236}">
+                <a16:creationId xmlns:a16="http://schemas.microsoft.com/office/drawing/2014/main" id="{838C995C-AB5A-4F7A-821E-429673A4D89B}"/>
+              </a:ext>
+            </a:extLst>
+          </p:cNvPr>
+          <p:cNvPicPr>
+            <a:picLocks noChangeAspect="1"/>
+          </p:cNvPicPr>
+          <p:nvPr/>
+        </p:nvPicPr>
+        <p:blipFill>
+          <a:blip r:embed="rId3"/>
+          <a:stretch>
+            <a:fillRect/>
+          </a:stretch>
+        </p:blipFill>
+        <p:spPr>
+          <a:xfrm>
+            <a:off x="3272854" y="259136"/>
+            <a:ext cx="7224084" cy="5966973"/>
+          </a:xfrm>
+          <a:prstGeom prst="rect">
+            <a:avLst/>
+          </a:prstGeom>
+        </p:spPr>
+      </p:pic>
+      <p:sp>
+        <p:nvSpPr>
+          <p:cNvPr id="3" name="TextBox 2">
+            <a:extLst>
+              <a:ext uri="{FF2B5EF4-FFF2-40B4-BE49-F238E27FC236}">
+                <a16:creationId xmlns:a16="http://schemas.microsoft.com/office/drawing/2014/main" id="{C4E9249F-8123-4CC5-AAFD-3F5AE566D961}"/>
+              </a:ext>
+            </a:extLst>
+          </p:cNvPr>
+          <p:cNvSpPr txBox="1"/>
+          <p:nvPr/>
+        </p:nvSpPr>
+        <p:spPr>
+          <a:xfrm>
+            <a:off x="4411190" y="6291087"/>
+            <a:ext cx="4187365" cy="307777"/>
+          </a:xfrm>
+          <a:prstGeom prst="rect">
+            <a:avLst/>
+          </a:prstGeom>
+          <a:noFill/>
+        </p:spPr>
+        <p:txBody>
+          <a:bodyPr wrap="none" rtlCol="0">
+            <a:spAutoFit/>
+          </a:bodyPr>
+          <a:lstStyle/>
+          <a:p>
+            <a:r>
+              <a:rPr lang="en-US" dirty="0"/>
+              <a:t>83881984 sectors *512 bytes per sector = 39.99 G</a:t>
+            </a:r>
+          </a:p>
+        </p:txBody>
+      </p:sp>
+      <p:sp>
+        <p:nvSpPr>
+          <p:cNvPr id="4" name="TextBox 3">
+            <a:extLst>
+              <a:ext uri="{FF2B5EF4-FFF2-40B4-BE49-F238E27FC236}">
+                <a16:creationId xmlns:a16="http://schemas.microsoft.com/office/drawing/2014/main" id="{FFA710C4-C5F4-42B1-8627-4E333127411F}"/>
+              </a:ext>
+            </a:extLst>
+          </p:cNvPr>
+          <p:cNvSpPr txBox="1"/>
+          <p:nvPr/>
+        </p:nvSpPr>
+        <p:spPr>
+          <a:xfrm>
+            <a:off x="919389" y="4539173"/>
+            <a:ext cx="2353465" cy="646331"/>
+          </a:xfrm>
+          <a:prstGeom prst="rect">
+            <a:avLst/>
+          </a:prstGeom>
+          <a:solidFill>
+            <a:schemeClr val="accent4"/>
+          </a:solidFill>
+        </p:spPr>
+        <p:txBody>
+          <a:bodyPr wrap="none" rtlCol="0">
+            <a:spAutoFit/>
+          </a:bodyPr>
+          <a:lstStyle/>
+          <a:p>
+            <a:r>
+              <a:rPr lang="en-US" dirty="0"/>
+              <a:t>Show the size of the </a:t>
+            </a:r>
+          </a:p>
+          <a:p>
+            <a:r>
+              <a:rPr lang="en-US" dirty="0"/>
+              <a:t>total sectors in decimal</a:t>
+            </a:r>
+          </a:p>
+        </p:txBody>
+      </p:sp>
+      <p:sp>
+        <p:nvSpPr>
+          <p:cNvPr id="5" name="TextBox 4">
+            <a:extLst>
+              <a:ext uri="{FF2B5EF4-FFF2-40B4-BE49-F238E27FC236}">
+                <a16:creationId xmlns:a16="http://schemas.microsoft.com/office/drawing/2014/main" id="{A9799A3F-4F5C-40E9-91C5-5CAEE643CE26}"/>
+              </a:ext>
+            </a:extLst>
+          </p:cNvPr>
+          <p:cNvSpPr txBox="1"/>
+          <p:nvPr/>
+        </p:nvSpPr>
+        <p:spPr>
+          <a:xfrm>
+            <a:off x="919389" y="5579778"/>
+            <a:ext cx="2336602" cy="646331"/>
+          </a:xfrm>
+          <a:prstGeom prst="rect">
+            <a:avLst/>
+          </a:prstGeom>
+          <a:solidFill>
+            <a:schemeClr val="accent4"/>
+          </a:solidFill>
+        </p:spPr>
+        <p:txBody>
+          <a:bodyPr wrap="none" rtlCol="0">
+            <a:spAutoFit/>
+          </a:bodyPr>
+          <a:lstStyle/>
+          <a:p>
+            <a:r>
+              <a:rPr lang="en-US" dirty="0"/>
+              <a:t>Compute the partition </a:t>
+            </a:r>
+          </a:p>
+          <a:p>
+            <a:r>
+              <a:rPr lang="en-US" dirty="0"/>
+              <a:t>size</a:t>
+            </a:r>
+          </a:p>
+        </p:txBody>
+      </p:sp>
+      <p:sp>
+        <p:nvSpPr>
+          <p:cNvPr id="6" name="TextBox 5">
+            <a:extLst>
+              <a:ext uri="{FF2B5EF4-FFF2-40B4-BE49-F238E27FC236}">
+                <a16:creationId xmlns:a16="http://schemas.microsoft.com/office/drawing/2014/main" id="{40269957-7597-43A9-A8B7-7DB2A3F6EA9D}"/>
+              </a:ext>
+            </a:extLst>
+          </p:cNvPr>
+          <p:cNvSpPr txBox="1"/>
+          <p:nvPr/>
+        </p:nvSpPr>
+        <p:spPr>
+          <a:xfrm>
+            <a:off x="4992142" y="5185504"/>
+            <a:ext cx="822661" cy="307777"/>
+          </a:xfrm>
+          <a:prstGeom prst="rect">
+            <a:avLst/>
+          </a:prstGeom>
+          <a:noFill/>
+        </p:spPr>
+        <p:txBody>
+          <a:bodyPr wrap="none" rtlCol="0">
+            <a:spAutoFit/>
+          </a:bodyPr>
+          <a:lstStyle/>
+          <a:p>
+            <a:r>
+              <a:rPr lang="en-US" dirty="0">
+                <a:solidFill>
+                  <a:srgbClr val="FF0000"/>
+                </a:solidFill>
+              </a:rPr>
+              <a:t>ox01CA</a:t>
+            </a:r>
+          </a:p>
+        </p:txBody>
+      </p:sp>
+      <p:cxnSp>
+        <p:nvCxnSpPr>
+          <p:cNvPr id="8" name="Straight Connector 7">
+            <a:extLst>
+              <a:ext uri="{FF2B5EF4-FFF2-40B4-BE49-F238E27FC236}">
+                <a16:creationId xmlns:a16="http://schemas.microsoft.com/office/drawing/2014/main" id="{A14DCB1A-253D-42BC-A976-E2850F59BFD8}"/>
+              </a:ext>
+            </a:extLst>
+          </p:cNvPr>
+          <p:cNvCxnSpPr/>
+          <p:nvPr/>
+        </p:nvCxnSpPr>
+        <p:spPr>
+          <a:xfrm>
+            <a:off x="5852160" y="5455920"/>
+            <a:ext cx="411480" cy="182880"/>
+          </a:xfrm>
+          <a:prstGeom prst="line">
+            <a:avLst/>
+          </a:prstGeom>
+        </p:spPr>
+        <p:style>
+          <a:lnRef idx="1">
+            <a:schemeClr val="accent2"/>
+          </a:lnRef>
+          <a:fillRef idx="0">
+            <a:schemeClr val="accent2"/>
+          </a:fillRef>
+          <a:effectRef idx="0">
+            <a:schemeClr val="accent2"/>
+          </a:effectRef>
+          <a:fontRef idx="minor">
+            <a:schemeClr val="tx1"/>
+          </a:fontRef>
+        </p:style>
+      </p:cxnSp>
+    </p:spTree>
+    <p:extLst>
+      <p:ext uri="{BB962C8B-B14F-4D97-AF65-F5344CB8AC3E}">
+        <p14:creationId xmlns:p14="http://schemas.microsoft.com/office/powerpoint/2010/main" val="3967940993"/>
+      </p:ext>
+    </p:extLst>
+  </p:cSld>
+  <p:clrMapOvr>
+    <a:masterClrMapping/>
+  </p:clrMapOvr>
+</p:sld>
+</file>
+
+<file path=ppt/slides/slide23.xml><?xml version="1.0" encoding="utf-8"?>
 <p:sld xmlns:a="http://schemas.openxmlformats.org/drawingml/2006/main" xmlns:r="http://schemas.openxmlformats.org/officeDocument/2006/relationships" xmlns:p="http://schemas.openxmlformats.org/presentationml/2006/main">
   <p:cSld>
     <p:spTree>
@@ -9513,7 +11554,7 @@
 </p:sld>
 </file>
 
-<file path=ppt/slides/slide17.xml><?xml version="1.0" encoding="utf-8"?>
+<file path=ppt/slides/slide24.xml><?xml version="1.0" encoding="utf-8"?>
 <p:sld xmlns:a="http://schemas.openxmlformats.org/drawingml/2006/main" xmlns:r="http://schemas.openxmlformats.org/officeDocument/2006/relationships" xmlns:p="http://schemas.openxmlformats.org/presentationml/2006/main">
   <p:cSld>
     <p:spTree>
@@ -9717,7 +11758,7 @@
 </p:sld>
 </file>
 
-<file path=ppt/slides/slide18.xml><?xml version="1.0" encoding="utf-8"?>
+<file path=ppt/slides/slide25.xml><?xml version="1.0" encoding="utf-8"?>
 <p:sld xmlns:a="http://schemas.openxmlformats.org/drawingml/2006/main" xmlns:r="http://schemas.openxmlformats.org/officeDocument/2006/relationships" xmlns:p="http://schemas.openxmlformats.org/presentationml/2006/main">
   <p:cSld>
     <p:spTree>
@@ -9815,13 +11856,15 @@
       <p:cxnSp>
         <p:nvCxnSpPr>
           <p:cNvPr id="8" name="Straight Arrow Connector 7"/>
-          <p:cNvCxnSpPr/>
+          <p:cNvCxnSpPr>
+            <a:cxnSpLocks/>
+          </p:cNvCxnSpPr>
           <p:nvPr/>
         </p:nvCxnSpPr>
         <p:spPr>
           <a:xfrm flipV="1">
-            <a:off x="4087390" y="815725"/>
-            <a:ext cx="991149" cy="359620"/>
+            <a:off x="4087390" y="1054608"/>
+            <a:ext cx="1514834" cy="120737"/>
           </a:xfrm>
           <a:prstGeom prst="straightConnector1">
             <a:avLst/>
@@ -9989,7 +12032,7 @@
 </p:sld>
 </file>
 
-<file path=ppt/slides/slide19.xml><?xml version="1.0" encoding="utf-8"?>
+<file path=ppt/slides/slide26.xml><?xml version="1.0" encoding="utf-8"?>
 <p:sld xmlns:a="http://schemas.openxmlformats.org/drawingml/2006/main" xmlns:r="http://schemas.openxmlformats.org/officeDocument/2006/relationships" xmlns:p="http://schemas.openxmlformats.org/presentationml/2006/main">
   <p:cSld>
     <p:spTree>
@@ -10025,7 +12068,7 @@
             <a:fld id="{00000000-1234-1234-1234-123412341234}" type="slidenum">
               <a:rPr lang="en" smtClean="0"/>
               <a:pPr algn="ctr"/>
-              <a:t>19</a:t>
+              <a:t>26</a:t>
             </a:fld>
             <a:endParaRPr lang="en"/>
           </a:p>
@@ -10267,7 +12310,7 @@
 </p:sld>
 </file>
 
-<file path=ppt/slides/slide2.xml><?xml version="1.0" encoding="utf-8"?>
+<file path=ppt/slides/slide27.xml><?xml version="1.0" encoding="utf-8"?>
 <p:sld xmlns:a="http://schemas.openxmlformats.org/drawingml/2006/main" xmlns:r="http://schemas.openxmlformats.org/officeDocument/2006/relationships" xmlns:p="http://schemas.openxmlformats.org/presentationml/2006/main">
   <p:cSld>
     <p:spTree>
@@ -10289,113 +12332,6 @@
           <p:cNvPr id="2" name="Title 1">
             <a:extLst>
               <a:ext uri="{FF2B5EF4-FFF2-40B4-BE49-F238E27FC236}">
-                <a16:creationId xmlns:a16="http://schemas.microsoft.com/office/drawing/2014/main" id="{A04FEFA9-CE2A-40FE-BF89-CEFE849B5984}"/>
-              </a:ext>
-            </a:extLst>
-          </p:cNvPr>
-          <p:cNvSpPr>
-            <a:spLocks noGrp="1"/>
-          </p:cNvSpPr>
-          <p:nvPr>
-            <p:ph type="title"/>
-          </p:nvPr>
-        </p:nvSpPr>
-        <p:spPr/>
-        <p:txBody>
-          <a:bodyPr/>
-          <a:lstStyle/>
-          <a:p>
-            <a:r>
-              <a:rPr lang="en-US" dirty="0"/>
-              <a:t>Overview</a:t>
-            </a:r>
-          </a:p>
-        </p:txBody>
-      </p:sp>
-      <p:sp>
-        <p:nvSpPr>
-          <p:cNvPr id="3" name="Content Placeholder 2">
-            <a:extLst>
-              <a:ext uri="{FF2B5EF4-FFF2-40B4-BE49-F238E27FC236}">
-                <a16:creationId xmlns:a16="http://schemas.microsoft.com/office/drawing/2014/main" id="{BC1247E6-97A2-4ED5-BB8F-4A27DE09086A}"/>
-              </a:ext>
-            </a:extLst>
-          </p:cNvPr>
-          <p:cNvSpPr>
-            <a:spLocks noGrp="1"/>
-          </p:cNvSpPr>
-          <p:nvPr>
-            <p:ph idx="1"/>
-          </p:nvPr>
-        </p:nvSpPr>
-        <p:spPr/>
-        <p:txBody>
-          <a:bodyPr/>
-          <a:lstStyle/>
-          <a:p>
-            <a:r>
-              <a:rPr lang="en-US" dirty="0"/>
-              <a:t>Computer systems</a:t>
-            </a:r>
-          </a:p>
-          <a:p>
-            <a:r>
-              <a:rPr lang="en-US" dirty="0"/>
-              <a:t>Hard disk drives</a:t>
-            </a:r>
-          </a:p>
-          <a:p>
-            <a:r>
-              <a:rPr lang="en-US" dirty="0"/>
-              <a:t>Calculate disk partitions</a:t>
-            </a:r>
-          </a:p>
-          <a:p>
-            <a:r>
-              <a:rPr lang="en-US" dirty="0"/>
-              <a:t>PC boot process</a:t>
-            </a:r>
-          </a:p>
-          <a:p>
-            <a:endParaRPr lang="en-US" dirty="0"/>
-          </a:p>
-        </p:txBody>
-      </p:sp>
-    </p:spTree>
-    <p:extLst>
-      <p:ext uri="{BB962C8B-B14F-4D97-AF65-F5344CB8AC3E}">
-        <p14:creationId xmlns:p14="http://schemas.microsoft.com/office/powerpoint/2010/main" val="3464803328"/>
-      </p:ext>
-    </p:extLst>
-  </p:cSld>
-  <p:clrMapOvr>
-    <a:masterClrMapping/>
-  </p:clrMapOvr>
-</p:sld>
-</file>
-
-<file path=ppt/slides/slide20.xml><?xml version="1.0" encoding="utf-8"?>
-<p:sld xmlns:a="http://schemas.openxmlformats.org/drawingml/2006/main" xmlns:r="http://schemas.openxmlformats.org/officeDocument/2006/relationships" xmlns:p="http://schemas.openxmlformats.org/presentationml/2006/main">
-  <p:cSld>
-    <p:spTree>
-      <p:nvGrpSpPr>
-        <p:cNvPr id="1" name=""/>
-        <p:cNvGrpSpPr/>
-        <p:nvPr/>
-      </p:nvGrpSpPr>
-      <p:grpSpPr>
-        <a:xfrm>
-          <a:off x="0" y="0"/>
-          <a:ext cx="0" cy="0"/>
-          <a:chOff x="0" y="0"/>
-          <a:chExt cx="0" cy="0"/>
-        </a:xfrm>
-      </p:grpSpPr>
-      <p:sp>
-        <p:nvSpPr>
-          <p:cNvPr id="2" name="Title 1">
-            <a:extLst>
-              <a:ext uri="{FF2B5EF4-FFF2-40B4-BE49-F238E27FC236}">
                 <a16:creationId xmlns:a16="http://schemas.microsoft.com/office/drawing/2014/main" id="{858A2F4E-513A-4B51-A364-DB3E42E0E0D6}"/>
               </a:ext>
             </a:extLst>
@@ -10457,7 +12393,7 @@
 </p:sld>
 </file>
 
-<file path=ppt/slides/slide21.xml><?xml version="1.0" encoding="utf-8"?>
+<file path=ppt/slides/slide28.xml><?xml version="1.0" encoding="utf-8"?>
 <p:sld xmlns:a="http://schemas.openxmlformats.org/drawingml/2006/main" xmlns:r="http://schemas.openxmlformats.org/officeDocument/2006/relationships" xmlns:p="http://schemas.openxmlformats.org/presentationml/2006/main">
   <p:cSld>
     <p:spTree>
@@ -10803,7 +12739,7 @@
 </p:sld>
 </file>
 
-<file path=ppt/slides/slide22.xml><?xml version="1.0" encoding="utf-8"?>
+<file path=ppt/slides/slide29.xml><?xml version="1.0" encoding="utf-8"?>
 <p:sld xmlns:a="http://schemas.openxmlformats.org/drawingml/2006/main" xmlns:r="http://schemas.openxmlformats.org/officeDocument/2006/relationships" xmlns:p="http://schemas.openxmlformats.org/presentationml/2006/main">
   <p:cSld>
     <p:spTree>
@@ -10839,7 +12775,7 @@
             <a:fld id="{00000000-1234-1234-1234-123412341234}" type="slidenum">
               <a:rPr lang="en" smtClean="0"/>
               <a:pPr algn="ctr"/>
-              <a:t>22</a:t>
+              <a:t>29</a:t>
             </a:fld>
             <a:endParaRPr lang="en"/>
           </a:p>
@@ -10893,6 +12829,43 @@
           </a:prstGeom>
         </p:spPr>
       </p:pic>
+      <p:sp>
+        <p:nvSpPr>
+          <p:cNvPr id="5" name="TextBox 4">
+            <a:extLst>
+              <a:ext uri="{FF2B5EF4-FFF2-40B4-BE49-F238E27FC236}">
+                <a16:creationId xmlns:a16="http://schemas.microsoft.com/office/drawing/2014/main" id="{89E29D3E-8566-41AE-B2FB-17EE28C6D787}"/>
+              </a:ext>
+            </a:extLst>
+          </p:cNvPr>
+          <p:cNvSpPr txBox="1"/>
+          <p:nvPr/>
+        </p:nvSpPr>
+        <p:spPr>
+          <a:xfrm>
+            <a:off x="1173112" y="926068"/>
+            <a:ext cx="4212704" cy="369332"/>
+          </a:xfrm>
+          <a:prstGeom prst="rect">
+            <a:avLst/>
+          </a:prstGeom>
+          <a:solidFill>
+            <a:schemeClr val="accent4"/>
+          </a:solidFill>
+        </p:spPr>
+        <p:txBody>
+          <a:bodyPr wrap="square" rtlCol="0">
+            <a:spAutoFit/>
+          </a:bodyPr>
+          <a:lstStyle/>
+          <a:p>
+            <a:r>
+              <a:rPr lang="en-US" dirty="0"/>
+              <a:t>Open Physical Devices</a:t>
+            </a:r>
+          </a:p>
+        </p:txBody>
+      </p:sp>
     </p:spTree>
     <p:extLst>
       <p:ext uri="{BB962C8B-B14F-4D97-AF65-F5344CB8AC3E}">
@@ -10906,7 +12879,7 @@
 </p:sld>
 </file>
 
-<file path=ppt/slides/slide23.xml><?xml version="1.0" encoding="utf-8"?>
+<file path=ppt/slides/slide3.xml><?xml version="1.0" encoding="utf-8"?>
 <p:sld xmlns:a="http://schemas.openxmlformats.org/drawingml/2006/main" xmlns:r="http://schemas.openxmlformats.org/officeDocument/2006/relationships" xmlns:p="http://schemas.openxmlformats.org/presentationml/2006/main">
   <p:cSld>
     <p:spTree>
@@ -10925,6 +12898,89 @@
       </p:grpSpPr>
       <p:sp>
         <p:nvSpPr>
+          <p:cNvPr id="4" name="Title 3">
+            <a:extLst>
+              <a:ext uri="{FF2B5EF4-FFF2-40B4-BE49-F238E27FC236}">
+                <a16:creationId xmlns:a16="http://schemas.microsoft.com/office/drawing/2014/main" id="{75A29158-1C64-4CE0-B619-29AE3D56152D}"/>
+              </a:ext>
+            </a:extLst>
+          </p:cNvPr>
+          <p:cNvSpPr>
+            <a:spLocks noGrp="1"/>
+          </p:cNvSpPr>
+          <p:nvPr>
+            <p:ph type="title"/>
+          </p:nvPr>
+        </p:nvSpPr>
+        <p:spPr/>
+        <p:txBody>
+          <a:bodyPr/>
+          <a:lstStyle/>
+          <a:p>
+            <a:r>
+              <a:rPr lang="en-US" dirty="0"/>
+              <a:t>Computer systems</a:t>
+            </a:r>
+          </a:p>
+        </p:txBody>
+      </p:sp>
+      <p:sp>
+        <p:nvSpPr>
+          <p:cNvPr id="5" name="Text Placeholder 4">
+            <a:extLst>
+              <a:ext uri="{FF2B5EF4-FFF2-40B4-BE49-F238E27FC236}">
+                <a16:creationId xmlns:a16="http://schemas.microsoft.com/office/drawing/2014/main" id="{44D0B53D-281E-4193-A016-504D23D53A8C}"/>
+              </a:ext>
+            </a:extLst>
+          </p:cNvPr>
+          <p:cNvSpPr>
+            <a:spLocks noGrp="1"/>
+          </p:cNvSpPr>
+          <p:nvPr>
+            <p:ph type="body" idx="1"/>
+          </p:nvPr>
+        </p:nvSpPr>
+        <p:spPr/>
+        <p:txBody>
+          <a:bodyPr/>
+          <a:lstStyle/>
+          <a:p>
+            <a:endParaRPr lang="en-US"/>
+          </a:p>
+        </p:txBody>
+      </p:sp>
+    </p:spTree>
+    <p:extLst>
+      <p:ext uri="{BB962C8B-B14F-4D97-AF65-F5344CB8AC3E}">
+        <p14:creationId xmlns:p14="http://schemas.microsoft.com/office/powerpoint/2010/main" val="3457596351"/>
+      </p:ext>
+    </p:extLst>
+  </p:cSld>
+  <p:clrMapOvr>
+    <a:masterClrMapping/>
+  </p:clrMapOvr>
+</p:sld>
+</file>
+
+<file path=ppt/slides/slide30.xml><?xml version="1.0" encoding="utf-8"?>
+<p:sld xmlns:a="http://schemas.openxmlformats.org/drawingml/2006/main" xmlns:r="http://schemas.openxmlformats.org/officeDocument/2006/relationships" xmlns:p="http://schemas.openxmlformats.org/presentationml/2006/main">
+  <p:cSld>
+    <p:spTree>
+      <p:nvGrpSpPr>
+        <p:cNvPr id="1" name=""/>
+        <p:cNvGrpSpPr/>
+        <p:nvPr/>
+      </p:nvGrpSpPr>
+      <p:grpSpPr>
+        <a:xfrm>
+          <a:off x="0" y="0"/>
+          <a:ext cx="0" cy="0"/>
+          <a:chOff x="0" y="0"/>
+          <a:chExt cx="0" cy="0"/>
+        </a:xfrm>
+      </p:grpSpPr>
+      <p:sp>
+        <p:nvSpPr>
           <p:cNvPr id="2" name="Slide Number Placeholder 1"/>
           <p:cNvSpPr>
             <a:spLocks noGrp="1"/>
@@ -10942,7 +12998,7 @@
             <a:fld id="{00000000-1234-1234-1234-123412341234}" type="slidenum">
               <a:rPr lang="en" smtClean="0"/>
               <a:pPr algn="ctr"/>
-              <a:t>23</a:t>
+              <a:t>30</a:t>
             </a:fld>
             <a:endParaRPr lang="en"/>
           </a:p>
@@ -10964,7 +13020,7 @@
         </p:blipFill>
         <p:spPr>
           <a:xfrm>
-            <a:off x="2398115" y="491066"/>
+            <a:off x="2791307" y="856826"/>
             <a:ext cx="6963093" cy="5751399"/>
           </a:xfrm>
           <a:prstGeom prst="rect">
@@ -10972,6 +13028,43 @@
           </a:prstGeom>
         </p:spPr>
       </p:pic>
+      <p:sp>
+        <p:nvSpPr>
+          <p:cNvPr id="5" name="TextBox 4">
+            <a:extLst>
+              <a:ext uri="{FF2B5EF4-FFF2-40B4-BE49-F238E27FC236}">
+                <a16:creationId xmlns:a16="http://schemas.microsoft.com/office/drawing/2014/main" id="{9A9603F8-6C0F-4944-AA54-669E32463917}"/>
+              </a:ext>
+            </a:extLst>
+          </p:cNvPr>
+          <p:cNvSpPr txBox="1"/>
+          <p:nvPr/>
+        </p:nvSpPr>
+        <p:spPr>
+          <a:xfrm>
+            <a:off x="2791307" y="487494"/>
+            <a:ext cx="1625245" cy="369332"/>
+          </a:xfrm>
+          <a:prstGeom prst="rect">
+            <a:avLst/>
+          </a:prstGeom>
+          <a:solidFill>
+            <a:schemeClr val="accent4"/>
+          </a:solidFill>
+        </p:spPr>
+        <p:txBody>
+          <a:bodyPr wrap="square" rtlCol="0">
+            <a:spAutoFit/>
+          </a:bodyPr>
+          <a:lstStyle/>
+          <a:p>
+            <a:r>
+              <a:rPr lang="en-US" dirty="0"/>
+              <a:t>Show MBR</a:t>
+            </a:r>
+          </a:p>
+        </p:txBody>
+      </p:sp>
     </p:spTree>
     <p:extLst>
       <p:ext uri="{BB962C8B-B14F-4D97-AF65-F5344CB8AC3E}">
@@ -10985,7 +13078,231 @@
 </p:sld>
 </file>
 
-<file path=ppt/slides/slide24.xml><?xml version="1.0" encoding="utf-8"?>
+<file path=ppt/slides/slide31.xml><?xml version="1.0" encoding="utf-8"?>
+<p:sld xmlns:a="http://schemas.openxmlformats.org/drawingml/2006/main" xmlns:r="http://schemas.openxmlformats.org/officeDocument/2006/relationships" xmlns:p="http://schemas.openxmlformats.org/presentationml/2006/main">
+  <p:cSld>
+    <p:spTree>
+      <p:nvGrpSpPr>
+        <p:cNvPr id="1" name=""/>
+        <p:cNvGrpSpPr/>
+        <p:nvPr/>
+      </p:nvGrpSpPr>
+      <p:grpSpPr>
+        <a:xfrm>
+          <a:off x="0" y="0"/>
+          <a:ext cx="0" cy="0"/>
+          <a:chOff x="0" y="0"/>
+          <a:chExt cx="0" cy="0"/>
+        </a:xfrm>
+      </p:grpSpPr>
+      <p:pic>
+        <p:nvPicPr>
+          <p:cNvPr id="3" name="Picture 2" descr="Graphical user interface, text, application&#10;&#10;Description automatically generated">
+            <a:extLst>
+              <a:ext uri="{FF2B5EF4-FFF2-40B4-BE49-F238E27FC236}">
+                <a16:creationId xmlns:a16="http://schemas.microsoft.com/office/drawing/2014/main" id="{EC1E7ECD-6A98-418F-8E1E-BAEDFF3C37B5}"/>
+              </a:ext>
+            </a:extLst>
+          </p:cNvPr>
+          <p:cNvPicPr>
+            <a:picLocks noChangeAspect="1"/>
+          </p:cNvPicPr>
+          <p:nvPr/>
+        </p:nvPicPr>
+        <p:blipFill>
+          <a:blip r:embed="rId2"/>
+          <a:stretch>
+            <a:fillRect/>
+          </a:stretch>
+        </p:blipFill>
+        <p:spPr>
+          <a:xfrm>
+            <a:off x="777084" y="1732671"/>
+            <a:ext cx="3596952" cy="2697714"/>
+          </a:xfrm>
+          <a:prstGeom prst="rect">
+            <a:avLst/>
+          </a:prstGeom>
+        </p:spPr>
+      </p:pic>
+      <p:pic>
+        <p:nvPicPr>
+          <p:cNvPr id="5" name="Picture 4" descr="Graphical user interface&#10;&#10;Description automatically generated with medium confidence">
+            <a:extLst>
+              <a:ext uri="{FF2B5EF4-FFF2-40B4-BE49-F238E27FC236}">
+                <a16:creationId xmlns:a16="http://schemas.microsoft.com/office/drawing/2014/main" id="{2AEE05CF-7B76-4A25-B094-EF798B2628E3}"/>
+              </a:ext>
+            </a:extLst>
+          </p:cNvPr>
+          <p:cNvPicPr>
+            <a:picLocks noChangeAspect="1"/>
+          </p:cNvPicPr>
+          <p:nvPr/>
+        </p:nvPicPr>
+        <p:blipFill>
+          <a:blip r:embed="rId3"/>
+          <a:stretch>
+            <a:fillRect/>
+          </a:stretch>
+        </p:blipFill>
+        <p:spPr>
+          <a:xfrm>
+            <a:off x="4921472" y="1732671"/>
+            <a:ext cx="6591871" cy="4122777"/>
+          </a:xfrm>
+          <a:prstGeom prst="rect">
+            <a:avLst/>
+          </a:prstGeom>
+        </p:spPr>
+      </p:pic>
+      <p:sp>
+        <p:nvSpPr>
+          <p:cNvPr id="6" name="TextBox 5">
+            <a:extLst>
+              <a:ext uri="{FF2B5EF4-FFF2-40B4-BE49-F238E27FC236}">
+                <a16:creationId xmlns:a16="http://schemas.microsoft.com/office/drawing/2014/main" id="{0CA9669E-AC5B-4EC2-8580-4EE53266E743}"/>
+              </a:ext>
+            </a:extLst>
+          </p:cNvPr>
+          <p:cNvSpPr txBox="1"/>
+          <p:nvPr/>
+        </p:nvSpPr>
+        <p:spPr>
+          <a:xfrm>
+            <a:off x="777084" y="1363339"/>
+            <a:ext cx="4212704" cy="369332"/>
+          </a:xfrm>
+          <a:prstGeom prst="rect">
+            <a:avLst/>
+          </a:prstGeom>
+          <a:solidFill>
+            <a:schemeClr val="accent4"/>
+          </a:solidFill>
+        </p:spPr>
+        <p:txBody>
+          <a:bodyPr wrap="square" rtlCol="0">
+            <a:spAutoFit/>
+          </a:bodyPr>
+          <a:lstStyle/>
+          <a:p>
+            <a:r>
+              <a:rPr lang="en-US" dirty="0"/>
+              <a:t>Show MBR details using template</a:t>
+            </a:r>
+          </a:p>
+        </p:txBody>
+      </p:sp>
+    </p:spTree>
+    <p:extLst>
+      <p:ext uri="{BB962C8B-B14F-4D97-AF65-F5344CB8AC3E}">
+        <p14:creationId xmlns:p14="http://schemas.microsoft.com/office/powerpoint/2010/main" val="3630229365"/>
+      </p:ext>
+    </p:extLst>
+  </p:cSld>
+  <p:clrMapOvr>
+    <a:masterClrMapping/>
+  </p:clrMapOvr>
+</p:sld>
+</file>
+
+<file path=ppt/slides/slide32.xml><?xml version="1.0" encoding="utf-8"?>
+<p:sld xmlns:a="http://schemas.openxmlformats.org/drawingml/2006/main" xmlns:r="http://schemas.openxmlformats.org/officeDocument/2006/relationships" xmlns:p="http://schemas.openxmlformats.org/presentationml/2006/main">
+  <p:cSld>
+    <p:spTree>
+      <p:nvGrpSpPr>
+        <p:cNvPr id="1" name=""/>
+        <p:cNvGrpSpPr/>
+        <p:nvPr/>
+      </p:nvGrpSpPr>
+      <p:grpSpPr>
+        <a:xfrm>
+          <a:off x="0" y="0"/>
+          <a:ext cx="0" cy="0"/>
+          <a:chOff x="0" y="0"/>
+          <a:chExt cx="0" cy="0"/>
+        </a:xfrm>
+      </p:grpSpPr>
+      <p:sp>
+        <p:nvSpPr>
+          <p:cNvPr id="4" name="TextBox 3">
+            <a:extLst>
+              <a:ext uri="{FF2B5EF4-FFF2-40B4-BE49-F238E27FC236}">
+                <a16:creationId xmlns:a16="http://schemas.microsoft.com/office/drawing/2014/main" id="{3E5E312B-B227-4E6D-AC77-7378414DD8CB}"/>
+              </a:ext>
+            </a:extLst>
+          </p:cNvPr>
+          <p:cNvSpPr txBox="1"/>
+          <p:nvPr/>
+        </p:nvSpPr>
+        <p:spPr>
+          <a:xfrm>
+            <a:off x="777084" y="1089019"/>
+            <a:ext cx="3239008" cy="923330"/>
+          </a:xfrm>
+          <a:prstGeom prst="rect">
+            <a:avLst/>
+          </a:prstGeom>
+          <a:solidFill>
+            <a:schemeClr val="accent4"/>
+          </a:solidFill>
+        </p:spPr>
+        <p:txBody>
+          <a:bodyPr wrap="square" rtlCol="0">
+            <a:spAutoFit/>
+          </a:bodyPr>
+          <a:lstStyle/>
+          <a:p>
+            <a:r>
+              <a:rPr lang="en-US" dirty="0"/>
+              <a:t>Another example of MBR details using template, which contains multiple partitions</a:t>
+            </a:r>
+          </a:p>
+        </p:txBody>
+      </p:sp>
+      <p:pic>
+        <p:nvPicPr>
+          <p:cNvPr id="6" name="Picture 5" descr="Table&#10;&#10;Description automatically generated">
+            <a:extLst>
+              <a:ext uri="{FF2B5EF4-FFF2-40B4-BE49-F238E27FC236}">
+                <a16:creationId xmlns:a16="http://schemas.microsoft.com/office/drawing/2014/main" id="{3B058B4E-24C0-4E7C-B7D8-1E43E086D2AA}"/>
+              </a:ext>
+            </a:extLst>
+          </p:cNvPr>
+          <p:cNvPicPr>
+            <a:picLocks noChangeAspect="1"/>
+          </p:cNvPicPr>
+          <p:nvPr/>
+        </p:nvPicPr>
+        <p:blipFill>
+          <a:blip r:embed="rId3"/>
+          <a:stretch>
+            <a:fillRect/>
+          </a:stretch>
+        </p:blipFill>
+        <p:spPr>
+          <a:xfrm>
+            <a:off x="4504127" y="0"/>
+            <a:ext cx="5689497" cy="6858000"/>
+          </a:xfrm>
+          <a:prstGeom prst="rect">
+            <a:avLst/>
+          </a:prstGeom>
+        </p:spPr>
+      </p:pic>
+    </p:spTree>
+    <p:extLst>
+      <p:ext uri="{BB962C8B-B14F-4D97-AF65-F5344CB8AC3E}">
+        <p14:creationId xmlns:p14="http://schemas.microsoft.com/office/powerpoint/2010/main" val="2559588248"/>
+      </p:ext>
+    </p:extLst>
+  </p:cSld>
+  <p:clrMapOvr>
+    <a:masterClrMapping/>
+  </p:clrMapOvr>
+</p:sld>
+</file>
+
+<file path=ppt/slides/slide33.xml><?xml version="1.0" encoding="utf-8"?>
 <p:sld xmlns:a="http://schemas.openxmlformats.org/drawingml/2006/main" xmlns:r="http://schemas.openxmlformats.org/officeDocument/2006/relationships" xmlns:p="http://schemas.openxmlformats.org/presentationml/2006/main">
   <p:cSld>
     <p:spTree>
@@ -11056,7 +13373,7 @@
 </p:sld>
 </file>
 
-<file path=ppt/slides/slide3.xml><?xml version="1.0" encoding="utf-8"?>
+<file path=ppt/slides/slide34.xml><?xml version="1.0" encoding="utf-8"?>
 <p:sld xmlns:a="http://schemas.openxmlformats.org/drawingml/2006/main" xmlns:r="http://schemas.openxmlformats.org/officeDocument/2006/relationships" xmlns:p="http://schemas.openxmlformats.org/presentationml/2006/main">
   <p:cSld>
     <p:spTree>
@@ -11075,10 +13392,10 @@
       </p:grpSpPr>
       <p:sp>
         <p:nvSpPr>
-          <p:cNvPr id="4" name="Title 3">
+          <p:cNvPr id="2" name="Title 1">
             <a:extLst>
               <a:ext uri="{FF2B5EF4-FFF2-40B4-BE49-F238E27FC236}">
-                <a16:creationId xmlns:a16="http://schemas.microsoft.com/office/drawing/2014/main" id="{75A29158-1C64-4CE0-B619-29AE3D56152D}"/>
+                <a16:creationId xmlns:a16="http://schemas.microsoft.com/office/drawing/2014/main" id="{54A8289F-A899-4A8A-8D46-77B5046CF06E}"/>
               </a:ext>
             </a:extLst>
           </p:cNvPr>
@@ -11096,17 +13413,17 @@
           <a:p>
             <a:r>
               <a:rPr lang="en-US" dirty="0"/>
-              <a:t>Computer systems</a:t>
+              <a:t>Assignment</a:t>
             </a:r>
           </a:p>
         </p:txBody>
       </p:sp>
       <p:sp>
         <p:nvSpPr>
-          <p:cNvPr id="5" name="Text Placeholder 4">
+          <p:cNvPr id="5" name="Content Placeholder 4">
             <a:extLst>
               <a:ext uri="{FF2B5EF4-FFF2-40B4-BE49-F238E27FC236}">
-                <a16:creationId xmlns:a16="http://schemas.microsoft.com/office/drawing/2014/main" id="{44D0B53D-281E-4193-A016-504D23D53A8C}"/>
+                <a16:creationId xmlns:a16="http://schemas.microsoft.com/office/drawing/2014/main" id="{A092F541-F753-4D16-B7AD-A7FD510AB8B6}"/>
               </a:ext>
             </a:extLst>
           </p:cNvPr>
@@ -11114,22 +13431,103 @@
             <a:spLocks noGrp="1"/>
           </p:cNvSpPr>
           <p:nvPr>
-            <p:ph type="body" idx="1"/>
+            <p:ph idx="1"/>
           </p:nvPr>
         </p:nvSpPr>
-        <p:spPr/>
+        <p:spPr>
+          <a:xfrm>
+            <a:off x="7744968" y="1825625"/>
+            <a:ext cx="3608832" cy="4351338"/>
+          </a:xfrm>
+        </p:spPr>
         <p:txBody>
           <a:bodyPr/>
           <a:lstStyle/>
           <a:p>
-            <a:endParaRPr lang="en-US"/>
+            <a:r>
+              <a:rPr lang="en-US" dirty="0"/>
+              <a:t>Verify the size of the partition 1</a:t>
+            </a:r>
+          </a:p>
+          <a:p>
+            <a:r>
+              <a:rPr lang="en-GB" dirty="0"/>
+              <a:t>Verify the size of the partition 2</a:t>
+            </a:r>
+          </a:p>
+          <a:p>
+            <a:r>
+              <a:rPr lang="en-GB" dirty="0"/>
+              <a:t>Requirements:</a:t>
+            </a:r>
+          </a:p>
+          <a:p>
+            <a:pPr lvl="1"/>
+            <a:r>
+              <a:rPr lang="en-GB"/>
+              <a:t>Without </a:t>
+            </a:r>
+            <a:r>
+              <a:rPr lang="en-GB" dirty="0"/>
+              <a:t>using templates</a:t>
+            </a:r>
+          </a:p>
+          <a:p>
+            <a:pPr lvl="1"/>
+            <a:r>
+              <a:rPr lang="en-GB" dirty="0"/>
+              <a:t>Compute size in GB</a:t>
+            </a:r>
+          </a:p>
+          <a:p>
+            <a:endParaRPr lang="en-US" dirty="0"/>
           </a:p>
         </p:txBody>
       </p:sp>
+      <p:pic>
+        <p:nvPicPr>
+          <p:cNvPr id="4" name="Picture 3" descr="Graphical user interface, table&#10;&#10;Description automatically generated">
+            <a:extLst>
+              <a:ext uri="{FF2B5EF4-FFF2-40B4-BE49-F238E27FC236}">
+                <a16:creationId xmlns:a16="http://schemas.microsoft.com/office/drawing/2014/main" id="{EB5AAD75-46D2-4952-8D8B-1B60B97D4AD2}"/>
+              </a:ext>
+            </a:extLst>
+          </p:cNvPr>
+          <p:cNvPicPr>
+            <a:picLocks noChangeAspect="1"/>
+          </p:cNvPicPr>
+          <p:nvPr/>
+        </p:nvPicPr>
+        <p:blipFill>
+          <a:blip r:embed="rId3"/>
+          <a:stretch>
+            <a:fillRect/>
+          </a:stretch>
+        </p:blipFill>
+        <p:spPr>
+          <a:xfrm>
+            <a:off x="838200" y="1443438"/>
+            <a:ext cx="6422649" cy="4975649"/>
+          </a:xfrm>
+          <a:prstGeom prst="rect">
+            <a:avLst/>
+          </a:prstGeom>
+          <a:ln>
+            <a:noFill/>
+          </a:ln>
+          <a:effectLst>
+            <a:outerShdw blurRad="292100" dist="139700" dir="2700000" algn="tl" rotWithShape="0">
+              <a:srgbClr val="333333">
+                <a:alpha val="65000"/>
+              </a:srgbClr>
+            </a:outerShdw>
+          </a:effectLst>
+        </p:spPr>
+      </p:pic>
     </p:spTree>
     <p:extLst>
       <p:ext uri="{BB962C8B-B14F-4D97-AF65-F5344CB8AC3E}">
-        <p14:creationId xmlns:p14="http://schemas.microsoft.com/office/powerpoint/2010/main" val="3457596351"/>
+        <p14:creationId xmlns:p14="http://schemas.microsoft.com/office/powerpoint/2010/main" val="4044252772"/>
       </p:ext>
     </p:extLst>
   </p:cSld>
@@ -11234,7 +13632,7 @@
         </p:blipFill>
         <p:spPr bwMode="auto">
           <a:xfrm>
-            <a:off x="838199" y="1352939"/>
+            <a:off x="628533" y="1223778"/>
             <a:ext cx="8105747" cy="5411755"/>
           </a:xfrm>
           <a:prstGeom prst="rect">
@@ -11291,6 +13689,111 @@
             <a:r>
               <a:rPr lang="en-US" sz="1050" dirty="0"/>
               <a:t>/</a:t>
+            </a:r>
+          </a:p>
+        </p:txBody>
+      </p:sp>
+      <p:sp>
+        <p:nvSpPr>
+          <p:cNvPr id="3" name="Right Brace 2">
+            <a:extLst>
+              <a:ext uri="{FF2B5EF4-FFF2-40B4-BE49-F238E27FC236}">
+                <a16:creationId xmlns:a16="http://schemas.microsoft.com/office/drawing/2014/main" id="{81FF3E71-63E4-4E3A-83FB-207CA7A70BB5}"/>
+              </a:ext>
+            </a:extLst>
+          </p:cNvPr>
+          <p:cNvSpPr/>
+          <p:nvPr/>
+        </p:nvSpPr>
+        <p:spPr>
+          <a:xfrm>
+            <a:off x="8943946" y="2245895"/>
+            <a:ext cx="946484" cy="4321015"/>
+          </a:xfrm>
+          <a:prstGeom prst="rightBrace">
+            <a:avLst/>
+          </a:prstGeom>
+        </p:spPr>
+        <p:style>
+          <a:lnRef idx="1">
+            <a:schemeClr val="accent1"/>
+          </a:lnRef>
+          <a:fillRef idx="0">
+            <a:schemeClr val="accent1"/>
+          </a:fillRef>
+          <a:effectRef idx="0">
+            <a:schemeClr val="accent1"/>
+          </a:effectRef>
+          <a:fontRef idx="minor">
+            <a:schemeClr val="tx1"/>
+          </a:fontRef>
+        </p:style>
+        <p:txBody>
+          <a:bodyPr rtlCol="0" anchor="ctr"/>
+          <a:lstStyle/>
+          <a:p>
+            <a:pPr algn="ctr"/>
+            <a:endParaRPr lang="en-US" dirty="0"/>
+          </a:p>
+        </p:txBody>
+      </p:sp>
+      <p:sp>
+        <p:nvSpPr>
+          <p:cNvPr id="4" name="TextBox 3">
+            <a:extLst>
+              <a:ext uri="{FF2B5EF4-FFF2-40B4-BE49-F238E27FC236}">
+                <a16:creationId xmlns:a16="http://schemas.microsoft.com/office/drawing/2014/main" id="{6DF168C5-CA4C-4395-8075-B4EE8934D9AD}"/>
+              </a:ext>
+            </a:extLst>
+          </p:cNvPr>
+          <p:cNvSpPr txBox="1"/>
+          <p:nvPr/>
+        </p:nvSpPr>
+        <p:spPr>
+          <a:xfrm>
+            <a:off x="10100096" y="2833571"/>
+            <a:ext cx="1878543" cy="2585323"/>
+          </a:xfrm>
+          <a:prstGeom prst="rect">
+            <a:avLst/>
+          </a:prstGeom>
+          <a:noFill/>
+        </p:spPr>
+        <p:txBody>
+          <a:bodyPr wrap="square" rtlCol="0">
+            <a:spAutoFit/>
+          </a:bodyPr>
+          <a:lstStyle/>
+          <a:p>
+            <a:pPr marL="285750" indent="-285750">
+              <a:buFont typeface="Arial" panose="020B0604020202020204" pitchFamily="34" charset="0"/>
+              <a:buChar char="•"/>
+            </a:pPr>
+            <a:r>
+              <a:rPr lang="en-US" dirty="0">
+                <a:solidFill>
+                  <a:srgbClr val="FF0000"/>
+                </a:solidFill>
+              </a:rPr>
+              <a:t>Evidence</a:t>
+            </a:r>
+            <a:r>
+              <a:rPr lang="en-US" dirty="0"/>
+              <a:t> is generated from each layer</a:t>
+            </a:r>
+          </a:p>
+          <a:p>
+            <a:pPr marL="285750" indent="-285750">
+              <a:buFont typeface="Arial" panose="020B0604020202020204" pitchFamily="34" charset="0"/>
+              <a:buChar char="•"/>
+            </a:pPr>
+            <a:r>
+              <a:rPr lang="en-US" dirty="0">
+                <a:solidFill>
+                  <a:srgbClr val="7030A0"/>
+                </a:solidFill>
+              </a:rPr>
+              <a:t>User activities= Applications+ OS+ Disk/Memory</a:t>
             </a:r>
           </a:p>
         </p:txBody>
@@ -11664,10 +14167,10 @@
       </p:grpSpPr>
       <p:sp>
         <p:nvSpPr>
-          <p:cNvPr id="3" name="Title 2">
+          <p:cNvPr id="4" name="Title 3">
             <a:extLst>
               <a:ext uri="{FF2B5EF4-FFF2-40B4-BE49-F238E27FC236}">
-                <a16:creationId xmlns:a16="http://schemas.microsoft.com/office/drawing/2014/main" id="{ACBB1566-FACA-43F6-8E5F-6CD4FB80E2E2}"/>
+                <a16:creationId xmlns:a16="http://schemas.microsoft.com/office/drawing/2014/main" id="{85F42646-D7AE-4642-9126-6B0BEF577961}"/>
               </a:ext>
             </a:extLst>
           </p:cNvPr>
@@ -11685,40 +14188,165 @@
           <a:p>
             <a:r>
               <a:rPr lang="en-US" dirty="0"/>
-              <a:t>Hard disk drives</a:t>
+              <a:t>How do computers work?</a:t>
             </a:r>
           </a:p>
         </p:txBody>
       </p:sp>
-      <p:sp>
-        <p:nvSpPr>
-          <p:cNvPr id="4" name="Text Placeholder 3">
+      <p:pic>
+        <p:nvPicPr>
+          <p:cNvPr id="1026" name="Picture 2">
             <a:extLst>
               <a:ext uri="{FF2B5EF4-FFF2-40B4-BE49-F238E27FC236}">
-                <a16:creationId xmlns:a16="http://schemas.microsoft.com/office/drawing/2014/main" id="{989DA336-FECE-4500-96C7-7994956678B8}"/>
+                <a16:creationId xmlns:a16="http://schemas.microsoft.com/office/drawing/2014/main" id="{7A76AE59-A0C0-4166-A46E-FE749308B04D}"/>
               </a:ext>
             </a:extLst>
           </p:cNvPr>
-          <p:cNvSpPr>
-            <a:spLocks noGrp="1"/>
-          </p:cNvSpPr>
-          <p:nvPr>
-            <p:ph type="body" idx="1"/>
-          </p:nvPr>
-        </p:nvSpPr>
-        <p:spPr/>
+          <p:cNvPicPr>
+            <a:picLocks noChangeAspect="1" noChangeArrowheads="1"/>
+          </p:cNvPicPr>
+          <p:nvPr/>
+        </p:nvPicPr>
+        <p:blipFill>
+          <a:blip r:embed="rId2">
+            <a:extLst>
+              <a:ext uri="{28A0092B-C50C-407E-A947-70E740481C1C}">
+                <a14:useLocalDpi xmlns:a14="http://schemas.microsoft.com/office/drawing/2010/main" val="0"/>
+              </a:ext>
+            </a:extLst>
+          </a:blip>
+          <a:srcRect/>
+          <a:stretch>
+            <a:fillRect/>
+          </a:stretch>
+        </p:blipFill>
+        <p:spPr bwMode="auto">
+          <a:xfrm>
+            <a:off x="507822" y="1324096"/>
+            <a:ext cx="9463915" cy="5464329"/>
+          </a:xfrm>
+          <a:prstGeom prst="rect">
+            <a:avLst/>
+          </a:prstGeom>
+          <a:noFill/>
+          <a:extLst>
+            <a:ext uri="{909E8E84-426E-40DD-AFC4-6F175D3DCCD1}">
+              <a14:hiddenFill xmlns:a14="http://schemas.microsoft.com/office/drawing/2010/main">
+                <a:solidFill>
+                  <a:srgbClr val="FFFFFF"/>
+                </a:solidFill>
+              </a14:hiddenFill>
+            </a:ext>
+          </a:extLst>
+        </p:spPr>
+      </p:pic>
+      <p:sp>
+        <p:nvSpPr>
+          <p:cNvPr id="7" name="TextBox 6">
+            <a:extLst>
+              <a:ext uri="{FF2B5EF4-FFF2-40B4-BE49-F238E27FC236}">
+                <a16:creationId xmlns:a16="http://schemas.microsoft.com/office/drawing/2014/main" id="{BB3704EC-B3F0-48B3-BC17-6F524BD713C1}"/>
+              </a:ext>
+            </a:extLst>
+          </p:cNvPr>
+          <p:cNvSpPr txBox="1"/>
+          <p:nvPr/>
+        </p:nvSpPr>
+        <p:spPr>
+          <a:xfrm>
+            <a:off x="3491033" y="6611779"/>
+            <a:ext cx="2997999" cy="246221"/>
+          </a:xfrm>
+          <a:prstGeom prst="rect">
+            <a:avLst/>
+          </a:prstGeom>
+          <a:noFill/>
+        </p:spPr>
         <p:txBody>
-          <a:bodyPr/>
+          <a:bodyPr wrap="square">
+            <a:spAutoFit/>
+          </a:bodyPr>
           <a:lstStyle/>
           <a:p>
-            <a:endParaRPr lang="en-US"/>
+            <a:r>
+              <a:rPr lang="en-US" sz="1000" dirty="0"/>
+              <a:t>https://en.wikipedia.org/wiki/Process_(computing)</a:t>
+            </a:r>
+          </a:p>
+        </p:txBody>
+      </p:sp>
+      <p:sp>
+        <p:nvSpPr>
+          <p:cNvPr id="9" name="TextBox 8">
+            <a:extLst>
+              <a:ext uri="{FF2B5EF4-FFF2-40B4-BE49-F238E27FC236}">
+                <a16:creationId xmlns:a16="http://schemas.microsoft.com/office/drawing/2014/main" id="{CCF42AD5-00C6-4095-8A9B-19D888268CAD}"/>
+              </a:ext>
+            </a:extLst>
+          </p:cNvPr>
+          <p:cNvSpPr txBox="1"/>
+          <p:nvPr/>
+        </p:nvSpPr>
+        <p:spPr>
+          <a:xfrm>
+            <a:off x="8752844" y="131210"/>
+            <a:ext cx="3222589" cy="1815882"/>
+          </a:xfrm>
+          <a:prstGeom prst="rect">
+            <a:avLst/>
+          </a:prstGeom>
+          <a:noFill/>
+        </p:spPr>
+        <p:txBody>
+          <a:bodyPr wrap="square">
+            <a:spAutoFit/>
+          </a:bodyPr>
+          <a:lstStyle/>
+          <a:p>
+            <a:r>
+              <a:rPr lang="en-GB" sz="1600" dirty="0"/>
+              <a:t>Program vs. Process vs. Thread</a:t>
+            </a:r>
+          </a:p>
+          <a:p>
+            <a:pPr marL="285750" indent="-285750">
+              <a:buFont typeface="Arial" panose="020B0604020202020204" pitchFamily="34" charset="0"/>
+              <a:buChar char="•"/>
+            </a:pPr>
+            <a:r>
+              <a:rPr lang="en-GB" sz="1600" dirty="0"/>
+              <a:t>a process is the </a:t>
+            </a:r>
+            <a:r>
+              <a:rPr lang="en-GB" sz="1600" dirty="0">
+                <a:solidFill>
+                  <a:srgbClr val="FF0000"/>
+                </a:solidFill>
+              </a:rPr>
+              <a:t>instance</a:t>
+            </a:r>
+            <a:r>
+              <a:rPr lang="en-GB" sz="1600" dirty="0"/>
+              <a:t> of a computer program</a:t>
+            </a:r>
+          </a:p>
+          <a:p>
+            <a:pPr marL="285750" indent="-285750">
+              <a:buFont typeface="Arial" panose="020B0604020202020204" pitchFamily="34" charset="0"/>
+              <a:buChar char="•"/>
+            </a:pPr>
+            <a:r>
+              <a:rPr lang="en-GB" sz="1600" dirty="0"/>
+              <a:t>a process may be made up of multiple threads of execution that execute instructions concurrently.</a:t>
+            </a:r>
+            <a:endParaRPr lang="en-US" sz="1600" dirty="0"/>
           </a:p>
         </p:txBody>
       </p:sp>
     </p:spTree>
     <p:extLst>
       <p:ext uri="{BB962C8B-B14F-4D97-AF65-F5344CB8AC3E}">
-        <p14:creationId xmlns:p14="http://schemas.microsoft.com/office/powerpoint/2010/main" val="1351668847"/>
+        <p14:creationId xmlns:p14="http://schemas.microsoft.com/office/powerpoint/2010/main" val="1947422297"/>
       </p:ext>
     </p:extLst>
   </p:cSld>
@@ -11747,195 +14375,38 @@
       </p:grpSpPr>
       <p:pic>
         <p:nvPicPr>
-          <p:cNvPr id="1026" name="Picture 2" descr="https://www.cs.uic.edu/~jbell/CourseNotes/OperatingSystems/images/Chapter10/10_01_DiskMechanism.jpg"/>
+          <p:cNvPr id="4" name="Picture 3" descr="Graphical user interface, table&#10;&#10;Description automatically generated">
+            <a:extLst>
+              <a:ext uri="{FF2B5EF4-FFF2-40B4-BE49-F238E27FC236}">
+                <a16:creationId xmlns:a16="http://schemas.microsoft.com/office/drawing/2014/main" id="{840B001E-58CB-4C4F-B3EB-56AF65B61030}"/>
+              </a:ext>
+            </a:extLst>
+          </p:cNvPr>
           <p:cNvPicPr>
-            <a:picLocks noChangeAspect="1" noChangeArrowheads="1"/>
+            <a:picLocks noChangeAspect="1"/>
           </p:cNvPicPr>
           <p:nvPr/>
         </p:nvPicPr>
         <p:blipFill>
-          <a:blip r:embed="rId2">
-            <a:extLst>
-              <a:ext uri="{28A0092B-C50C-407E-A947-70E740481C1C}">
-                <a14:useLocalDpi xmlns:a14="http://schemas.microsoft.com/office/drawing/2010/main" val="0"/>
-              </a:ext>
-            </a:extLst>
-          </a:blip>
-          <a:srcRect/>
+          <a:blip r:embed="rId2"/>
           <a:stretch>
             <a:fillRect/>
           </a:stretch>
         </p:blipFill>
-        <p:spPr bwMode="auto">
-          <a:xfrm>
-            <a:off x="4476129" y="1475939"/>
-            <a:ext cx="6811611" cy="4998131"/>
-          </a:xfrm>
-          <a:prstGeom prst="rect">
-            <a:avLst/>
-          </a:prstGeom>
-          <a:noFill/>
-          <a:extLst>
-            <a:ext uri="{909E8E84-426E-40DD-AFC4-6F175D3DCCD1}">
-              <a14:hiddenFill xmlns:a14="http://schemas.microsoft.com/office/drawing/2010/main">
-                <a:solidFill>
-                  <a:srgbClr val="FFFFFF"/>
-                </a:solidFill>
-              </a14:hiddenFill>
-            </a:ext>
-          </a:extLst>
-        </p:spPr>
-      </p:pic>
-      <p:sp>
-        <p:nvSpPr>
-          <p:cNvPr id="5" name="Rectangle 4"/>
-          <p:cNvSpPr/>
-          <p:nvPr/>
-        </p:nvSpPr>
         <p:spPr>
           <a:xfrm>
-            <a:off x="4137817" y="6474070"/>
-            <a:ext cx="6111084" cy="338554"/>
+            <a:off x="1049751" y="0"/>
+            <a:ext cx="10092497" cy="6858000"/>
           </a:xfrm>
           <a:prstGeom prst="rect">
             <a:avLst/>
           </a:prstGeom>
         </p:spPr>
-        <p:txBody>
-          <a:bodyPr wrap="square">
-            <a:spAutoFit/>
-          </a:bodyPr>
-          <a:lstStyle/>
-          <a:p>
-            <a:r>
-              <a:rPr lang="en-US" sz="1050" dirty="0">
-                <a:latin typeface="Times New Roman" panose="02020603050405020304" pitchFamily="18" charset="0"/>
-              </a:rPr>
-              <a:t>Abraham </a:t>
-            </a:r>
-            <a:r>
-              <a:rPr lang="en-US" sz="1050" dirty="0" err="1">
-                <a:latin typeface="Times New Roman" panose="02020603050405020304" pitchFamily="18" charset="0"/>
-              </a:rPr>
-              <a:t>Silberschatz</a:t>
-            </a:r>
-            <a:r>
-              <a:rPr lang="en-US" sz="1050" dirty="0">
-                <a:latin typeface="Times New Roman" panose="02020603050405020304" pitchFamily="18" charset="0"/>
-              </a:rPr>
-              <a:t>, Greg Gagne, and Peter Baer Galvin, "Operating System Concepts, Ninth Edition </a:t>
-            </a:r>
-            <a:r>
-              <a:rPr lang="en-US" sz="1600" dirty="0">
-                <a:latin typeface="Times New Roman" panose="02020603050405020304" pitchFamily="18" charset="0"/>
-              </a:rPr>
-              <a:t>"</a:t>
-            </a:r>
-            <a:endParaRPr lang="en-US" sz="1600" dirty="0"/>
-          </a:p>
-        </p:txBody>
-      </p:sp>
-      <p:pic>
-        <p:nvPicPr>
-          <p:cNvPr id="1028" name="Picture 4" descr="fujitsu mhx2300bt 300gb 2.5in sata hdd"/>
-          <p:cNvPicPr>
-            <a:picLocks noChangeAspect="1" noChangeArrowheads="1"/>
-          </p:cNvPicPr>
-          <p:nvPr/>
-        </p:nvPicPr>
-        <p:blipFill>
-          <a:blip r:embed="rId3">
-            <a:extLst>
-              <a:ext uri="{28A0092B-C50C-407E-A947-70E740481C1C}">
-                <a14:useLocalDpi xmlns:a14="http://schemas.microsoft.com/office/drawing/2010/main" val="0"/>
-              </a:ext>
-            </a:extLst>
-          </a:blip>
-          <a:srcRect/>
-          <a:stretch>
-            <a:fillRect/>
-          </a:stretch>
-        </p:blipFill>
-        <p:spPr bwMode="auto">
-          <a:xfrm>
-            <a:off x="0" y="2183917"/>
-            <a:ext cx="3957277" cy="3042708"/>
-          </a:xfrm>
-          <a:prstGeom prst="rect">
-            <a:avLst/>
-          </a:prstGeom>
-          <a:noFill/>
-          <a:extLst>
-            <a:ext uri="{909E8E84-426E-40DD-AFC4-6F175D3DCCD1}">
-              <a14:hiddenFill xmlns:a14="http://schemas.microsoft.com/office/drawing/2010/main">
-                <a:solidFill>
-                  <a:srgbClr val="FFFFFF"/>
-                </a:solidFill>
-              </a14:hiddenFill>
-            </a:ext>
-          </a:extLst>
-        </p:spPr>
       </p:pic>
-      <p:sp>
-        <p:nvSpPr>
-          <p:cNvPr id="6" name="Rectangle 5"/>
-          <p:cNvSpPr/>
-          <p:nvPr/>
-        </p:nvSpPr>
-        <p:spPr>
-          <a:xfrm>
-            <a:off x="220331" y="6039485"/>
-            <a:ext cx="2853216" cy="230832"/>
-          </a:xfrm>
-          <a:prstGeom prst="rect">
-            <a:avLst/>
-          </a:prstGeom>
-        </p:spPr>
-        <p:txBody>
-          <a:bodyPr wrap="square">
-            <a:spAutoFit/>
-          </a:bodyPr>
-          <a:lstStyle/>
-          <a:p>
-            <a:r>
-              <a:rPr lang="en-US" sz="900" dirty="0"/>
-              <a:t>https://regmedia.co.uk/2006/12/12/fujitsu_300gb_1.jpg</a:t>
-            </a:r>
-          </a:p>
-        </p:txBody>
-      </p:sp>
-      <p:sp>
-        <p:nvSpPr>
-          <p:cNvPr id="2" name="Title 1">
-            <a:extLst>
-              <a:ext uri="{FF2B5EF4-FFF2-40B4-BE49-F238E27FC236}">
-                <a16:creationId xmlns:a16="http://schemas.microsoft.com/office/drawing/2014/main" id="{9E7D6529-D026-4EDC-B0C1-F236240B998E}"/>
-              </a:ext>
-            </a:extLst>
-          </p:cNvPr>
-          <p:cNvSpPr>
-            <a:spLocks noGrp="1"/>
-          </p:cNvSpPr>
-          <p:nvPr>
-            <p:ph type="title"/>
-          </p:nvPr>
-        </p:nvSpPr>
-        <p:spPr/>
-        <p:txBody>
-          <a:bodyPr/>
-          <a:lstStyle/>
-          <a:p>
-            <a:r>
-              <a:rPr lang="en-US" dirty="0"/>
-              <a:t>Understand disk drives</a:t>
-            </a:r>
-          </a:p>
-        </p:txBody>
-      </p:sp>
     </p:spTree>
     <p:extLst>
       <p:ext uri="{BB962C8B-B14F-4D97-AF65-F5344CB8AC3E}">
-        <p14:creationId xmlns:p14="http://schemas.microsoft.com/office/powerpoint/2010/main" val="1663533553"/>
+        <p14:creationId xmlns:p14="http://schemas.microsoft.com/office/powerpoint/2010/main" val="3041551094"/>
       </p:ext>
     </p:extLst>
   </p:cSld>
@@ -11964,7 +14435,13 @@
       </p:grpSpPr>
       <p:sp>
         <p:nvSpPr>
-          <p:cNvPr id="4" name="Title 3"/>
+          <p:cNvPr id="2" name="Title 1">
+            <a:extLst>
+              <a:ext uri="{FF2B5EF4-FFF2-40B4-BE49-F238E27FC236}">
+                <a16:creationId xmlns:a16="http://schemas.microsoft.com/office/drawing/2014/main" id="{900AA902-6489-4936-A94F-87C6A7748AAC}"/>
+              </a:ext>
+            </a:extLst>
+          </p:cNvPr>
           <p:cNvSpPr>
             <a:spLocks noGrp="1"/>
           </p:cNvSpPr>
@@ -11979,14 +14456,20 @@
           <a:p>
             <a:r>
               <a:rPr lang="en-US" dirty="0"/>
-              <a:t>What is a disk sector?</a:t>
+              <a:t>Why computer forensics is hard?</a:t>
             </a:r>
           </a:p>
         </p:txBody>
       </p:sp>
       <p:sp>
         <p:nvSpPr>
-          <p:cNvPr id="5" name="Content Placeholder 4"/>
+          <p:cNvPr id="3" name="Content Placeholder 2">
+            <a:extLst>
+              <a:ext uri="{FF2B5EF4-FFF2-40B4-BE49-F238E27FC236}">
+                <a16:creationId xmlns:a16="http://schemas.microsoft.com/office/drawing/2014/main" id="{FDA12FEB-15D5-4170-A558-8E8D2F31B460}"/>
+              </a:ext>
+            </a:extLst>
+          </p:cNvPr>
           <p:cNvSpPr>
             <a:spLocks noGrp="1"/>
           </p:cNvSpPr>
@@ -11994,112 +14477,99 @@
             <p:ph idx="1"/>
           </p:nvPr>
         </p:nvSpPr>
-        <p:spPr>
-          <a:xfrm>
-            <a:off x="997235" y="1753200"/>
-            <a:ext cx="5784531" cy="4814400"/>
-          </a:xfrm>
-        </p:spPr>
+        <p:spPr/>
         <p:txBody>
-          <a:bodyPr/>
+          <a:bodyPr>
+            <a:normAutofit fontScale="92500" lnSpcReduction="10000"/>
+          </a:bodyPr>
           <a:lstStyle/>
           <a:p>
             <a:r>
               <a:rPr lang="en-US" dirty="0"/>
-              <a:t>The sector is the minimum storage unit of a hard drive.</a:t>
-            </a:r>
-          </a:p>
-          <a:p>
+              <a:t>Technical difficulties</a:t>
+            </a:r>
+          </a:p>
+          <a:p>
+            <a:pPr lvl="1"/>
             <a:r>
               <a:rPr lang="en-US" dirty="0"/>
-              <a:t>Files occupy an integral number of sectors regardless of the file's actual size. </a:t>
-            </a:r>
-          </a:p>
-          <a:p>
-            <a:r>
-              <a:rPr lang="en-US" sz="3733" dirty="0"/>
-              <a:t># bytes per sector =</a:t>
-            </a:r>
-            <a:r>
-              <a:rPr lang="en-US" sz="3733" dirty="0">
+              <a:t>OS: different OS types, versions, complexity of OS</a:t>
+            </a:r>
+          </a:p>
+          <a:p>
+            <a:pPr lvl="1"/>
+            <a:r>
+              <a:rPr lang="en-US" dirty="0"/>
+              <a:t>Applications: many applications, different version of application</a:t>
+            </a:r>
+          </a:p>
+          <a:p>
+            <a:pPr lvl="1"/>
+            <a:r>
+              <a:rPr lang="en-US" dirty="0"/>
+              <a:t>Hardware: CPU, GPU, camera</a:t>
+            </a:r>
+          </a:p>
+          <a:p>
+            <a:pPr lvl="1"/>
+            <a:r>
+              <a:rPr lang="en-US" dirty="0"/>
+              <a:t>Ever-advancing technology: e.g., database changes, SSD vs HDD, EV car</a:t>
+            </a:r>
+          </a:p>
+          <a:p>
+            <a:r>
+              <a:rPr lang="en-US"/>
+              <a:t>A connected </a:t>
+            </a:r>
+            <a:r>
+              <a:rPr lang="en-US" dirty="0"/>
+              <a:t>world</a:t>
+            </a:r>
+          </a:p>
+          <a:p>
+            <a:pPr lvl="1"/>
+            <a:r>
+              <a:rPr lang="en-US" dirty="0"/>
+              <a:t>IoT devices: Alex, Camera, Fitbit, Smart Phone</a:t>
+            </a:r>
+          </a:p>
+          <a:p>
+            <a:r>
+              <a:rPr lang="en-US" dirty="0"/>
+              <a:t>Information explosion</a:t>
+            </a:r>
+          </a:p>
+          <a:p>
+            <a:pPr lvl="1"/>
+            <a:r>
+              <a:rPr lang="en-US" dirty="0"/>
+              <a:t>too much information, how to collect, analyze, validate them systematically?</a:t>
+            </a:r>
+          </a:p>
+          <a:p>
+            <a:r>
+              <a:rPr lang="en-US" dirty="0"/>
+              <a:t>Computer forensics is </a:t>
+            </a:r>
+            <a:r>
+              <a:rPr lang="en-US" dirty="0">
                 <a:solidFill>
                   <a:srgbClr val="FF0000"/>
                 </a:solidFill>
               </a:rPr>
-              <a:t>512</a:t>
-            </a:r>
-            <a:r>
-              <a:rPr lang="en-US" sz="3733" dirty="0"/>
-              <a:t> Bytes</a:t>
-            </a:r>
-          </a:p>
-        </p:txBody>
-      </p:sp>
-      <p:pic>
-        <p:nvPicPr>
-          <p:cNvPr id="4100" name="Picture 4" descr="26BalHW.png"/>
-          <p:cNvPicPr>
-            <a:picLocks noChangeAspect="1" noChangeArrowheads="1"/>
-          </p:cNvPicPr>
-          <p:nvPr/>
-        </p:nvPicPr>
-        <p:blipFill>
-          <a:blip r:embed="rId2">
-            <a:extLst>
-              <a:ext uri="{28A0092B-C50C-407E-A947-70E740481C1C}">
-                <a14:useLocalDpi xmlns:a14="http://schemas.microsoft.com/office/drawing/2010/main" val="0"/>
-              </a:ext>
-            </a:extLst>
-          </a:blip>
-          <a:srcRect/>
-          <a:stretch>
-            <a:fillRect/>
-          </a:stretch>
-        </p:blipFill>
-        <p:spPr bwMode="auto">
-          <a:xfrm>
-            <a:off x="6781766" y="1753200"/>
-            <a:ext cx="5105241" cy="4128977"/>
-          </a:xfrm>
-          <a:prstGeom prst="rect">
-            <a:avLst/>
-          </a:prstGeom>
-          <a:noFill/>
-          <a:extLst>
-            <a:ext uri="{909E8E84-426E-40DD-AFC4-6F175D3DCCD1}">
-              <a14:hiddenFill xmlns:a14="http://schemas.microsoft.com/office/drawing/2010/main">
-                <a:solidFill>
-                  <a:srgbClr val="FFFFFF"/>
-                </a:solidFill>
-              </a14:hiddenFill>
-            </a:ext>
-          </a:extLst>
-        </p:spPr>
-      </p:pic>
-      <p:sp>
-        <p:nvSpPr>
-          <p:cNvPr id="6" name="Rectangle 5"/>
-          <p:cNvSpPr/>
-          <p:nvPr/>
-        </p:nvSpPr>
-        <p:spPr>
-          <a:xfrm>
-            <a:off x="9558116" y="6602244"/>
-            <a:ext cx="1795684" cy="230832"/>
-          </a:xfrm>
-          <a:prstGeom prst="rect">
-            <a:avLst/>
-          </a:prstGeom>
-        </p:spPr>
-        <p:txBody>
-          <a:bodyPr wrap="none">
-            <a:spAutoFit/>
-          </a:bodyPr>
-          <a:lstStyle/>
-          <a:p>
-            <a:r>
-              <a:rPr lang="en-US" sz="900" dirty="0"/>
-              <a:t>https://i.imgur.com/26BalHW.png</a:t>
+              <a:t>NOT</a:t>
+            </a:r>
+            <a:r>
+              <a:rPr lang="en-US" dirty="0"/>
+              <a:t> only a computer science discipline</a:t>
+            </a:r>
+          </a:p>
+          <a:p>
+            <a:pPr lvl="1"/>
+            <a:r>
+              <a:rPr lang="en-US" dirty="0"/>
+              <a:t>criminal justice, law</a:t>
             </a:r>
           </a:p>
         </p:txBody>
@@ -12107,7 +14577,7 @@
     </p:spTree>
     <p:extLst>
       <p:ext uri="{BB962C8B-B14F-4D97-AF65-F5344CB8AC3E}">
-        <p14:creationId xmlns:p14="http://schemas.microsoft.com/office/powerpoint/2010/main" val="1429759575"/>
+        <p14:creationId xmlns:p14="http://schemas.microsoft.com/office/powerpoint/2010/main" val="524028341"/>
       </p:ext>
     </p:extLst>
   </p:cSld>
@@ -12134,176 +14604,15 @@
           <a:chExt cx="0" cy="0"/>
         </a:xfrm>
       </p:grpSpPr>
-      <p:sp>
-        <p:nvSpPr>
-          <p:cNvPr id="4" name="Title 3"/>
-          <p:cNvSpPr>
-            <a:spLocks noGrp="1"/>
-          </p:cNvSpPr>
-          <p:nvPr>
-            <p:ph type="title"/>
-          </p:nvPr>
-        </p:nvSpPr>
-        <p:spPr/>
-        <p:txBody>
-          <a:bodyPr/>
-          <a:lstStyle/>
-          <a:p>
-            <a:r>
-              <a:rPr lang="en-US" dirty="0"/>
-              <a:t>Calculate the total sectors</a:t>
-            </a:r>
-          </a:p>
-        </p:txBody>
-      </p:sp>
-      <p:sp>
-        <p:nvSpPr>
-          <p:cNvPr id="5" name="Content Placeholder 4"/>
-          <p:cNvSpPr>
-            <a:spLocks noGrp="1"/>
-          </p:cNvSpPr>
-          <p:nvPr>
-            <p:ph idx="1"/>
-          </p:nvPr>
-        </p:nvSpPr>
-        <p:spPr>
-          <a:xfrm>
-            <a:off x="838200" y="1825625"/>
-            <a:ext cx="6027420" cy="4351338"/>
-          </a:xfrm>
-        </p:spPr>
-        <p:txBody>
-          <a:bodyPr/>
-          <a:lstStyle/>
-          <a:p>
-            <a:r>
-              <a:rPr lang="en-US" dirty="0"/>
-              <a:t>#</a:t>
-            </a:r>
-            <a:r>
-              <a:rPr lang="en-US" dirty="0">
-                <a:solidFill>
-                  <a:srgbClr val="FF0000"/>
-                </a:solidFill>
-              </a:rPr>
-              <a:t>s</a:t>
-            </a:r>
-            <a:r>
-              <a:rPr lang="en-US" dirty="0"/>
-              <a:t>ectors per track</a:t>
-            </a:r>
-          </a:p>
-          <a:p>
-            <a:r>
-              <a:rPr lang="en-US" dirty="0"/>
-              <a:t># tracks (</a:t>
-            </a:r>
-            <a:r>
-              <a:rPr lang="en-US" dirty="0">
-                <a:solidFill>
-                  <a:srgbClr val="FF0000"/>
-                </a:solidFill>
-              </a:rPr>
-              <a:t>c</a:t>
-            </a:r>
-            <a:r>
-              <a:rPr lang="en-US" dirty="0"/>
-              <a:t>ylinders) </a:t>
-            </a:r>
-          </a:p>
-          <a:p>
-            <a:r>
-              <a:rPr lang="en-US" dirty="0"/>
-              <a:t># </a:t>
-            </a:r>
-            <a:r>
-              <a:rPr lang="en-US" dirty="0">
-                <a:solidFill>
-                  <a:srgbClr val="FF0000"/>
-                </a:solidFill>
-              </a:rPr>
-              <a:t>h</a:t>
-            </a:r>
-            <a:r>
-              <a:rPr lang="en-US" dirty="0"/>
-              <a:t>eaders </a:t>
-            </a:r>
-          </a:p>
-          <a:p>
-            <a:r>
-              <a:rPr lang="en-US" dirty="0"/>
-              <a:t>#Size of disk=# tracks (</a:t>
-            </a:r>
-            <a:r>
-              <a:rPr lang="en-US" dirty="0">
-                <a:solidFill>
-                  <a:srgbClr val="FF0000"/>
-                </a:solidFill>
-              </a:rPr>
-              <a:t>C</a:t>
-            </a:r>
-            <a:r>
-              <a:rPr lang="en-US" dirty="0"/>
-              <a:t>) x #</a:t>
-            </a:r>
-            <a:r>
-              <a:rPr lang="en-US" dirty="0">
-                <a:solidFill>
-                  <a:srgbClr val="FF0000"/>
-                </a:solidFill>
-              </a:rPr>
-              <a:t>H</a:t>
-            </a:r>
-            <a:r>
-              <a:rPr lang="en-US" dirty="0"/>
-              <a:t>eads x  #</a:t>
-            </a:r>
-            <a:r>
-              <a:rPr lang="en-US" dirty="0">
-                <a:solidFill>
-                  <a:srgbClr val="FF0000"/>
-                </a:solidFill>
-              </a:rPr>
-              <a:t>S</a:t>
-            </a:r>
-            <a:r>
-              <a:rPr lang="en-US" dirty="0"/>
-              <a:t>ectors per track (CHS)</a:t>
-            </a:r>
-          </a:p>
-          <a:p>
-            <a:pPr lvl="1" fontAlgn="base"/>
-            <a:r>
-              <a:rPr lang="en-US" dirty="0"/>
-              <a:t>no of sectors: 400</a:t>
-            </a:r>
-          </a:p>
-          <a:p>
-            <a:pPr lvl="1" fontAlgn="base"/>
-            <a:r>
-              <a:rPr lang="en-US" dirty="0"/>
-              <a:t>no of heads: 12</a:t>
-            </a:r>
-          </a:p>
-          <a:p>
-            <a:pPr lvl="1" fontAlgn="base"/>
-            <a:r>
-              <a:rPr lang="en-US" dirty="0"/>
-              <a:t>cylinders: 17000</a:t>
-            </a:r>
-          </a:p>
-          <a:p>
-            <a:pPr lvl="1" fontAlgn="base"/>
-            <a:r>
-              <a:rPr lang="en-US" dirty="0"/>
-              <a:t>=81600000 sectors</a:t>
-            </a:r>
-          </a:p>
-        </p:txBody>
-      </p:sp>
       <p:pic>
         <p:nvPicPr>
-          <p:cNvPr id="3" name="Picture 2" descr="https://www.cs.uic.edu/~jbell/CourseNotes/OperatingSystems/images/Chapter10/10_01_DiskMechanism.jpg"/>
+          <p:cNvPr id="3" name="Picture 2">
+            <a:extLst>
+              <a:ext uri="{FF2B5EF4-FFF2-40B4-BE49-F238E27FC236}">
+                <a16:creationId xmlns:a16="http://schemas.microsoft.com/office/drawing/2014/main" id="{139424A3-F7A7-4748-8EB5-EB72CD1D7A07}"/>
+              </a:ext>
+            </a:extLst>
+          </p:cNvPr>
           <p:cNvPicPr>
             <a:picLocks noChangeAspect="1" noChangeArrowheads="1"/>
           </p:cNvPicPr>
@@ -12324,8 +14633,8 @@
         </p:blipFill>
         <p:spPr bwMode="auto">
           <a:xfrm>
-            <a:off x="6921796" y="1915778"/>
-            <a:ext cx="5017072" cy="3681359"/>
+            <a:off x="1214120" y="1099031"/>
+            <a:ext cx="9463915" cy="5464329"/>
           </a:xfrm>
           <a:prstGeom prst="rect">
             <a:avLst/>
@@ -12342,10 +14651,215 @@
           </a:extLst>
         </p:spPr>
       </p:pic>
+      <p:sp>
+        <p:nvSpPr>
+          <p:cNvPr id="4" name="TextBox 3">
+            <a:extLst>
+              <a:ext uri="{FF2B5EF4-FFF2-40B4-BE49-F238E27FC236}">
+                <a16:creationId xmlns:a16="http://schemas.microsoft.com/office/drawing/2014/main" id="{56FFA25F-9388-4177-9610-CFBBA1947005}"/>
+              </a:ext>
+            </a:extLst>
+          </p:cNvPr>
+          <p:cNvSpPr txBox="1"/>
+          <p:nvPr/>
+        </p:nvSpPr>
+        <p:spPr>
+          <a:xfrm>
+            <a:off x="3616960" y="650240"/>
+            <a:ext cx="2524217" cy="369332"/>
+          </a:xfrm>
+          <a:prstGeom prst="rect">
+            <a:avLst/>
+          </a:prstGeom>
+          <a:noFill/>
+        </p:spPr>
+        <p:txBody>
+          <a:bodyPr wrap="none" rtlCol="0">
+            <a:spAutoFit/>
+          </a:bodyPr>
+          <a:lstStyle/>
+          <a:p>
+            <a:r>
+              <a:rPr lang="en-US" dirty="0">
+                <a:solidFill>
+                  <a:srgbClr val="7030A0"/>
+                </a:solidFill>
+              </a:rPr>
+              <a:t>OS logs, Application logs,</a:t>
+            </a:r>
+          </a:p>
+        </p:txBody>
+      </p:sp>
+      <p:sp>
+        <p:nvSpPr>
+          <p:cNvPr id="5" name="TextBox 4">
+            <a:extLst>
+              <a:ext uri="{FF2B5EF4-FFF2-40B4-BE49-F238E27FC236}">
+                <a16:creationId xmlns:a16="http://schemas.microsoft.com/office/drawing/2014/main" id="{8AAA3ABE-D6B0-40AC-9322-58C7893C2FDE}"/>
+              </a:ext>
+            </a:extLst>
+          </p:cNvPr>
+          <p:cNvSpPr txBox="1"/>
+          <p:nvPr/>
+        </p:nvSpPr>
+        <p:spPr>
+          <a:xfrm>
+            <a:off x="7508240" y="689970"/>
+            <a:ext cx="1873911" cy="369332"/>
+          </a:xfrm>
+          <a:prstGeom prst="rect">
+            <a:avLst/>
+          </a:prstGeom>
+          <a:noFill/>
+        </p:spPr>
+        <p:txBody>
+          <a:bodyPr wrap="none" rtlCol="0">
+            <a:spAutoFit/>
+          </a:bodyPr>
+          <a:lstStyle/>
+          <a:p>
+            <a:r>
+              <a:rPr lang="en-US" dirty="0">
+                <a:solidFill>
+                  <a:srgbClr val="7030A0"/>
+                </a:solidFill>
+              </a:rPr>
+              <a:t>Memory forensics</a:t>
+            </a:r>
+          </a:p>
+        </p:txBody>
+      </p:sp>
+      <p:sp>
+        <p:nvSpPr>
+          <p:cNvPr id="6" name="TextBox 5">
+            <a:extLst>
+              <a:ext uri="{FF2B5EF4-FFF2-40B4-BE49-F238E27FC236}">
+                <a16:creationId xmlns:a16="http://schemas.microsoft.com/office/drawing/2014/main" id="{97BFB8EF-62BA-44E3-877E-5AA16D5A3CCD}"/>
+              </a:ext>
+            </a:extLst>
+          </p:cNvPr>
+          <p:cNvSpPr txBox="1"/>
+          <p:nvPr/>
+        </p:nvSpPr>
+        <p:spPr>
+          <a:xfrm>
+            <a:off x="1265045" y="294640"/>
+            <a:ext cx="1239520" cy="923330"/>
+          </a:xfrm>
+          <a:prstGeom prst="rect">
+            <a:avLst/>
+          </a:prstGeom>
+          <a:noFill/>
+        </p:spPr>
+        <p:txBody>
+          <a:bodyPr wrap="square" rtlCol="0">
+            <a:spAutoFit/>
+          </a:bodyPr>
+          <a:lstStyle/>
+          <a:p>
+            <a:r>
+              <a:rPr lang="en-US" dirty="0">
+                <a:solidFill>
+                  <a:srgbClr val="7030A0"/>
+                </a:solidFill>
+              </a:rPr>
+              <a:t>Low level Analysis: malware</a:t>
+            </a:r>
+          </a:p>
+        </p:txBody>
+      </p:sp>
+      <p:sp>
+        <p:nvSpPr>
+          <p:cNvPr id="7" name="TextBox 6">
+            <a:extLst>
+              <a:ext uri="{FF2B5EF4-FFF2-40B4-BE49-F238E27FC236}">
+                <a16:creationId xmlns:a16="http://schemas.microsoft.com/office/drawing/2014/main" id="{5A3D8DA7-BE01-42FB-8B5E-39CCE4B83D06}"/>
+              </a:ext>
+            </a:extLst>
+          </p:cNvPr>
+          <p:cNvSpPr txBox="1"/>
+          <p:nvPr/>
+        </p:nvSpPr>
+        <p:spPr>
+          <a:xfrm>
+            <a:off x="9692640" y="3967480"/>
+            <a:ext cx="2351285" cy="646331"/>
+          </a:xfrm>
+          <a:prstGeom prst="rect">
+            <a:avLst/>
+          </a:prstGeom>
+          <a:noFill/>
+        </p:spPr>
+        <p:txBody>
+          <a:bodyPr wrap="none" rtlCol="0">
+            <a:spAutoFit/>
+          </a:bodyPr>
+          <a:lstStyle/>
+          <a:p>
+            <a:r>
+              <a:rPr lang="en-US" dirty="0">
+                <a:solidFill>
+                  <a:srgbClr val="7030A0"/>
+                </a:solidFill>
+              </a:rPr>
+              <a:t>Dynamical Analysis:</a:t>
+            </a:r>
+          </a:p>
+          <a:p>
+            <a:r>
+              <a:rPr lang="en-US" dirty="0">
+                <a:solidFill>
+                  <a:srgbClr val="7030A0"/>
+                </a:solidFill>
+              </a:rPr>
+              <a:t>OS PID, Application PID</a:t>
+            </a:r>
+          </a:p>
+        </p:txBody>
+      </p:sp>
+      <p:sp>
+        <p:nvSpPr>
+          <p:cNvPr id="8" name="TextBox 7">
+            <a:extLst>
+              <a:ext uri="{FF2B5EF4-FFF2-40B4-BE49-F238E27FC236}">
+                <a16:creationId xmlns:a16="http://schemas.microsoft.com/office/drawing/2014/main" id="{9BF20C5C-ACCE-4766-B616-5C51CDEAC475}"/>
+              </a:ext>
+            </a:extLst>
+          </p:cNvPr>
+          <p:cNvSpPr txBox="1"/>
+          <p:nvPr/>
+        </p:nvSpPr>
+        <p:spPr>
+          <a:xfrm>
+            <a:off x="1265675" y="3723640"/>
+            <a:ext cx="2377126" cy="369332"/>
+          </a:xfrm>
+          <a:prstGeom prst="rect">
+            <a:avLst/>
+          </a:prstGeom>
+          <a:noFill/>
+        </p:spPr>
+        <p:txBody>
+          <a:bodyPr wrap="none" rtlCol="0">
+            <a:spAutoFit/>
+          </a:bodyPr>
+          <a:lstStyle/>
+          <a:p>
+            <a:r>
+              <a:rPr lang="en-US" dirty="0">
+                <a:solidFill>
+                  <a:srgbClr val="7030A0"/>
+                </a:solidFill>
+              </a:rPr>
+              <a:t>CPU execution analysis </a:t>
+            </a:r>
+          </a:p>
+        </p:txBody>
+      </p:sp>
     </p:spTree>
     <p:extLst>
       <p:ext uri="{BB962C8B-B14F-4D97-AF65-F5344CB8AC3E}">
-        <p14:creationId xmlns:p14="http://schemas.microsoft.com/office/powerpoint/2010/main" val="1167073923"/>
+        <p14:creationId xmlns:p14="http://schemas.microsoft.com/office/powerpoint/2010/main" val="3669683899"/>
       </p:ext>
     </p:extLst>
   </p:cSld>
